--- a/coding-serbia.pptx
+++ b/coding-serbia.pptx
@@ -5,19 +5,26 @@
     <p:sldMasterId id="2147483648" r:id="rId1"/>
   </p:sldMasterIdLst>
   <p:notesMasterIdLst>
-    <p:notesMasterId r:id="rId9"/>
+    <p:notesMasterId r:id="rId16"/>
   </p:notesMasterIdLst>
   <p:handoutMasterIdLst>
-    <p:handoutMasterId r:id="rId10"/>
+    <p:handoutMasterId r:id="rId17"/>
   </p:handoutMasterIdLst>
   <p:sldIdLst>
     <p:sldId id="379" r:id="rId2"/>
     <p:sldId id="381" r:id="rId3"/>
-    <p:sldId id="382" r:id="rId4"/>
-    <p:sldId id="383" r:id="rId5"/>
-    <p:sldId id="384" r:id="rId6"/>
-    <p:sldId id="385" r:id="rId7"/>
-    <p:sldId id="386" r:id="rId8"/>
+    <p:sldId id="383" r:id="rId4"/>
+    <p:sldId id="384" r:id="rId5"/>
+    <p:sldId id="385" r:id="rId6"/>
+    <p:sldId id="386" r:id="rId7"/>
+    <p:sldId id="387" r:id="rId8"/>
+    <p:sldId id="388" r:id="rId9"/>
+    <p:sldId id="390" r:id="rId10"/>
+    <p:sldId id="391" r:id="rId11"/>
+    <p:sldId id="394" r:id="rId12"/>
+    <p:sldId id="392" r:id="rId13"/>
+    <p:sldId id="393" r:id="rId14"/>
+    <p:sldId id="382" r:id="rId15"/>
   </p:sldIdLst>
   <p:sldSz cx="10693400" cy="7561263"/>
   <p:notesSz cx="6797675" cy="9926638"/>
@@ -147,6 +154,1038 @@
     </a:lvl9pPr>
   </p:defaultTextStyle>
 </p:presentation>
+</file>
+
+<file path=ppt/charts/chart1.xml><?xml version="1.0" encoding="utf-8"?>
+<c:chartSpace xmlns:c="http://schemas.openxmlformats.org/drawingml/2006/chart" xmlns:a="http://schemas.openxmlformats.org/drawingml/2006/main" xmlns:r="http://schemas.openxmlformats.org/officeDocument/2006/relationships">
+  <c:date1904 val="0"/>
+  <c:lang val="en-US"/>
+  <c:roundedCorners val="0"/>
+  <mc:AlternateContent xmlns:mc="http://schemas.openxmlformats.org/markup-compatibility/2006">
+    <mc:Choice xmlns:c14="http://schemas.microsoft.com/office/drawing/2007/8/2/chart" Requires="c14">
+      <c14:style val="102"/>
+    </mc:Choice>
+    <mc:Fallback>
+      <c:style val="2"/>
+    </mc:Fallback>
+  </mc:AlternateContent>
+  <c:chart>
+    <c:autoTitleDeleted val="1"/>
+    <c:plotArea>
+      <c:layout/>
+      <c:lineChart>
+        <c:grouping val="standard"/>
+        <c:varyColors val="0"/>
+        <c:ser>
+          <c:idx val="0"/>
+          <c:order val="0"/>
+          <c:tx>
+            <c:strRef>
+              <c:f>Sheet1!$B$2</c:f>
+              <c:strCache>
+                <c:ptCount val="1"/>
+                <c:pt idx="0">
+                  <c:v>pig_2 (2 store cmds)</c:v>
+                </c:pt>
+              </c:strCache>
+            </c:strRef>
+          </c:tx>
+          <c:spPr>
+            <a:ln>
+              <a:solidFill>
+                <a:srgbClr val="FFC000"/>
+              </a:solidFill>
+            </a:ln>
+          </c:spPr>
+          <c:marker>
+            <c:symbol val="none"/>
+          </c:marker>
+          <c:dLbls>
+            <c:txPr>
+              <a:bodyPr/>
+              <a:lstStyle/>
+              <a:p>
+                <a:pPr>
+                  <a:defRPr sz="1800">
+                    <a:solidFill>
+                      <a:schemeClr val="bg1"/>
+                    </a:solidFill>
+                  </a:defRPr>
+                </a:pPr>
+                <a:endParaRPr lang="en-US"/>
+              </a:p>
+            </c:txPr>
+            <c:showLegendKey val="0"/>
+            <c:showVal val="1"/>
+            <c:showCatName val="0"/>
+            <c:showSerName val="0"/>
+            <c:showPercent val="0"/>
+            <c:showBubbleSize val="0"/>
+            <c:showLeaderLines val="0"/>
+          </c:dLbls>
+          <c:cat>
+            <c:strRef>
+              <c:f>Sheet1!$A$3:$A$6</c:f>
+              <c:strCache>
+                <c:ptCount val="4"/>
+                <c:pt idx="0">
+                  <c:v>small (150000/103MB)</c:v>
+                </c:pt>
+                <c:pt idx="1">
+                  <c:v>medium (750000/517MB) </c:v>
+                </c:pt>
+                <c:pt idx="2">
+                  <c:v>large (1500000/1GB)</c:v>
+                </c:pt>
+                <c:pt idx="3">
+                  <c:v>x-large (2250000/1.5GB)</c:v>
+                </c:pt>
+              </c:strCache>
+            </c:strRef>
+          </c:cat>
+          <c:val>
+            <c:numRef>
+              <c:f>Sheet1!$B$3:$B$6</c:f>
+              <c:numCache>
+                <c:formatCode>General</c:formatCode>
+                <c:ptCount val="4"/>
+                <c:pt idx="0">
+                  <c:v>245</c:v>
+                </c:pt>
+                <c:pt idx="1">
+                  <c:v>460</c:v>
+                </c:pt>
+                <c:pt idx="2">
+                  <c:v>630</c:v>
+                </c:pt>
+                <c:pt idx="3">
+                  <c:v>810</c:v>
+                </c:pt>
+              </c:numCache>
+            </c:numRef>
+          </c:val>
+          <c:smooth val="0"/>
+        </c:ser>
+        <c:ser>
+          <c:idx val="1"/>
+          <c:order val="1"/>
+          <c:tx>
+            <c:strRef>
+              <c:f>Sheet1!$C$2</c:f>
+              <c:strCache>
+                <c:ptCount val="1"/>
+                <c:pt idx="0">
+                  <c:v>pig_4 (4 store cmds)</c:v>
+                </c:pt>
+              </c:strCache>
+            </c:strRef>
+          </c:tx>
+          <c:spPr>
+            <a:ln>
+              <a:solidFill>
+                <a:srgbClr val="C00000"/>
+              </a:solidFill>
+            </a:ln>
+          </c:spPr>
+          <c:marker>
+            <c:symbol val="none"/>
+          </c:marker>
+          <c:dLbls>
+            <c:txPr>
+              <a:bodyPr/>
+              <a:lstStyle/>
+              <a:p>
+                <a:pPr>
+                  <a:defRPr sz="1800">
+                    <a:solidFill>
+                      <a:schemeClr val="bg1"/>
+                    </a:solidFill>
+                  </a:defRPr>
+                </a:pPr>
+                <a:endParaRPr lang="en-US"/>
+              </a:p>
+            </c:txPr>
+            <c:showLegendKey val="0"/>
+            <c:showVal val="1"/>
+            <c:showCatName val="0"/>
+            <c:showSerName val="0"/>
+            <c:showPercent val="0"/>
+            <c:showBubbleSize val="0"/>
+            <c:showLeaderLines val="0"/>
+          </c:dLbls>
+          <c:cat>
+            <c:strRef>
+              <c:f>Sheet1!$A$3:$A$6</c:f>
+              <c:strCache>
+                <c:ptCount val="4"/>
+                <c:pt idx="0">
+                  <c:v>small (150000/103MB)</c:v>
+                </c:pt>
+                <c:pt idx="1">
+                  <c:v>medium (750000/517MB) </c:v>
+                </c:pt>
+                <c:pt idx="2">
+                  <c:v>large (1500000/1GB)</c:v>
+                </c:pt>
+                <c:pt idx="3">
+                  <c:v>x-large (2250000/1.5GB)</c:v>
+                </c:pt>
+              </c:strCache>
+            </c:strRef>
+          </c:cat>
+          <c:val>
+            <c:numRef>
+              <c:f>Sheet1!$C$3:$C$6</c:f>
+              <c:numCache>
+                <c:formatCode>General</c:formatCode>
+                <c:ptCount val="4"/>
+                <c:pt idx="0">
+                  <c:v>200</c:v>
+                </c:pt>
+                <c:pt idx="1">
+                  <c:v>380</c:v>
+                </c:pt>
+                <c:pt idx="2">
+                  <c:v>570</c:v>
+                </c:pt>
+                <c:pt idx="3">
+                  <c:v>770</c:v>
+                </c:pt>
+              </c:numCache>
+            </c:numRef>
+          </c:val>
+          <c:smooth val="0"/>
+        </c:ser>
+        <c:ser>
+          <c:idx val="2"/>
+          <c:order val="2"/>
+          <c:tx>
+            <c:strRef>
+              <c:f>Sheet1!$D$2</c:f>
+              <c:strCache>
+                <c:ptCount val="1"/>
+                <c:pt idx="0">
+                  <c:v>java</c:v>
+                </c:pt>
+              </c:strCache>
+            </c:strRef>
+          </c:tx>
+          <c:spPr>
+            <a:ln>
+              <a:solidFill>
+                <a:srgbClr val="00B0F0"/>
+              </a:solidFill>
+            </a:ln>
+          </c:spPr>
+          <c:marker>
+            <c:symbol val="none"/>
+          </c:marker>
+          <c:dLbls>
+            <c:dLbl>
+              <c:idx val="0"/>
+              <c:layout>
+                <c:manualLayout>
+                  <c:x val="1.0243277848911651E-2"/>
+                  <c:y val="1.2417538257262059E-2"/>
+                </c:manualLayout>
+              </c:layout>
+              <c:showLegendKey val="0"/>
+              <c:showVal val="1"/>
+              <c:showCatName val="0"/>
+              <c:showSerName val="0"/>
+              <c:showPercent val="0"/>
+              <c:showBubbleSize val="0"/>
+            </c:dLbl>
+            <c:dLbl>
+              <c:idx val="1"/>
+              <c:layout>
+                <c:manualLayout>
+                  <c:x val="5.1216389244558257E-3"/>
+                  <c:y val="2.7939461078839635E-2"/>
+                </c:manualLayout>
+              </c:layout>
+              <c:showLegendKey val="0"/>
+              <c:showVal val="1"/>
+              <c:showCatName val="0"/>
+              <c:showSerName val="0"/>
+              <c:showPercent val="0"/>
+              <c:showBubbleSize val="0"/>
+            </c:dLbl>
+            <c:dLbl>
+              <c:idx val="2"/>
+              <c:layout>
+                <c:manualLayout>
+                  <c:x val="5.1216389244558257E-3"/>
+                  <c:y val="3.4148230207470549E-2"/>
+                </c:manualLayout>
+              </c:layout>
+              <c:showLegendKey val="0"/>
+              <c:showVal val="1"/>
+              <c:showCatName val="0"/>
+              <c:showSerName val="0"/>
+              <c:showPercent val="0"/>
+              <c:showBubbleSize val="0"/>
+            </c:dLbl>
+            <c:txPr>
+              <a:bodyPr/>
+              <a:lstStyle/>
+              <a:p>
+                <a:pPr>
+                  <a:defRPr sz="1800">
+                    <a:solidFill>
+                      <a:schemeClr val="bg1"/>
+                    </a:solidFill>
+                  </a:defRPr>
+                </a:pPr>
+                <a:endParaRPr lang="en-US"/>
+              </a:p>
+            </c:txPr>
+            <c:showLegendKey val="0"/>
+            <c:showVal val="1"/>
+            <c:showCatName val="0"/>
+            <c:showSerName val="0"/>
+            <c:showPercent val="0"/>
+            <c:showBubbleSize val="0"/>
+            <c:showLeaderLines val="0"/>
+          </c:dLbls>
+          <c:cat>
+            <c:strRef>
+              <c:f>Sheet1!$A$3:$A$6</c:f>
+              <c:strCache>
+                <c:ptCount val="4"/>
+                <c:pt idx="0">
+                  <c:v>small (150000/103MB)</c:v>
+                </c:pt>
+                <c:pt idx="1">
+                  <c:v>medium (750000/517MB) </c:v>
+                </c:pt>
+                <c:pt idx="2">
+                  <c:v>large (1500000/1GB)</c:v>
+                </c:pt>
+                <c:pt idx="3">
+                  <c:v>x-large (2250000/1.5GB)</c:v>
+                </c:pt>
+              </c:strCache>
+            </c:strRef>
+          </c:cat>
+          <c:val>
+            <c:numRef>
+              <c:f>Sheet1!$D$3:$D$6</c:f>
+              <c:numCache>
+                <c:formatCode>General</c:formatCode>
+                <c:ptCount val="4"/>
+                <c:pt idx="0">
+                  <c:v>40</c:v>
+                </c:pt>
+                <c:pt idx="1">
+                  <c:v>80</c:v>
+                </c:pt>
+                <c:pt idx="2">
+                  <c:v>150</c:v>
+                </c:pt>
+                <c:pt idx="3">
+                  <c:v>210</c:v>
+                </c:pt>
+              </c:numCache>
+            </c:numRef>
+          </c:val>
+          <c:smooth val="0"/>
+        </c:ser>
+        <c:dLbls>
+          <c:showLegendKey val="0"/>
+          <c:showVal val="1"/>
+          <c:showCatName val="0"/>
+          <c:showSerName val="0"/>
+          <c:showPercent val="0"/>
+          <c:showBubbleSize val="0"/>
+        </c:dLbls>
+        <c:marker val="1"/>
+        <c:smooth val="0"/>
+        <c:axId val="116039040"/>
+        <c:axId val="116053120"/>
+      </c:lineChart>
+      <c:catAx>
+        <c:axId val="116039040"/>
+        <c:scaling>
+          <c:orientation val="minMax"/>
+        </c:scaling>
+        <c:delete val="0"/>
+        <c:axPos val="b"/>
+        <c:majorTickMark val="none"/>
+        <c:minorTickMark val="none"/>
+        <c:tickLblPos val="nextTo"/>
+        <c:txPr>
+          <a:bodyPr/>
+          <a:lstStyle/>
+          <a:p>
+            <a:pPr>
+              <a:defRPr>
+                <a:solidFill>
+                  <a:srgbClr val="00B0F0"/>
+                </a:solidFill>
+              </a:defRPr>
+            </a:pPr>
+            <a:endParaRPr lang="en-US"/>
+          </a:p>
+        </c:txPr>
+        <c:crossAx val="116053120"/>
+        <c:crosses val="autoZero"/>
+        <c:auto val="1"/>
+        <c:lblAlgn val="ctr"/>
+        <c:lblOffset val="100"/>
+        <c:noMultiLvlLbl val="0"/>
+      </c:catAx>
+      <c:valAx>
+        <c:axId val="116053120"/>
+        <c:scaling>
+          <c:orientation val="minMax"/>
+        </c:scaling>
+        <c:delete val="0"/>
+        <c:axPos val="l"/>
+        <c:majorGridlines/>
+        <c:numFmt formatCode="General" sourceLinked="1"/>
+        <c:majorTickMark val="none"/>
+        <c:minorTickMark val="none"/>
+        <c:tickLblPos val="nextTo"/>
+        <c:txPr>
+          <a:bodyPr/>
+          <a:lstStyle/>
+          <a:p>
+            <a:pPr>
+              <a:defRPr sz="1800">
+                <a:solidFill>
+                  <a:srgbClr val="00B0F0"/>
+                </a:solidFill>
+              </a:defRPr>
+            </a:pPr>
+            <a:endParaRPr lang="en-US"/>
+          </a:p>
+        </c:txPr>
+        <c:crossAx val="116039040"/>
+        <c:crosses val="autoZero"/>
+        <c:crossBetween val="between"/>
+      </c:valAx>
+      <c:spPr>
+        <a:solidFill>
+          <a:schemeClr val="tx1"/>
+        </a:solidFill>
+      </c:spPr>
+    </c:plotArea>
+    <c:legend>
+      <c:legendPos val="r"/>
+      <c:layout/>
+      <c:overlay val="0"/>
+      <c:txPr>
+        <a:bodyPr/>
+        <a:lstStyle/>
+        <a:p>
+          <a:pPr>
+            <a:defRPr sz="1800">
+              <a:solidFill>
+                <a:srgbClr val="00B0F0"/>
+              </a:solidFill>
+            </a:defRPr>
+          </a:pPr>
+          <a:endParaRPr lang="en-US"/>
+        </a:p>
+      </c:txPr>
+    </c:legend>
+    <c:plotVisOnly val="1"/>
+    <c:dispBlanksAs val="gap"/>
+    <c:showDLblsOverMax val="0"/>
+  </c:chart>
+  <c:spPr>
+    <a:solidFill>
+      <a:schemeClr val="tx1"/>
+    </a:solidFill>
+    <a:effectLst>
+      <a:glow rad="127000">
+        <a:srgbClr val="00B0F0">
+          <a:alpha val="40000"/>
+        </a:srgbClr>
+      </a:glow>
+      <a:softEdge rad="31750"/>
+    </a:effectLst>
+  </c:spPr>
+  <c:externalData r:id="rId1">
+    <c:autoUpdate val="0"/>
+  </c:externalData>
+</c:chartSpace>
+</file>
+
+<file path=ppt/charts/chart2.xml><?xml version="1.0" encoding="utf-8"?>
+<c:chartSpace xmlns:c="http://schemas.openxmlformats.org/drawingml/2006/chart" xmlns:a="http://schemas.openxmlformats.org/drawingml/2006/main" xmlns:r="http://schemas.openxmlformats.org/officeDocument/2006/relationships">
+  <c:date1904 val="0"/>
+  <c:lang val="en-US"/>
+  <c:roundedCorners val="0"/>
+  <mc:AlternateContent xmlns:mc="http://schemas.openxmlformats.org/markup-compatibility/2006">
+    <mc:Choice xmlns:c14="http://schemas.microsoft.com/office/drawing/2007/8/2/chart" Requires="c14">
+      <c14:style val="102"/>
+    </mc:Choice>
+    <mc:Fallback>
+      <c:style val="2"/>
+    </mc:Fallback>
+  </mc:AlternateContent>
+  <c:chart>
+    <c:autoTitleDeleted val="1"/>
+    <c:plotArea>
+      <c:layout>
+        <c:manualLayout>
+          <c:layoutTarget val="inner"/>
+          <c:xMode val="edge"/>
+          <c:yMode val="edge"/>
+          <c:x val="3.2585008540218154E-2"/>
+          <c:y val="8.7702690629699667E-2"/>
+          <c:w val="0.7743092494119358"/>
+          <c:h val="0.85308037642013723"/>
+        </c:manualLayout>
+      </c:layout>
+      <c:lineChart>
+        <c:grouping val="standard"/>
+        <c:varyColors val="0"/>
+        <c:ser>
+          <c:idx val="0"/>
+          <c:order val="0"/>
+          <c:tx>
+            <c:strRef>
+              <c:f>Sheet1!$B$33</c:f>
+              <c:strCache>
+                <c:ptCount val="1"/>
+                <c:pt idx="0">
+                  <c:v>pig_2 maps</c:v>
+                </c:pt>
+              </c:strCache>
+            </c:strRef>
+          </c:tx>
+          <c:spPr>
+            <a:ln>
+              <a:solidFill>
+                <a:srgbClr val="FFC000"/>
+              </a:solidFill>
+            </a:ln>
+          </c:spPr>
+          <c:marker>
+            <c:symbol val="none"/>
+          </c:marker>
+          <c:dLbls>
+            <c:txPr>
+              <a:bodyPr/>
+              <a:lstStyle/>
+              <a:p>
+                <a:pPr>
+                  <a:defRPr sz="1800">
+                    <a:solidFill>
+                      <a:schemeClr val="bg1"/>
+                    </a:solidFill>
+                  </a:defRPr>
+                </a:pPr>
+                <a:endParaRPr lang="en-US"/>
+              </a:p>
+            </c:txPr>
+            <c:showLegendKey val="0"/>
+            <c:showVal val="1"/>
+            <c:showCatName val="0"/>
+            <c:showSerName val="0"/>
+            <c:showPercent val="0"/>
+            <c:showBubbleSize val="0"/>
+            <c:showLeaderLines val="0"/>
+          </c:dLbls>
+          <c:cat>
+            <c:strRef>
+              <c:f>Sheet1!$A$34:$A$37</c:f>
+              <c:strCache>
+                <c:ptCount val="4"/>
+                <c:pt idx="0">
+                  <c:v>small (150000/103MB)</c:v>
+                </c:pt>
+                <c:pt idx="1">
+                  <c:v>medium (750000/517MB) </c:v>
+                </c:pt>
+                <c:pt idx="2">
+                  <c:v>large (1500000/1GB)</c:v>
+                </c:pt>
+                <c:pt idx="3">
+                  <c:v>x-large (2250000/1.5GB)</c:v>
+                </c:pt>
+              </c:strCache>
+            </c:strRef>
+          </c:cat>
+          <c:val>
+            <c:numRef>
+              <c:f>Sheet1!$B$34:$B$37</c:f>
+              <c:numCache>
+                <c:formatCode>General</c:formatCode>
+                <c:ptCount val="4"/>
+                <c:pt idx="0">
+                  <c:v>8</c:v>
+                </c:pt>
+                <c:pt idx="1">
+                  <c:v>13</c:v>
+                </c:pt>
+                <c:pt idx="2">
+                  <c:v>19</c:v>
+                </c:pt>
+                <c:pt idx="3">
+                  <c:v>26</c:v>
+                </c:pt>
+              </c:numCache>
+            </c:numRef>
+          </c:val>
+          <c:smooth val="0"/>
+        </c:ser>
+        <c:ser>
+          <c:idx val="1"/>
+          <c:order val="1"/>
+          <c:tx>
+            <c:strRef>
+              <c:f>Sheet1!$C$33</c:f>
+              <c:strCache>
+                <c:ptCount val="1"/>
+                <c:pt idx="0">
+                  <c:v>pig_4 maps</c:v>
+                </c:pt>
+              </c:strCache>
+            </c:strRef>
+          </c:tx>
+          <c:spPr>
+            <a:ln>
+              <a:solidFill>
+                <a:srgbClr val="92D050"/>
+              </a:solidFill>
+            </a:ln>
+          </c:spPr>
+          <c:marker>
+            <c:symbol val="none"/>
+          </c:marker>
+          <c:dLbls>
+            <c:txPr>
+              <a:bodyPr/>
+              <a:lstStyle/>
+              <a:p>
+                <a:pPr>
+                  <a:defRPr sz="1800">
+                    <a:solidFill>
+                      <a:schemeClr val="bg1"/>
+                    </a:solidFill>
+                  </a:defRPr>
+                </a:pPr>
+                <a:endParaRPr lang="en-US"/>
+              </a:p>
+            </c:txPr>
+            <c:showLegendKey val="0"/>
+            <c:showVal val="1"/>
+            <c:showCatName val="0"/>
+            <c:showSerName val="0"/>
+            <c:showPercent val="0"/>
+            <c:showBubbleSize val="0"/>
+            <c:showLeaderLines val="0"/>
+          </c:dLbls>
+          <c:cat>
+            <c:strRef>
+              <c:f>Sheet1!$A$34:$A$37</c:f>
+              <c:strCache>
+                <c:ptCount val="4"/>
+                <c:pt idx="0">
+                  <c:v>small (150000/103MB)</c:v>
+                </c:pt>
+                <c:pt idx="1">
+                  <c:v>medium (750000/517MB) </c:v>
+                </c:pt>
+                <c:pt idx="2">
+                  <c:v>large (1500000/1GB)</c:v>
+                </c:pt>
+                <c:pt idx="3">
+                  <c:v>x-large (2250000/1.5GB)</c:v>
+                </c:pt>
+              </c:strCache>
+            </c:strRef>
+          </c:cat>
+          <c:val>
+            <c:numRef>
+              <c:f>Sheet1!$C$34:$C$37</c:f>
+              <c:numCache>
+                <c:formatCode>General</c:formatCode>
+                <c:ptCount val="4"/>
+                <c:pt idx="0">
+                  <c:v>6</c:v>
+                </c:pt>
+                <c:pt idx="1">
+                  <c:v>10</c:v>
+                </c:pt>
+                <c:pt idx="2">
+                  <c:v>16</c:v>
+                </c:pt>
+                <c:pt idx="3">
+                  <c:v>23</c:v>
+                </c:pt>
+              </c:numCache>
+            </c:numRef>
+          </c:val>
+          <c:smooth val="0"/>
+        </c:ser>
+        <c:ser>
+          <c:idx val="2"/>
+          <c:order val="2"/>
+          <c:tx>
+            <c:strRef>
+              <c:f>Sheet1!$D$33</c:f>
+              <c:strCache>
+                <c:ptCount val="1"/>
+                <c:pt idx="0">
+                  <c:v>pig_2 reduces</c:v>
+                </c:pt>
+              </c:strCache>
+            </c:strRef>
+          </c:tx>
+          <c:spPr>
+            <a:ln>
+              <a:solidFill>
+                <a:srgbClr val="C49500"/>
+              </a:solidFill>
+            </a:ln>
+          </c:spPr>
+          <c:marker>
+            <c:symbol val="none"/>
+          </c:marker>
+          <c:dPt>
+            <c:idx val="2"/>
+            <c:bubble3D val="0"/>
+          </c:dPt>
+          <c:dLbls>
+            <c:txPr>
+              <a:bodyPr/>
+              <a:lstStyle/>
+              <a:p>
+                <a:pPr>
+                  <a:defRPr sz="1800">
+                    <a:solidFill>
+                      <a:schemeClr val="bg1"/>
+                    </a:solidFill>
+                  </a:defRPr>
+                </a:pPr>
+                <a:endParaRPr lang="en-US"/>
+              </a:p>
+            </c:txPr>
+            <c:showLegendKey val="0"/>
+            <c:showVal val="1"/>
+            <c:showCatName val="0"/>
+            <c:showSerName val="0"/>
+            <c:showPercent val="0"/>
+            <c:showBubbleSize val="0"/>
+            <c:showLeaderLines val="0"/>
+          </c:dLbls>
+          <c:cat>
+            <c:strRef>
+              <c:f>Sheet1!$A$34:$A$37</c:f>
+              <c:strCache>
+                <c:ptCount val="4"/>
+                <c:pt idx="0">
+                  <c:v>small (150000/103MB)</c:v>
+                </c:pt>
+                <c:pt idx="1">
+                  <c:v>medium (750000/517MB) </c:v>
+                </c:pt>
+                <c:pt idx="2">
+                  <c:v>large (1500000/1GB)</c:v>
+                </c:pt>
+                <c:pt idx="3">
+                  <c:v>x-large (2250000/1.5GB)</c:v>
+                </c:pt>
+              </c:strCache>
+            </c:strRef>
+          </c:cat>
+          <c:val>
+            <c:numRef>
+              <c:f>Sheet1!$D$34:$D$37</c:f>
+              <c:numCache>
+                <c:formatCode>General</c:formatCode>
+                <c:ptCount val="4"/>
+                <c:pt idx="0">
+                  <c:v>5</c:v>
+                </c:pt>
+                <c:pt idx="1">
+                  <c:v>5</c:v>
+                </c:pt>
+                <c:pt idx="2">
+                  <c:v>6</c:v>
+                </c:pt>
+                <c:pt idx="3">
+                  <c:v>6</c:v>
+                </c:pt>
+              </c:numCache>
+            </c:numRef>
+          </c:val>
+          <c:smooth val="0"/>
+        </c:ser>
+        <c:ser>
+          <c:idx val="3"/>
+          <c:order val="3"/>
+          <c:tx>
+            <c:strRef>
+              <c:f>Sheet1!$E$33</c:f>
+              <c:strCache>
+                <c:ptCount val="1"/>
+                <c:pt idx="0">
+                  <c:v>pig_4 reduce</c:v>
+                </c:pt>
+              </c:strCache>
+            </c:strRef>
+          </c:tx>
+          <c:spPr>
+            <a:ln>
+              <a:solidFill>
+                <a:srgbClr val="00B050"/>
+              </a:solidFill>
+            </a:ln>
+          </c:spPr>
+          <c:marker>
+            <c:symbol val="none"/>
+          </c:marker>
+          <c:dLbls>
+            <c:dLbl>
+              <c:idx val="0"/>
+              <c:layout>
+                <c:manualLayout>
+                  <c:x val="0"/>
+                  <c:y val="1.6546553700918714E-2"/>
+                </c:manualLayout>
+              </c:layout>
+              <c:showLegendKey val="0"/>
+              <c:showVal val="1"/>
+              <c:showCatName val="0"/>
+              <c:showSerName val="0"/>
+              <c:showPercent val="0"/>
+              <c:showBubbleSize val="0"/>
+            </c:dLbl>
+            <c:dLbl>
+              <c:idx val="1"/>
+              <c:layout>
+                <c:manualLayout>
+                  <c:x val="4.6523736302255312E-17"/>
+                  <c:y val="2.8365520630146367E-2"/>
+                </c:manualLayout>
+              </c:layout>
+              <c:showLegendKey val="0"/>
+              <c:showVal val="1"/>
+              <c:showCatName val="0"/>
+              <c:showSerName val="0"/>
+              <c:showPercent val="0"/>
+              <c:showBubbleSize val="0"/>
+            </c:dLbl>
+            <c:dLbl>
+              <c:idx val="2"/>
+              <c:layout>
+                <c:manualLayout>
+                  <c:x val="0"/>
+                  <c:y val="1.6546553700918714E-2"/>
+                </c:manualLayout>
+              </c:layout>
+              <c:showLegendKey val="0"/>
+              <c:showVal val="1"/>
+              <c:showCatName val="0"/>
+              <c:showSerName val="0"/>
+              <c:showPercent val="0"/>
+              <c:showBubbleSize val="0"/>
+            </c:dLbl>
+            <c:dLbl>
+              <c:idx val="3"/>
+              <c:layout>
+                <c:manualLayout>
+                  <c:x val="0"/>
+                  <c:y val="1.6546553700918714E-2"/>
+                </c:manualLayout>
+              </c:layout>
+              <c:showLegendKey val="0"/>
+              <c:showVal val="1"/>
+              <c:showCatName val="0"/>
+              <c:showSerName val="0"/>
+              <c:showPercent val="0"/>
+              <c:showBubbleSize val="0"/>
+            </c:dLbl>
+            <c:txPr>
+              <a:bodyPr/>
+              <a:lstStyle/>
+              <a:p>
+                <a:pPr>
+                  <a:defRPr sz="1800">
+                    <a:solidFill>
+                      <a:schemeClr val="bg1"/>
+                    </a:solidFill>
+                  </a:defRPr>
+                </a:pPr>
+                <a:endParaRPr lang="en-US"/>
+              </a:p>
+            </c:txPr>
+            <c:showLegendKey val="0"/>
+            <c:showVal val="1"/>
+            <c:showCatName val="0"/>
+            <c:showSerName val="0"/>
+            <c:showPercent val="0"/>
+            <c:showBubbleSize val="0"/>
+            <c:showLeaderLines val="0"/>
+          </c:dLbls>
+          <c:cat>
+            <c:strRef>
+              <c:f>Sheet1!$A$34:$A$37</c:f>
+              <c:strCache>
+                <c:ptCount val="4"/>
+                <c:pt idx="0">
+                  <c:v>small (150000/103MB)</c:v>
+                </c:pt>
+                <c:pt idx="1">
+                  <c:v>medium (750000/517MB) </c:v>
+                </c:pt>
+                <c:pt idx="2">
+                  <c:v>large (1500000/1GB)</c:v>
+                </c:pt>
+                <c:pt idx="3">
+                  <c:v>x-large (2250000/1.5GB)</c:v>
+                </c:pt>
+              </c:strCache>
+            </c:strRef>
+          </c:cat>
+          <c:val>
+            <c:numRef>
+              <c:f>Sheet1!$E$34:$E$37</c:f>
+              <c:numCache>
+                <c:formatCode>General</c:formatCode>
+                <c:ptCount val="4"/>
+                <c:pt idx="0">
+                  <c:v>4</c:v>
+                </c:pt>
+                <c:pt idx="1">
+                  <c:v>4</c:v>
+                </c:pt>
+                <c:pt idx="2">
+                  <c:v>5</c:v>
+                </c:pt>
+                <c:pt idx="3">
+                  <c:v>5</c:v>
+                </c:pt>
+              </c:numCache>
+            </c:numRef>
+          </c:val>
+          <c:smooth val="0"/>
+        </c:ser>
+        <c:dLbls>
+          <c:showLegendKey val="0"/>
+          <c:showVal val="1"/>
+          <c:showCatName val="0"/>
+          <c:showSerName val="0"/>
+          <c:showPercent val="0"/>
+          <c:showBubbleSize val="0"/>
+        </c:dLbls>
+        <c:marker val="1"/>
+        <c:smooth val="0"/>
+        <c:axId val="117811072"/>
+        <c:axId val="117812608"/>
+      </c:lineChart>
+      <c:catAx>
+        <c:axId val="117811072"/>
+        <c:scaling>
+          <c:orientation val="minMax"/>
+        </c:scaling>
+        <c:delete val="0"/>
+        <c:axPos val="b"/>
+        <c:majorTickMark val="none"/>
+        <c:minorTickMark val="none"/>
+        <c:tickLblPos val="nextTo"/>
+        <c:txPr>
+          <a:bodyPr/>
+          <a:lstStyle/>
+          <a:p>
+            <a:pPr>
+              <a:defRPr>
+                <a:solidFill>
+                  <a:srgbClr val="00B0F0"/>
+                </a:solidFill>
+              </a:defRPr>
+            </a:pPr>
+            <a:endParaRPr lang="en-US"/>
+          </a:p>
+        </c:txPr>
+        <c:crossAx val="117812608"/>
+        <c:crosses val="autoZero"/>
+        <c:auto val="1"/>
+        <c:lblAlgn val="ctr"/>
+        <c:lblOffset val="100"/>
+        <c:noMultiLvlLbl val="0"/>
+      </c:catAx>
+      <c:valAx>
+        <c:axId val="117812608"/>
+        <c:scaling>
+          <c:orientation val="minMax"/>
+        </c:scaling>
+        <c:delete val="0"/>
+        <c:axPos val="l"/>
+        <c:majorGridlines/>
+        <c:numFmt formatCode="General" sourceLinked="1"/>
+        <c:majorTickMark val="none"/>
+        <c:minorTickMark val="none"/>
+        <c:tickLblPos val="nextTo"/>
+        <c:txPr>
+          <a:bodyPr/>
+          <a:lstStyle/>
+          <a:p>
+            <a:pPr>
+              <a:defRPr sz="1800">
+                <a:solidFill>
+                  <a:srgbClr val="00B0F0"/>
+                </a:solidFill>
+              </a:defRPr>
+            </a:pPr>
+            <a:endParaRPr lang="en-US"/>
+          </a:p>
+        </c:txPr>
+        <c:crossAx val="117811072"/>
+        <c:crosses val="autoZero"/>
+        <c:crossBetween val="between"/>
+      </c:valAx>
+      <c:spPr>
+        <a:solidFill>
+          <a:schemeClr val="tx1"/>
+        </a:solidFill>
+      </c:spPr>
+    </c:plotArea>
+    <c:legend>
+      <c:legendPos val="r"/>
+      <c:layout/>
+      <c:overlay val="0"/>
+      <c:txPr>
+        <a:bodyPr/>
+        <a:lstStyle/>
+        <a:p>
+          <a:pPr>
+            <a:defRPr sz="1800">
+              <a:solidFill>
+                <a:srgbClr val="00B0F0"/>
+              </a:solidFill>
+            </a:defRPr>
+          </a:pPr>
+          <a:endParaRPr lang="en-US"/>
+        </a:p>
+      </c:txPr>
+    </c:legend>
+    <c:plotVisOnly val="1"/>
+    <c:dispBlanksAs val="gap"/>
+    <c:showDLblsOverMax val="0"/>
+  </c:chart>
+  <c:spPr>
+    <a:solidFill>
+      <a:schemeClr val="tx1"/>
+    </a:solidFill>
+    <a:effectLst>
+      <a:glow rad="127000">
+        <a:srgbClr val="00B0F0">
+          <a:alpha val="40000"/>
+        </a:srgbClr>
+      </a:glow>
+    </a:effectLst>
+  </c:spPr>
+  <c:externalData r:id="rId1">
+    <c:autoUpdate val="0"/>
+  </c:externalData>
+</c:chartSpace>
 </file>
 
 <file path=ppt/handoutMasters/handoutMaster1.xml><?xml version="1.0" encoding="utf-8"?>
@@ -1083,7 +2122,7 @@
               <a:pPr>
                 <a:defRPr/>
               </a:pPr>
-              <a:t>20.09.2014</a:t>
+              <a:t>22.09.2014</a:t>
             </a:fld>
             <a:endParaRPr lang="de-DE" sz="1600" dirty="0"/>
           </a:p>
@@ -1374,7 +2413,7 @@
               <a:pPr>
                 <a:defRPr/>
               </a:pPr>
-              <a:t>20.09.2014</a:t>
+              <a:t>22.09.2014</a:t>
             </a:fld>
             <a:endParaRPr lang="de-DE" sz="1600" dirty="0"/>
           </a:p>
@@ -1643,7 +2682,7 @@
               <a:pPr>
                 <a:defRPr/>
               </a:pPr>
-              <a:t>20.09.2014</a:t>
+              <a:t>22.09.2014</a:t>
             </a:fld>
             <a:endParaRPr lang="de-DE" sz="1600" dirty="0"/>
           </a:p>
@@ -2027,7 +3066,7 @@
               <a:pPr>
                 <a:defRPr/>
               </a:pPr>
-              <a:t>20.09.2014</a:t>
+              <a:t>22.09.2014</a:t>
             </a:fld>
             <a:endParaRPr lang="de-DE" sz="1600" dirty="0"/>
           </a:p>
@@ -2400,7 +3439,7 @@
               <a:pPr>
                 <a:defRPr/>
               </a:pPr>
-              <a:t>20.09.2014</a:t>
+              <a:t>22.09.2014</a:t>
             </a:fld>
             <a:endParaRPr lang="de-DE" sz="1600" dirty="0"/>
           </a:p>
@@ -2665,7 +3704,7 @@
               <a:pPr>
                 <a:defRPr/>
               </a:pPr>
-              <a:t>20.09.2014</a:t>
+              <a:t>22.09.2014</a:t>
             </a:fld>
             <a:endParaRPr lang="de-DE" sz="1600" dirty="0"/>
           </a:p>
@@ -3146,7 +4185,7 @@
               <a:pPr>
                 <a:defRPr/>
               </a:pPr>
-              <a:t>20.09.2014</a:t>
+              <a:t>22.09.2014</a:t>
             </a:fld>
             <a:endParaRPr lang="de-DE" sz="1600" dirty="0"/>
           </a:p>
@@ -3735,7 +4774,7 @@
               <a:pPr>
                 <a:defRPr/>
               </a:pPr>
-              <a:t>20.09.2014</a:t>
+              <a:t>22.09.2014</a:t>
             </a:fld>
             <a:endParaRPr lang="de-DE" sz="1600" dirty="0"/>
           </a:p>
@@ -4055,7 +5094,7 @@
               <a:pPr>
                 <a:defRPr/>
               </a:pPr>
-              <a:t>20.09.2014</a:t>
+              <a:t>22.09.2014</a:t>
             </a:fld>
             <a:endParaRPr lang="de-DE" sz="1600" dirty="0"/>
           </a:p>
@@ -4360,7 +5399,7 @@
               <a:pPr>
                 <a:defRPr/>
               </a:pPr>
-              <a:t>20.09.2014</a:t>
+              <a:t>22.09.2014</a:t>
             </a:fld>
             <a:endParaRPr lang="de-DE" sz="1600" dirty="0"/>
           </a:p>
@@ -4614,7 +5653,7 @@
               <a:pPr>
                 <a:defRPr/>
               </a:pPr>
-              <a:t>20.09.2014</a:t>
+              <a:t>22.09.2014</a:t>
             </a:fld>
             <a:endParaRPr lang="de-DE" sz="1600" dirty="0"/>
           </a:p>
@@ -5319,7 +6358,7 @@
               <a:buNone/>
             </a:pPr>
             <a:r>
-              <a:rPr lang="en-US" altLang="en-US" dirty="0" err="1" smtClean="0">
+              <a:rPr lang="en-US" altLang="en-US" sz="2400" dirty="0" err="1" smtClean="0">
                 <a:solidFill>
                   <a:schemeClr val="bg2"/>
                 </a:solidFill>
@@ -5330,7 +6369,7 @@
               <a:t>Ozren</a:t>
             </a:r>
             <a:r>
-              <a:rPr lang="en-US" altLang="en-US" dirty="0" smtClean="0">
+              <a:rPr lang="en-US" altLang="en-US" sz="2400" dirty="0" smtClean="0">
                 <a:solidFill>
                   <a:schemeClr val="bg2"/>
                 </a:solidFill>
@@ -5341,7 +6380,7 @@
               <a:t> </a:t>
             </a:r>
             <a:r>
-              <a:rPr lang="en-US" altLang="en-US" dirty="0" err="1" smtClean="0">
+              <a:rPr lang="en-US" altLang="en-US" sz="2400" dirty="0" err="1" smtClean="0">
                 <a:solidFill>
                   <a:schemeClr val="bg2"/>
                 </a:solidFill>
@@ -5352,7 +6391,7 @@
               <a:t>Gulan</a:t>
             </a:r>
             <a:r>
-              <a:rPr lang="en-US" altLang="en-US" dirty="0" smtClean="0">
+              <a:rPr lang="en-US" altLang="en-US" sz="2400" dirty="0" smtClean="0">
                 <a:solidFill>
                   <a:schemeClr val="bg2"/>
                 </a:solidFill>
@@ -5363,7 +6402,7 @@
               <a:t> &amp;&amp; </a:t>
             </a:r>
             <a:r>
-              <a:rPr lang="en-US" altLang="en-US" dirty="0" err="1" smtClean="0">
+              <a:rPr lang="en-US" altLang="en-US" sz="2400" dirty="0" err="1" smtClean="0">
                 <a:solidFill>
                   <a:schemeClr val="bg2"/>
                 </a:solidFill>
@@ -5374,7 +6413,7 @@
               <a:t>Dusan</a:t>
             </a:r>
             <a:r>
-              <a:rPr lang="en-US" altLang="en-US" dirty="0" smtClean="0">
+              <a:rPr lang="en-US" altLang="en-US" sz="2400" dirty="0" smtClean="0">
                 <a:solidFill>
                   <a:schemeClr val="bg2"/>
                 </a:solidFill>
@@ -5385,7 +6424,7 @@
               <a:t> </a:t>
             </a:r>
             <a:r>
-              <a:rPr lang="en-US" altLang="en-US" dirty="0" err="1" smtClean="0">
+              <a:rPr lang="en-US" altLang="en-US" sz="2400" dirty="0" err="1" smtClean="0">
                 <a:solidFill>
                   <a:schemeClr val="bg2"/>
                 </a:solidFill>
@@ -5396,7 +6435,7 @@
               <a:t>Zamurovic</a:t>
             </a:r>
             <a:r>
-              <a:rPr lang="en-US" altLang="en-US" dirty="0" smtClean="0">
+              <a:rPr lang="en-US" altLang="en-US" sz="2400" dirty="0" smtClean="0">
                 <a:solidFill>
                   <a:schemeClr val="bg2"/>
                 </a:solidFill>
@@ -5407,7 +6446,7 @@
               <a:t> @ </a:t>
             </a:r>
             <a:r>
-              <a:rPr lang="en-US" altLang="en-US" dirty="0" err="1" smtClean="0">
+              <a:rPr lang="en-US" altLang="en-US" sz="2400" dirty="0" err="1" smtClean="0">
                 <a:solidFill>
                   <a:schemeClr val="bg2"/>
                 </a:solidFill>
@@ -5418,7 +6457,7 @@
               <a:t>JavaSvet</a:t>
             </a:r>
             <a:r>
-              <a:rPr lang="en-US" altLang="en-US" dirty="0" smtClean="0">
+              <a:rPr lang="en-US" altLang="en-US" sz="2400" dirty="0" smtClean="0">
                 <a:solidFill>
                   <a:schemeClr val="bg2"/>
                 </a:solidFill>
@@ -5435,7 +6474,7 @@
               <a:buNone/>
             </a:pPr>
             <a:r>
-              <a:rPr lang="en-US" altLang="en-US" dirty="0" smtClean="0">
+              <a:rPr lang="en-US" altLang="en-US" sz="2400" dirty="0" smtClean="0">
                 <a:latin typeface="Consolas" pitchFamily="49" charset="0"/>
                 <a:ea typeface="ＭＳ Ｐゴシック" pitchFamily="34" charset="-128"/>
                 <a:cs typeface="Consolas" pitchFamily="49" charset="0"/>
@@ -5443,7 +6482,7 @@
               <a:t>$ echo </a:t>
             </a:r>
             <a:r>
-              <a:rPr lang="en-US" altLang="en-US" dirty="0" smtClean="0">
+              <a:rPr lang="en-US" altLang="en-US" sz="2400" dirty="0" smtClean="0">
                 <a:solidFill>
                   <a:srgbClr val="456FB0"/>
                 </a:solidFill>
@@ -5455,50 +6494,39 @@
             </a:r>
           </a:p>
           <a:p>
-            <a:pPr>
-              <a:buFont typeface="Arial" pitchFamily="34" charset="0"/>
-              <a:buNone/>
-            </a:pPr>
-            <a:r>
-              <a:rPr lang="en-US" altLang="en-US" dirty="0" smtClean="0">
-                <a:latin typeface="Consolas" pitchFamily="49" charset="0"/>
-                <a:ea typeface="ＭＳ Ｐゴシック" pitchFamily="34" charset="-128"/>
-                <a:cs typeface="Consolas" pitchFamily="49" charset="0"/>
-              </a:rPr>
-              <a:t>Presentatio</a:t>
-            </a:r>
-            <a:r>
-              <a:rPr lang="en-US" altLang="en-US" dirty="0" smtClean="0">
-                <a:latin typeface="Consolas" pitchFamily="49" charset="0"/>
-                <a:ea typeface="ＭＳ Ｐゴシック" pitchFamily="34" charset="-128"/>
-                <a:cs typeface="Consolas" pitchFamily="49" charset="0"/>
-              </a:rPr>
-              <a:t>n title</a:t>
-            </a:r>
-            <a:endParaRPr lang="en-US" altLang="en-US" dirty="0" smtClean="0">
+            <a:r>
+              <a:rPr lang="en-US" sz="2400" dirty="0" err="1">
+                <a:latin typeface="Consolas" pitchFamily="49" charset="0"/>
+                <a:cs typeface="Consolas" pitchFamily="49" charset="0"/>
+              </a:rPr>
+              <a:t>MapReduce</a:t>
+            </a:r>
+            <a:r>
+              <a:rPr lang="en-US" sz="2400" dirty="0">
+                <a:latin typeface="Consolas" pitchFamily="49" charset="0"/>
+                <a:cs typeface="Consolas" pitchFamily="49" charset="0"/>
+              </a:rPr>
+              <a:t>: Java </a:t>
+            </a:r>
+            <a:r>
+              <a:rPr lang="en-US" sz="2400" dirty="0" err="1">
+                <a:latin typeface="Consolas" pitchFamily="49" charset="0"/>
+                <a:cs typeface="Consolas" pitchFamily="49" charset="0"/>
+              </a:rPr>
+              <a:t>vs</a:t>
+            </a:r>
+            <a:r>
+              <a:rPr lang="en-US" sz="2400" dirty="0">
+                <a:latin typeface="Consolas" pitchFamily="49" charset="0"/>
+                <a:cs typeface="Consolas" pitchFamily="49" charset="0"/>
+              </a:rPr>
+              <a:t> Apache Pig</a:t>
+            </a:r>
+            <a:endParaRPr lang="en-US" altLang="en-US" sz="2400" dirty="0" smtClean="0">
               <a:latin typeface="Consolas" pitchFamily="49" charset="0"/>
               <a:ea typeface="ＭＳ Ｐゴシック" pitchFamily="34" charset="-128"/>
               <a:cs typeface="Consolas" pitchFamily="49" charset="0"/>
             </a:endParaRPr>
-          </a:p>
-        </p:txBody>
-      </p:sp>
-      <p:sp>
-        <p:nvSpPr>
-          <p:cNvPr id="2" name="Title 1"/>
-          <p:cNvSpPr>
-            <a:spLocks noGrp="1"/>
-          </p:cNvSpPr>
-          <p:nvPr>
-            <p:ph type="ctrTitle"/>
-          </p:nvPr>
-        </p:nvSpPr>
-        <p:spPr/>
-        <p:txBody>
-          <a:bodyPr/>
-          <a:lstStyle/>
-          <a:p>
-            <a:endParaRPr lang="en-US"/>
           </a:p>
         </p:txBody>
       </p:sp>
@@ -5520,7 +6548,7 @@
 </p:sld>
 </file>
 
-<file path=ppt/slides/slide2.xml><?xml version="1.0" encoding="utf-8"?>
+<file path=ppt/slides/slide10.xml><?xml version="1.0" encoding="utf-8"?>
 <p:sld xmlns:a="http://schemas.openxmlformats.org/drawingml/2006/main" xmlns:r="http://schemas.openxmlformats.org/officeDocument/2006/relationships" xmlns:p="http://schemas.openxmlformats.org/presentationml/2006/main" showMasterSp="0">
   <p:cSld>
     <p:spTree>
@@ -5546,7 +6574,543 @@
         <p:spPr bwMode="auto">
           <a:xfrm>
             <a:off x="522164" y="828303"/>
-            <a:ext cx="9721080" cy="4244408"/>
+            <a:ext cx="9721080" cy="920422"/>
+          </a:xfrm>
+          <a:prstGeom prst="rect">
+            <a:avLst/>
+          </a:prstGeom>
+          <a:solidFill>
+            <a:schemeClr val="tx1"/>
+          </a:solidFill>
+          <a:ln>
+            <a:headEnd/>
+            <a:tailEnd/>
+          </a:ln>
+        </p:spPr>
+        <p:style>
+          <a:lnRef idx="2">
+            <a:schemeClr val="dk1">
+              <a:shade val="50000"/>
+            </a:schemeClr>
+          </a:lnRef>
+          <a:fillRef idx="1">
+            <a:schemeClr val="dk1"/>
+          </a:fillRef>
+          <a:effectRef idx="0">
+            <a:schemeClr val="dk1"/>
+          </a:effectRef>
+          <a:fontRef idx="minor">
+            <a:schemeClr val="lt1"/>
+          </a:fontRef>
+        </p:style>
+        <p:txBody>
+          <a:bodyPr wrap="square" lIns="180000" tIns="90000" bIns="90000" rtlCol="0">
+            <a:spAutoFit/>
+          </a:bodyPr>
+          <a:lstStyle/>
+          <a:p>
+            <a:r>
+              <a:rPr lang="en-US" sz="2400" dirty="0">
+                <a:solidFill>
+                  <a:schemeClr val="bg1"/>
+                </a:solidFill>
+                <a:latin typeface="Consolas" pitchFamily="49" charset="0"/>
+                <a:ea typeface="ＭＳ Ｐゴシック" pitchFamily="1" charset="-128"/>
+                <a:cs typeface="Consolas" pitchFamily="49" charset="0"/>
+              </a:rPr>
+              <a:t>$ </a:t>
+            </a:r>
+            <a:r>
+              <a:rPr lang="en-US" sz="2400" dirty="0" err="1" smtClean="0">
+                <a:solidFill>
+                  <a:schemeClr val="bg1"/>
+                </a:solidFill>
+                <a:latin typeface="Consolas" pitchFamily="49" charset="0"/>
+                <a:ea typeface="ＭＳ Ｐゴシック" pitchFamily="1" charset="-128"/>
+                <a:cs typeface="Consolas" pitchFamily="49" charset="0"/>
+              </a:rPr>
+              <a:t>analysis:performance</a:t>
+            </a:r>
+            <a:endParaRPr lang="en-US" sz="2400" dirty="0" smtClean="0">
+              <a:solidFill>
+                <a:schemeClr val="bg1"/>
+              </a:solidFill>
+              <a:latin typeface="Consolas" pitchFamily="49" charset="0"/>
+              <a:ea typeface="ＭＳ Ｐゴシック" pitchFamily="1" charset="-128"/>
+              <a:cs typeface="Consolas" pitchFamily="49" charset="0"/>
+            </a:endParaRPr>
+          </a:p>
+          <a:p>
+            <a:endParaRPr lang="en-US" sz="2400" dirty="0" smtClean="0">
+              <a:solidFill>
+                <a:schemeClr val="bg1"/>
+              </a:solidFill>
+              <a:latin typeface="Consolas" pitchFamily="49" charset="0"/>
+              <a:ea typeface="ＭＳ Ｐゴシック" pitchFamily="1" charset="-128"/>
+              <a:cs typeface="Consolas" pitchFamily="49" charset="0"/>
+            </a:endParaRPr>
+          </a:p>
+        </p:txBody>
+      </p:sp>
+      <p:graphicFrame>
+        <p:nvGraphicFramePr>
+          <p:cNvPr id="4" name="Chart 3"/>
+          <p:cNvGraphicFramePr>
+            <a:graphicFrameLocks/>
+          </p:cNvGraphicFramePr>
+          <p:nvPr>
+            <p:extLst>
+              <p:ext uri="{D42A27DB-BD31-4B8C-83A1-F6EECF244321}">
+                <p14:modId xmlns:p14="http://schemas.microsoft.com/office/powerpoint/2010/main" val="2777780596"/>
+              </p:ext>
+            </p:extLst>
+          </p:nvPr>
+        </p:nvGraphicFramePr>
+        <p:xfrm>
+          <a:off x="378148" y="1735137"/>
+          <a:ext cx="10009111" cy="5213846"/>
+        </p:xfrm>
+        <a:graphic>
+          <a:graphicData uri="http://schemas.openxmlformats.org/drawingml/2006/chart">
+            <c:chart xmlns:c="http://schemas.openxmlformats.org/drawingml/2006/chart" xmlns:r="http://schemas.openxmlformats.org/officeDocument/2006/relationships" r:id="rId2"/>
+          </a:graphicData>
+        </a:graphic>
+      </p:graphicFrame>
+    </p:spTree>
+    <p:extLst>
+      <p:ext uri="{BB962C8B-B14F-4D97-AF65-F5344CB8AC3E}">
+        <p14:creationId xmlns:p14="http://schemas.microsoft.com/office/powerpoint/2010/main" val="2200436902"/>
+      </p:ext>
+    </p:extLst>
+  </p:cSld>
+  <p:clrMapOvr>
+    <a:masterClrMapping/>
+  </p:clrMapOvr>
+  <p:transition>
+    <p:fade/>
+  </p:transition>
+  <p:timing>
+    <p:tnLst>
+      <p:par>
+        <p:cTn id="1" dur="indefinite" restart="never" nodeType="tmRoot"/>
+      </p:par>
+    </p:tnLst>
+  </p:timing>
+</p:sld>
+</file>
+
+<file path=ppt/slides/slide11.xml><?xml version="1.0" encoding="utf-8"?>
+<p:sld xmlns:a="http://schemas.openxmlformats.org/drawingml/2006/main" xmlns:r="http://schemas.openxmlformats.org/officeDocument/2006/relationships" xmlns:p="http://schemas.openxmlformats.org/presentationml/2006/main" showMasterSp="0">
+  <p:cSld>
+    <p:spTree>
+      <p:nvGrpSpPr>
+        <p:cNvPr id="1" name=""/>
+        <p:cNvGrpSpPr/>
+        <p:nvPr/>
+      </p:nvGrpSpPr>
+      <p:grpSpPr>
+        <a:xfrm>
+          <a:off x="0" y="0"/>
+          <a:ext cx="0" cy="0"/>
+          <a:chOff x="0" y="0"/>
+          <a:chExt cx="0" cy="0"/>
+        </a:xfrm>
+      </p:grpSpPr>
+      <p:sp>
+        <p:nvSpPr>
+          <p:cNvPr id="2" name="TextBox 1"/>
+          <p:cNvSpPr txBox="1"/>
+          <p:nvPr/>
+        </p:nvSpPr>
+        <p:spPr bwMode="auto">
+          <a:xfrm>
+            <a:off x="522164" y="828303"/>
+            <a:ext cx="9721080" cy="920422"/>
+          </a:xfrm>
+          <a:prstGeom prst="rect">
+            <a:avLst/>
+          </a:prstGeom>
+          <a:solidFill>
+            <a:schemeClr val="tx1"/>
+          </a:solidFill>
+          <a:ln>
+            <a:headEnd/>
+            <a:tailEnd/>
+          </a:ln>
+        </p:spPr>
+        <p:style>
+          <a:lnRef idx="2">
+            <a:schemeClr val="dk1">
+              <a:shade val="50000"/>
+            </a:schemeClr>
+          </a:lnRef>
+          <a:fillRef idx="1">
+            <a:schemeClr val="dk1"/>
+          </a:fillRef>
+          <a:effectRef idx="0">
+            <a:schemeClr val="dk1"/>
+          </a:effectRef>
+          <a:fontRef idx="minor">
+            <a:schemeClr val="lt1"/>
+          </a:fontRef>
+        </p:style>
+        <p:txBody>
+          <a:bodyPr wrap="square" lIns="180000" tIns="90000" bIns="90000" rtlCol="0">
+            <a:spAutoFit/>
+          </a:bodyPr>
+          <a:lstStyle/>
+          <a:p>
+            <a:r>
+              <a:rPr lang="en-US" sz="2400" dirty="0">
+                <a:solidFill>
+                  <a:schemeClr val="bg1"/>
+                </a:solidFill>
+                <a:latin typeface="Consolas" pitchFamily="49" charset="0"/>
+                <a:ea typeface="ＭＳ Ｐゴシック" pitchFamily="1" charset="-128"/>
+                <a:cs typeface="Consolas" pitchFamily="49" charset="0"/>
+              </a:rPr>
+              <a:t>$ </a:t>
+            </a:r>
+            <a:r>
+              <a:rPr lang="en-US" sz="2400" dirty="0" err="1" smtClean="0">
+                <a:solidFill>
+                  <a:schemeClr val="bg1"/>
+                </a:solidFill>
+                <a:latin typeface="Consolas" pitchFamily="49" charset="0"/>
+                <a:ea typeface="ＭＳ Ｐゴシック" pitchFamily="1" charset="-128"/>
+                <a:cs typeface="Consolas" pitchFamily="49" charset="0"/>
+              </a:rPr>
+              <a:t>analysis:performance</a:t>
+            </a:r>
+            <a:endParaRPr lang="en-US" sz="2400" dirty="0" smtClean="0">
+              <a:solidFill>
+                <a:schemeClr val="bg1"/>
+              </a:solidFill>
+              <a:latin typeface="Consolas" pitchFamily="49" charset="0"/>
+              <a:ea typeface="ＭＳ Ｐゴシック" pitchFamily="1" charset="-128"/>
+              <a:cs typeface="Consolas" pitchFamily="49" charset="0"/>
+            </a:endParaRPr>
+          </a:p>
+          <a:p>
+            <a:endParaRPr lang="en-US" sz="2400" dirty="0" smtClean="0">
+              <a:solidFill>
+                <a:schemeClr val="bg1"/>
+              </a:solidFill>
+              <a:latin typeface="Consolas" pitchFamily="49" charset="0"/>
+              <a:ea typeface="ＭＳ Ｐゴシック" pitchFamily="1" charset="-128"/>
+              <a:cs typeface="Consolas" pitchFamily="49" charset="0"/>
+            </a:endParaRPr>
+          </a:p>
+        </p:txBody>
+      </p:sp>
+      <p:graphicFrame>
+        <p:nvGraphicFramePr>
+          <p:cNvPr id="5" name="Chart 4" title="Maps / Reduces"/>
+          <p:cNvGraphicFramePr>
+            <a:graphicFrameLocks/>
+          </p:cNvGraphicFramePr>
+          <p:nvPr>
+            <p:extLst>
+              <p:ext uri="{D42A27DB-BD31-4B8C-83A1-F6EECF244321}">
+                <p14:modId xmlns:p14="http://schemas.microsoft.com/office/powerpoint/2010/main" val="988493805"/>
+              </p:ext>
+            </p:extLst>
+          </p:nvPr>
+        </p:nvGraphicFramePr>
+        <p:xfrm>
+          <a:off x="378148" y="1692399"/>
+          <a:ext cx="10009112" cy="5472608"/>
+        </p:xfrm>
+        <a:graphic>
+          <a:graphicData uri="http://schemas.openxmlformats.org/drawingml/2006/chart">
+            <c:chart xmlns:c="http://schemas.openxmlformats.org/drawingml/2006/chart" xmlns:r="http://schemas.openxmlformats.org/officeDocument/2006/relationships" r:id="rId2"/>
+          </a:graphicData>
+        </a:graphic>
+      </p:graphicFrame>
+    </p:spTree>
+    <p:extLst>
+      <p:ext uri="{BB962C8B-B14F-4D97-AF65-F5344CB8AC3E}">
+        <p14:creationId xmlns:p14="http://schemas.microsoft.com/office/powerpoint/2010/main" val="4047666544"/>
+      </p:ext>
+    </p:extLst>
+  </p:cSld>
+  <p:clrMapOvr>
+    <a:masterClrMapping/>
+  </p:clrMapOvr>
+  <p:transition>
+    <p:fade/>
+  </p:transition>
+  <p:timing>
+    <p:tnLst>
+      <p:par>
+        <p:cTn id="1" dur="indefinite" restart="never" nodeType="tmRoot"/>
+      </p:par>
+    </p:tnLst>
+  </p:timing>
+</p:sld>
+</file>
+
+<file path=ppt/slides/slide12.xml><?xml version="1.0" encoding="utf-8"?>
+<p:sld xmlns:a="http://schemas.openxmlformats.org/drawingml/2006/main" xmlns:r="http://schemas.openxmlformats.org/officeDocument/2006/relationships" xmlns:p="http://schemas.openxmlformats.org/presentationml/2006/main" showMasterSp="0">
+  <p:cSld>
+    <p:spTree>
+      <p:nvGrpSpPr>
+        <p:cNvPr id="1" name=""/>
+        <p:cNvGrpSpPr/>
+        <p:nvPr/>
+      </p:nvGrpSpPr>
+      <p:grpSpPr>
+        <a:xfrm>
+          <a:off x="0" y="0"/>
+          <a:ext cx="0" cy="0"/>
+          <a:chOff x="0" y="0"/>
+          <a:chExt cx="0" cy="0"/>
+        </a:xfrm>
+      </p:grpSpPr>
+      <p:sp>
+        <p:nvSpPr>
+          <p:cNvPr id="2" name="TextBox 1"/>
+          <p:cNvSpPr txBox="1"/>
+          <p:nvPr/>
+        </p:nvSpPr>
+        <p:spPr bwMode="auto">
+          <a:xfrm>
+            <a:off x="522164" y="828303"/>
+            <a:ext cx="9721080" cy="551090"/>
+          </a:xfrm>
+          <a:prstGeom prst="rect">
+            <a:avLst/>
+          </a:prstGeom>
+          <a:solidFill>
+            <a:schemeClr val="tx1"/>
+          </a:solidFill>
+          <a:ln>
+            <a:headEnd/>
+            <a:tailEnd/>
+          </a:ln>
+        </p:spPr>
+        <p:style>
+          <a:lnRef idx="2">
+            <a:schemeClr val="dk1">
+              <a:shade val="50000"/>
+            </a:schemeClr>
+          </a:lnRef>
+          <a:fillRef idx="1">
+            <a:schemeClr val="dk1"/>
+          </a:fillRef>
+          <a:effectRef idx="0">
+            <a:schemeClr val="dk1"/>
+          </a:effectRef>
+          <a:fontRef idx="minor">
+            <a:schemeClr val="lt1"/>
+          </a:fontRef>
+        </p:style>
+        <p:txBody>
+          <a:bodyPr wrap="square" lIns="180000" tIns="90000" bIns="90000" rtlCol="0">
+            <a:spAutoFit/>
+          </a:bodyPr>
+          <a:lstStyle/>
+          <a:p>
+            <a:r>
+              <a:rPr lang="en-US" sz="2400" dirty="0">
+                <a:solidFill>
+                  <a:schemeClr val="bg1"/>
+                </a:solidFill>
+                <a:latin typeface="Consolas" pitchFamily="49" charset="0"/>
+                <a:ea typeface="ＭＳ Ｐゴシック" pitchFamily="1" charset="-128"/>
+                <a:cs typeface="Consolas" pitchFamily="49" charset="0"/>
+              </a:rPr>
+              <a:t>$ </a:t>
+            </a:r>
+            <a:r>
+              <a:rPr lang="en-US" sz="2400" dirty="0" err="1" smtClean="0">
+                <a:solidFill>
+                  <a:schemeClr val="bg1"/>
+                </a:solidFill>
+                <a:latin typeface="Consolas" pitchFamily="49" charset="0"/>
+                <a:ea typeface="ＭＳ Ｐゴシック" pitchFamily="1" charset="-128"/>
+                <a:cs typeface="Consolas" pitchFamily="49" charset="0"/>
+              </a:rPr>
+              <a:t>analysis:language_support</a:t>
+            </a:r>
+            <a:endParaRPr lang="en-US" sz="2400" dirty="0" smtClean="0">
+              <a:solidFill>
+                <a:schemeClr val="bg1"/>
+              </a:solidFill>
+              <a:latin typeface="Consolas" pitchFamily="49" charset="0"/>
+              <a:ea typeface="ＭＳ Ｐゴシック" pitchFamily="1" charset="-128"/>
+              <a:cs typeface="Consolas" pitchFamily="49" charset="0"/>
+            </a:endParaRPr>
+          </a:p>
+        </p:txBody>
+      </p:sp>
+    </p:spTree>
+    <p:extLst>
+      <p:ext uri="{BB962C8B-B14F-4D97-AF65-F5344CB8AC3E}">
+        <p14:creationId xmlns:p14="http://schemas.microsoft.com/office/powerpoint/2010/main" val="2888912887"/>
+      </p:ext>
+    </p:extLst>
+  </p:cSld>
+  <p:clrMapOvr>
+    <a:masterClrMapping/>
+  </p:clrMapOvr>
+  <p:transition>
+    <p:fade/>
+  </p:transition>
+  <p:timing>
+    <p:tnLst>
+      <p:par>
+        <p:cTn id="1" dur="indefinite" restart="never" nodeType="tmRoot"/>
+      </p:par>
+    </p:tnLst>
+  </p:timing>
+</p:sld>
+</file>
+
+<file path=ppt/slides/slide13.xml><?xml version="1.0" encoding="utf-8"?>
+<p:sld xmlns:a="http://schemas.openxmlformats.org/drawingml/2006/main" xmlns:r="http://schemas.openxmlformats.org/officeDocument/2006/relationships" xmlns:p="http://schemas.openxmlformats.org/presentationml/2006/main" showMasterSp="0">
+  <p:cSld>
+    <p:spTree>
+      <p:nvGrpSpPr>
+        <p:cNvPr id="1" name=""/>
+        <p:cNvGrpSpPr/>
+        <p:nvPr/>
+      </p:nvGrpSpPr>
+      <p:grpSpPr>
+        <a:xfrm>
+          <a:off x="0" y="0"/>
+          <a:ext cx="0" cy="0"/>
+          <a:chOff x="0" y="0"/>
+          <a:chExt cx="0" cy="0"/>
+        </a:xfrm>
+      </p:grpSpPr>
+      <p:sp>
+        <p:nvSpPr>
+          <p:cNvPr id="2" name="TextBox 1"/>
+          <p:cNvSpPr txBox="1"/>
+          <p:nvPr/>
+        </p:nvSpPr>
+        <p:spPr bwMode="auto">
+          <a:xfrm>
+            <a:off x="522164" y="828303"/>
+            <a:ext cx="9721080" cy="551090"/>
+          </a:xfrm>
+          <a:prstGeom prst="rect">
+            <a:avLst/>
+          </a:prstGeom>
+          <a:solidFill>
+            <a:schemeClr val="tx1"/>
+          </a:solidFill>
+          <a:ln>
+            <a:headEnd/>
+            <a:tailEnd/>
+          </a:ln>
+        </p:spPr>
+        <p:style>
+          <a:lnRef idx="2">
+            <a:schemeClr val="dk1">
+              <a:shade val="50000"/>
+            </a:schemeClr>
+          </a:lnRef>
+          <a:fillRef idx="1">
+            <a:schemeClr val="dk1"/>
+          </a:fillRef>
+          <a:effectRef idx="0">
+            <a:schemeClr val="dk1"/>
+          </a:effectRef>
+          <a:fontRef idx="minor">
+            <a:schemeClr val="lt1"/>
+          </a:fontRef>
+        </p:style>
+        <p:txBody>
+          <a:bodyPr wrap="square" lIns="180000" tIns="90000" bIns="90000" rtlCol="0">
+            <a:spAutoFit/>
+          </a:bodyPr>
+          <a:lstStyle/>
+          <a:p>
+            <a:r>
+              <a:rPr lang="en-US" sz="2400" dirty="0">
+                <a:solidFill>
+                  <a:schemeClr val="bg1"/>
+                </a:solidFill>
+                <a:latin typeface="Consolas" pitchFamily="49" charset="0"/>
+                <a:ea typeface="ＭＳ Ｐゴシック" pitchFamily="1" charset="-128"/>
+                <a:cs typeface="Consolas" pitchFamily="49" charset="0"/>
+              </a:rPr>
+              <a:t>$ </a:t>
+            </a:r>
+            <a:r>
+              <a:rPr lang="en-US" sz="2400" dirty="0" err="1" smtClean="0">
+                <a:solidFill>
+                  <a:schemeClr val="bg1"/>
+                </a:solidFill>
+                <a:latin typeface="Consolas" pitchFamily="49" charset="0"/>
+                <a:ea typeface="ＭＳ Ｐゴシック" pitchFamily="1" charset="-128"/>
+                <a:cs typeface="Consolas" pitchFamily="49" charset="0"/>
+              </a:rPr>
+              <a:t>analysis:dev_tools</a:t>
+            </a:r>
+            <a:endParaRPr lang="en-US" sz="2400" dirty="0" smtClean="0">
+              <a:solidFill>
+                <a:schemeClr val="bg1"/>
+              </a:solidFill>
+              <a:latin typeface="Consolas" pitchFamily="49" charset="0"/>
+              <a:ea typeface="ＭＳ Ｐゴシック" pitchFamily="1" charset="-128"/>
+              <a:cs typeface="Consolas" pitchFamily="49" charset="0"/>
+            </a:endParaRPr>
+          </a:p>
+        </p:txBody>
+      </p:sp>
+    </p:spTree>
+    <p:extLst>
+      <p:ext uri="{BB962C8B-B14F-4D97-AF65-F5344CB8AC3E}">
+        <p14:creationId xmlns:p14="http://schemas.microsoft.com/office/powerpoint/2010/main" val="1653810050"/>
+      </p:ext>
+    </p:extLst>
+  </p:cSld>
+  <p:clrMapOvr>
+    <a:masterClrMapping/>
+  </p:clrMapOvr>
+  <p:transition>
+    <p:fade/>
+  </p:transition>
+  <p:timing>
+    <p:tnLst>
+      <p:par>
+        <p:cTn id="1" dur="indefinite" restart="never" nodeType="tmRoot"/>
+      </p:par>
+    </p:tnLst>
+  </p:timing>
+</p:sld>
+</file>
+
+<file path=ppt/slides/slide14.xml><?xml version="1.0" encoding="utf-8"?>
+<p:sld xmlns:a="http://schemas.openxmlformats.org/drawingml/2006/main" xmlns:r="http://schemas.openxmlformats.org/officeDocument/2006/relationships" xmlns:p="http://schemas.openxmlformats.org/presentationml/2006/main" showMasterSp="0">
+  <p:cSld>
+    <p:spTree>
+      <p:nvGrpSpPr>
+        <p:cNvPr id="1" name=""/>
+        <p:cNvGrpSpPr/>
+        <p:nvPr/>
+      </p:nvGrpSpPr>
+      <p:grpSpPr>
+        <a:xfrm>
+          <a:off x="0" y="0"/>
+          <a:ext cx="0" cy="0"/>
+          <a:chOff x="0" y="0"/>
+          <a:chExt cx="0" cy="0"/>
+        </a:xfrm>
+      </p:grpSpPr>
+      <p:sp>
+        <p:nvSpPr>
+          <p:cNvPr id="2" name="TextBox 1"/>
+          <p:cNvSpPr txBox="1"/>
+          <p:nvPr/>
+        </p:nvSpPr>
+        <p:spPr bwMode="auto">
+          <a:xfrm>
+            <a:off x="522164" y="828303"/>
+            <a:ext cx="9721080" cy="4983072"/>
           </a:xfrm>
           <a:prstGeom prst="rect">
             <a:avLst/>
@@ -5579,6 +7143,159 @@
           <a:lstStyle/>
           <a:p>
             <a:r>
+              <a:rPr lang="en-US" sz="2400" dirty="0">
+                <a:solidFill>
+                  <a:schemeClr val="bg1"/>
+                </a:solidFill>
+                <a:latin typeface="Consolas" pitchFamily="49" charset="0"/>
+                <a:ea typeface="ＭＳ Ｐゴシック" pitchFamily="1" charset="-128"/>
+                <a:cs typeface="Consolas" pitchFamily="49" charset="0"/>
+              </a:rPr>
+              <a:t>$ echo </a:t>
+            </a:r>
+            <a:r>
+              <a:rPr lang="en-US" sz="2400" dirty="0">
+                <a:solidFill>
+                  <a:srgbClr val="456FB0"/>
+                </a:solidFill>
+                <a:latin typeface="Consolas" pitchFamily="49" charset="0"/>
+                <a:ea typeface="ＭＳ Ｐゴシック" pitchFamily="1" charset="-128"/>
+                <a:cs typeface="Consolas" pitchFamily="49" charset="0"/>
+              </a:rPr>
+              <a:t>$</a:t>
+            </a:r>
+            <a:r>
+              <a:rPr lang="en-US" sz="2400" dirty="0" err="1">
+                <a:solidFill>
+                  <a:srgbClr val="456FB0"/>
+                </a:solidFill>
+                <a:latin typeface="Consolas" pitchFamily="49" charset="0"/>
+                <a:ea typeface="ＭＳ Ｐゴシック" pitchFamily="1" charset="-128"/>
+                <a:cs typeface="Consolas" pitchFamily="49" charset="0"/>
+              </a:rPr>
+              <a:t>dusan</a:t>
+            </a:r>
+            <a:endParaRPr lang="en-US" sz="2400" dirty="0">
+              <a:solidFill>
+                <a:srgbClr val="456FB0"/>
+              </a:solidFill>
+              <a:latin typeface="Consolas" pitchFamily="49" charset="0"/>
+              <a:ea typeface="ＭＳ Ｐゴシック" pitchFamily="1" charset="-128"/>
+              <a:cs typeface="Consolas" pitchFamily="49" charset="0"/>
+            </a:endParaRPr>
+          </a:p>
+          <a:p>
+            <a:r>
+              <a:rPr lang="en-US" sz="2400" dirty="0" err="1">
+                <a:solidFill>
+                  <a:schemeClr val="bg1"/>
+                </a:solidFill>
+                <a:latin typeface="Consolas" pitchFamily="49" charset="0"/>
+                <a:ea typeface="ＭＳ Ｐゴシック" pitchFamily="1" charset="-128"/>
+                <a:cs typeface="Consolas" pitchFamily="49" charset="0"/>
+              </a:rPr>
+              <a:t>dusan</a:t>
+            </a:r>
+            <a:r>
+              <a:rPr lang="en-US" sz="2400" dirty="0">
+                <a:solidFill>
+                  <a:schemeClr val="bg1"/>
+                </a:solidFill>
+                <a:latin typeface="Consolas" pitchFamily="49" charset="0"/>
+                <a:ea typeface="ＭＳ Ｐゴシック" pitchFamily="1" charset="-128"/>
+                <a:cs typeface="Consolas" pitchFamily="49" charset="0"/>
+              </a:rPr>
+              <a:t> </a:t>
+            </a:r>
+            <a:r>
+              <a:rPr lang="en-US" sz="2400" dirty="0" err="1">
+                <a:solidFill>
+                  <a:schemeClr val="bg1"/>
+                </a:solidFill>
+                <a:latin typeface="Consolas" pitchFamily="49" charset="0"/>
+                <a:ea typeface="ＭＳ Ｐゴシック" pitchFamily="1" charset="-128"/>
+                <a:cs typeface="Consolas" pitchFamily="49" charset="0"/>
+              </a:rPr>
+              <a:t>zamurovic</a:t>
+            </a:r>
+            <a:r>
+              <a:rPr lang="en-US" sz="2400" dirty="0">
+                <a:solidFill>
+                  <a:schemeClr val="bg1"/>
+                </a:solidFill>
+                <a:latin typeface="Consolas" pitchFamily="49" charset="0"/>
+                <a:ea typeface="ＭＳ Ｐゴシック" pitchFamily="1" charset="-128"/>
+                <a:cs typeface="Consolas" pitchFamily="49" charset="0"/>
+              </a:rPr>
+              <a:t>, </a:t>
+            </a:r>
+            <a:r>
+              <a:rPr lang="en-US" sz="2400" dirty="0" err="1">
+                <a:solidFill>
+                  <a:schemeClr val="bg1"/>
+                </a:solidFill>
+                <a:latin typeface="Consolas" pitchFamily="49" charset="0"/>
+                <a:ea typeface="ＭＳ Ｐゴシック" pitchFamily="1" charset="-128"/>
+                <a:cs typeface="Consolas" pitchFamily="49" charset="0"/>
+              </a:rPr>
+              <a:t>m.sc.</a:t>
+            </a:r>
+            <a:r>
+              <a:rPr lang="en-US" sz="2400" dirty="0">
+                <a:solidFill>
+                  <a:schemeClr val="bg1"/>
+                </a:solidFill>
+                <a:latin typeface="Consolas" pitchFamily="49" charset="0"/>
+                <a:ea typeface="ＭＳ Ｐゴシック" pitchFamily="1" charset="-128"/>
+                <a:cs typeface="Consolas" pitchFamily="49" charset="0"/>
+              </a:rPr>
+              <a:t> software engineering</a:t>
+            </a:r>
+          </a:p>
+          <a:p>
+            <a:r>
+              <a:rPr lang="en-US" sz="2400" dirty="0">
+                <a:solidFill>
+                  <a:schemeClr val="bg1"/>
+                </a:solidFill>
+                <a:latin typeface="Consolas" pitchFamily="49" charset="0"/>
+                <a:ea typeface="ＭＳ Ｐゴシック" pitchFamily="1" charset="-128"/>
+                <a:cs typeface="Consolas" pitchFamily="49" charset="0"/>
+              </a:rPr>
+              <a:t>Twitter: @</a:t>
+            </a:r>
+            <a:r>
+              <a:rPr lang="en-US" sz="2400" dirty="0" err="1">
+                <a:solidFill>
+                  <a:schemeClr val="bg1"/>
+                </a:solidFill>
+                <a:latin typeface="Consolas" pitchFamily="49" charset="0"/>
+                <a:ea typeface="ＭＳ Ｐゴシック" pitchFamily="1" charset="-128"/>
+                <a:cs typeface="Consolas" pitchFamily="49" charset="0"/>
+              </a:rPr>
+              <a:t>ezamur</a:t>
+            </a:r>
+            <a:endParaRPr lang="en-US" sz="2400" dirty="0">
+              <a:solidFill>
+                <a:schemeClr val="bg1"/>
+              </a:solidFill>
+              <a:latin typeface="Consolas" pitchFamily="49" charset="0"/>
+              <a:ea typeface="ＭＳ Ｐゴシック" pitchFamily="1" charset="-128"/>
+              <a:cs typeface="Consolas" pitchFamily="49" charset="0"/>
+            </a:endParaRPr>
+          </a:p>
+          <a:p>
+            <a:endParaRPr lang="en-US" sz="2400" dirty="0" smtClean="0">
+              <a:solidFill>
+                <a:schemeClr val="bg1"/>
+              </a:solidFill>
+              <a:latin typeface="Consolas" pitchFamily="49" charset="0"/>
+              <a:ea typeface="ＭＳ Ｐゴシック" pitchFamily="1" charset="-128"/>
+              <a:cs typeface="Consolas" pitchFamily="49" charset="0"/>
+            </a:endParaRPr>
+          </a:p>
+          <a:p>
+            <a:r>
               <a:rPr lang="en-US" sz="2400" dirty="0" smtClean="0">
                 <a:solidFill>
                   <a:schemeClr val="bg1"/>
@@ -5715,13 +7432,252 @@
             <a:r>
               <a:rPr lang="en-US" sz="2400" dirty="0">
                 <a:solidFill>
-                  <a:schemeClr val="bg1"/>
-                </a:solidFill>
-                <a:latin typeface="Consolas" pitchFamily="49" charset="0"/>
-                <a:ea typeface="ＭＳ Ｐゴシック" pitchFamily="1" charset="-128"/>
-                <a:cs typeface="Consolas" pitchFamily="49" charset="0"/>
-              </a:rPr>
-              <a:t>$ echo </a:t>
+                  <a:schemeClr val="accent6">
+                    <a:lumMod val="60000"/>
+                    <a:lumOff val="40000"/>
+                  </a:schemeClr>
+                </a:solidFill>
+                <a:latin typeface="Consolas" pitchFamily="49" charset="0"/>
+                <a:ea typeface="ＭＳ Ｐゴシック" pitchFamily="1" charset="-128"/>
+                <a:cs typeface="Consolas" pitchFamily="49" charset="0"/>
+              </a:rPr>
+              <a:t>origin  </a:t>
+            </a:r>
+            <a:r>
+              <a:rPr lang="en-US" sz="2400" dirty="0" err="1">
+                <a:solidFill>
+                  <a:schemeClr val="accent6">
+                    <a:lumMod val="60000"/>
+                    <a:lumOff val="40000"/>
+                  </a:schemeClr>
+                </a:solidFill>
+                <a:latin typeface="Consolas" pitchFamily="49" charset="0"/>
+                <a:ea typeface="ＭＳ Ｐゴシック" pitchFamily="1" charset="-128"/>
+                <a:cs typeface="Consolas" pitchFamily="49" charset="0"/>
+              </a:rPr>
+              <a:t>git@github.com:dzamurovic</a:t>
+            </a:r>
+            <a:r>
+              <a:rPr lang="en-US" sz="2400" dirty="0">
+                <a:solidFill>
+                  <a:schemeClr val="accent6">
+                    <a:lumMod val="60000"/>
+                    <a:lumOff val="40000"/>
+                  </a:schemeClr>
+                </a:solidFill>
+                <a:latin typeface="Consolas" pitchFamily="49" charset="0"/>
+                <a:ea typeface="ＭＳ Ｐゴシック" pitchFamily="1" charset="-128"/>
+                <a:cs typeface="Consolas" pitchFamily="49" charset="0"/>
+              </a:rPr>
+              <a:t>/coding-serbia-2014.git</a:t>
+            </a:r>
+            <a:endParaRPr lang="en-US" sz="2400" dirty="0" smtClean="0">
+              <a:solidFill>
+                <a:schemeClr val="accent6">
+                  <a:lumMod val="60000"/>
+                  <a:lumOff val="40000"/>
+                </a:schemeClr>
+              </a:solidFill>
+              <a:latin typeface="Consolas" pitchFamily="49" charset="0"/>
+              <a:ea typeface="ＭＳ Ｐゴシック" pitchFamily="1" charset="-128"/>
+              <a:cs typeface="Consolas" pitchFamily="49" charset="0"/>
+            </a:endParaRPr>
+          </a:p>
+          <a:p>
+            <a:endParaRPr lang="en-US" sz="2400" dirty="0" smtClean="0">
+              <a:solidFill>
+                <a:schemeClr val="bg1"/>
+              </a:solidFill>
+              <a:latin typeface="Consolas" pitchFamily="49" charset="0"/>
+              <a:ea typeface="ＭＳ Ｐゴシック" pitchFamily="1" charset="-128"/>
+              <a:cs typeface="Consolas" pitchFamily="49" charset="0"/>
+            </a:endParaRPr>
+          </a:p>
+          <a:p>
+            <a:pPr marL="0" indent="0">
+              <a:buFont typeface="Symbol" pitchFamily="18" charset="2"/>
+              <a:buNone/>
+            </a:pPr>
+            <a:r>
+              <a:rPr lang="en-US" sz="2400" dirty="0">
+                <a:solidFill>
+                  <a:srgbClr val="73AF3C"/>
+                </a:solidFill>
+                <a:latin typeface="Consolas" pitchFamily="49" charset="0"/>
+                <a:ea typeface="ＭＳ Ｐゴシック" pitchFamily="34" charset="-128"/>
+                <a:cs typeface="Consolas" pitchFamily="49" charset="0"/>
+              </a:rPr>
+              <a:t>@</a:t>
+            </a:r>
+            <a:r>
+              <a:rPr lang="en-US" sz="2400" dirty="0" err="1">
+                <a:solidFill>
+                  <a:srgbClr val="73AF3C"/>
+                </a:solidFill>
+                <a:latin typeface="Consolas" pitchFamily="49" charset="0"/>
+                <a:ea typeface="ＭＳ Ｐゴシック" pitchFamily="34" charset="-128"/>
+                <a:cs typeface="Consolas" pitchFamily="49" charset="0"/>
+              </a:rPr>
+              <a:t>CodingSerbia</a:t>
+            </a:r>
+            <a:endParaRPr lang="en-US" sz="2400" dirty="0">
+              <a:solidFill>
+                <a:srgbClr val="73AF3C"/>
+              </a:solidFill>
+              <a:latin typeface="Consolas" pitchFamily="49" charset="0"/>
+              <a:ea typeface="ＭＳ Ｐゴシック" pitchFamily="34" charset="-128"/>
+              <a:cs typeface="Consolas" pitchFamily="49" charset="0"/>
+            </a:endParaRPr>
+          </a:p>
+          <a:p>
+            <a:pPr marL="0" indent="0">
+              <a:buFont typeface="Symbol" pitchFamily="18" charset="2"/>
+              <a:buNone/>
+            </a:pPr>
+            <a:r>
+              <a:rPr lang="en-US" sz="2400" dirty="0">
+                <a:solidFill>
+                  <a:srgbClr val="73AF3C"/>
+                </a:solidFill>
+                <a:latin typeface="Consolas" pitchFamily="49" charset="0"/>
+                <a:ea typeface="ＭＳ Ｐゴシック" pitchFamily="34" charset="-128"/>
+                <a:cs typeface="Consolas" pitchFamily="49" charset="0"/>
+              </a:rPr>
+              <a:t>www.meetup.com/Coding-Serbia</a:t>
+            </a:r>
+          </a:p>
+          <a:p>
+            <a:pPr marL="0" indent="0">
+              <a:buFont typeface="Symbol" pitchFamily="18" charset="2"/>
+              <a:buNone/>
+            </a:pPr>
+            <a:r>
+              <a:rPr lang="en-US" sz="2400" dirty="0">
+                <a:solidFill>
+                  <a:srgbClr val="73AF3C"/>
+                </a:solidFill>
+                <a:latin typeface="Consolas" pitchFamily="49" charset="0"/>
+                <a:ea typeface="ＭＳ Ｐゴシック" pitchFamily="1" charset="-128"/>
+                <a:cs typeface="Consolas" pitchFamily="49" charset="0"/>
+              </a:rPr>
+              <a:t>www.codingserbia.com</a:t>
+            </a:r>
+          </a:p>
+        </p:txBody>
+      </p:sp>
+    </p:spTree>
+    <p:extLst>
+      <p:ext uri="{BB962C8B-B14F-4D97-AF65-F5344CB8AC3E}">
+        <p14:creationId xmlns:p14="http://schemas.microsoft.com/office/powerpoint/2010/main" val="3347418237"/>
+      </p:ext>
+    </p:extLst>
+  </p:cSld>
+  <p:clrMapOvr>
+    <a:masterClrMapping/>
+  </p:clrMapOvr>
+  <p:transition>
+    <p:fade/>
+  </p:transition>
+  <p:timing>
+    <p:tnLst>
+      <p:par>
+        <p:cTn id="1" dur="indefinite" restart="never" nodeType="tmRoot"/>
+      </p:par>
+    </p:tnLst>
+  </p:timing>
+</p:sld>
+</file>
+
+<file path=ppt/slides/slide2.xml><?xml version="1.0" encoding="utf-8"?>
+<p:sld xmlns:a="http://schemas.openxmlformats.org/drawingml/2006/main" xmlns:r="http://schemas.openxmlformats.org/officeDocument/2006/relationships" xmlns:p="http://schemas.openxmlformats.org/presentationml/2006/main" showMasterSp="0">
+  <p:cSld>
+    <p:bg>
+      <p:bgPr>
+        <a:solidFill>
+          <a:schemeClr val="tx1"/>
+        </a:solidFill>
+        <a:effectLst/>
+      </p:bgPr>
+    </p:bg>
+    <p:spTree>
+      <p:nvGrpSpPr>
+        <p:cNvPr id="1" name=""/>
+        <p:cNvGrpSpPr/>
+        <p:nvPr/>
+      </p:nvGrpSpPr>
+      <p:grpSpPr>
+        <a:xfrm>
+          <a:off x="0" y="0"/>
+          <a:ext cx="0" cy="0"/>
+          <a:chOff x="0" y="0"/>
+          <a:chExt cx="0" cy="0"/>
+        </a:xfrm>
+      </p:grpSpPr>
+      <p:sp>
+        <p:nvSpPr>
+          <p:cNvPr id="2" name="TextBox 1"/>
+          <p:cNvSpPr txBox="1"/>
+          <p:nvPr/>
+        </p:nvSpPr>
+        <p:spPr bwMode="auto">
+          <a:xfrm>
+            <a:off x="522164" y="828303"/>
+            <a:ext cx="9721080" cy="5352404"/>
+          </a:xfrm>
+          <a:prstGeom prst="rect">
+            <a:avLst/>
+          </a:prstGeom>
+          <a:solidFill>
+            <a:schemeClr val="tx1"/>
+          </a:solidFill>
+          <a:ln>
+            <a:headEnd/>
+            <a:tailEnd/>
+          </a:ln>
+        </p:spPr>
+        <p:style>
+          <a:lnRef idx="2">
+            <a:schemeClr val="dk1">
+              <a:shade val="50000"/>
+            </a:schemeClr>
+          </a:lnRef>
+          <a:fillRef idx="1">
+            <a:schemeClr val="dk1"/>
+          </a:fillRef>
+          <a:effectRef idx="0">
+            <a:schemeClr val="dk1"/>
+          </a:effectRef>
+          <a:fontRef idx="minor">
+            <a:schemeClr val="lt1"/>
+          </a:fontRef>
+        </p:style>
+        <p:txBody>
+          <a:bodyPr wrap="square" lIns="180000" tIns="90000" bIns="90000" rtlCol="0">
+            <a:spAutoFit/>
+          </a:bodyPr>
+          <a:lstStyle/>
+          <a:p>
+            <a:r>
+              <a:rPr lang="en-US" sz="2400" dirty="0" smtClean="0">
+                <a:solidFill>
+                  <a:schemeClr val="bg1"/>
+                </a:solidFill>
+                <a:latin typeface="Consolas" pitchFamily="49" charset="0"/>
+                <a:ea typeface="ＭＳ Ｐゴシック" pitchFamily="1" charset="-128"/>
+                <a:cs typeface="Consolas" pitchFamily="49" charset="0"/>
+              </a:rPr>
+              <a:t>$ </a:t>
+            </a:r>
+            <a:r>
+              <a:rPr lang="en-US" sz="2400" dirty="0">
+                <a:solidFill>
+                  <a:schemeClr val="bg1"/>
+                </a:solidFill>
+                <a:latin typeface="Consolas" pitchFamily="49" charset="0"/>
+                <a:ea typeface="ＭＳ Ｐゴシック" pitchFamily="1" charset="-128"/>
+                <a:cs typeface="Consolas" pitchFamily="49" charset="0"/>
+              </a:rPr>
+              <a:t>echo </a:t>
             </a:r>
             <a:r>
               <a:rPr lang="en-US" sz="2400" dirty="0">
@@ -5832,7 +7788,7 @@
                 <a:ea typeface="ＭＳ Ｐゴシック" pitchFamily="1" charset="-128"/>
                 <a:cs typeface="Consolas" pitchFamily="49" charset="0"/>
               </a:rPr>
-              <a:t>@</a:t>
+              <a:t>Twitter: @</a:t>
             </a:r>
             <a:r>
               <a:rPr lang="en-US" sz="2400" dirty="0" err="1" smtClean="0">
@@ -5865,6 +7821,140 @@
             </a:endParaRPr>
           </a:p>
           <a:p>
+            <a:r>
+              <a:rPr lang="en-US" sz="2400" dirty="0">
+                <a:solidFill>
+                  <a:schemeClr val="bg1"/>
+                </a:solidFill>
+                <a:latin typeface="Consolas" pitchFamily="49" charset="0"/>
+                <a:ea typeface="ＭＳ Ｐゴシック" pitchFamily="1" charset="-128"/>
+                <a:cs typeface="Consolas" pitchFamily="49" charset="0"/>
+              </a:rPr>
+              <a:t>$ echo </a:t>
+            </a:r>
+            <a:r>
+              <a:rPr lang="en-US" sz="2400" dirty="0">
+                <a:solidFill>
+                  <a:srgbClr val="456FB0"/>
+                </a:solidFill>
+                <a:latin typeface="Consolas" pitchFamily="49" charset="0"/>
+                <a:ea typeface="ＭＳ Ｐゴシック" pitchFamily="1" charset="-128"/>
+                <a:cs typeface="Consolas" pitchFamily="49" charset="0"/>
+              </a:rPr>
+              <a:t>$</a:t>
+            </a:r>
+            <a:r>
+              <a:rPr lang="en-US" sz="2400" dirty="0" err="1">
+                <a:solidFill>
+                  <a:srgbClr val="456FB0"/>
+                </a:solidFill>
+                <a:latin typeface="Consolas" pitchFamily="49" charset="0"/>
+                <a:ea typeface="ＭＳ Ｐゴシック" pitchFamily="1" charset="-128"/>
+                <a:cs typeface="Consolas" pitchFamily="49" charset="0"/>
+              </a:rPr>
+              <a:t>ozren</a:t>
+            </a:r>
+            <a:endParaRPr lang="en-US" sz="2400" dirty="0">
+              <a:solidFill>
+                <a:srgbClr val="456FB0"/>
+              </a:solidFill>
+              <a:latin typeface="Consolas" pitchFamily="49" charset="0"/>
+              <a:ea typeface="ＭＳ Ｐゴシック" pitchFamily="1" charset="-128"/>
+              <a:cs typeface="Consolas" pitchFamily="49" charset="0"/>
+            </a:endParaRPr>
+          </a:p>
+          <a:p>
+            <a:r>
+              <a:rPr lang="en-US" sz="2400" dirty="0" err="1">
+                <a:solidFill>
+                  <a:schemeClr val="bg1"/>
+                </a:solidFill>
+                <a:latin typeface="Consolas" pitchFamily="49" charset="0"/>
+                <a:ea typeface="ＭＳ Ｐゴシック" pitchFamily="1" charset="-128"/>
+                <a:cs typeface="Consolas" pitchFamily="49" charset="0"/>
+              </a:rPr>
+              <a:t>ozren</a:t>
+            </a:r>
+            <a:r>
+              <a:rPr lang="en-US" sz="2400" dirty="0">
+                <a:solidFill>
+                  <a:schemeClr val="bg1"/>
+                </a:solidFill>
+                <a:latin typeface="Consolas" pitchFamily="49" charset="0"/>
+                <a:ea typeface="ＭＳ Ｐゴシック" pitchFamily="1" charset="-128"/>
+                <a:cs typeface="Consolas" pitchFamily="49" charset="0"/>
+              </a:rPr>
+              <a:t> </a:t>
+            </a:r>
+            <a:r>
+              <a:rPr lang="en-US" sz="2400" dirty="0" err="1">
+                <a:solidFill>
+                  <a:schemeClr val="bg1"/>
+                </a:solidFill>
+                <a:latin typeface="Consolas" pitchFamily="49" charset="0"/>
+                <a:ea typeface="ＭＳ Ｐゴシック" pitchFamily="1" charset="-128"/>
+                <a:cs typeface="Consolas" pitchFamily="49" charset="0"/>
+              </a:rPr>
+              <a:t>gulan</a:t>
+            </a:r>
+            <a:r>
+              <a:rPr lang="en-US" sz="2400" dirty="0">
+                <a:solidFill>
+                  <a:schemeClr val="bg1"/>
+                </a:solidFill>
+                <a:latin typeface="Consolas" pitchFamily="49" charset="0"/>
+                <a:ea typeface="ＭＳ Ｐゴシック" pitchFamily="1" charset="-128"/>
+                <a:cs typeface="Consolas" pitchFamily="49" charset="0"/>
+              </a:rPr>
+              <a:t>, </a:t>
+            </a:r>
+            <a:r>
+              <a:rPr lang="en-US" sz="2400" dirty="0" err="1">
+                <a:solidFill>
+                  <a:schemeClr val="bg1"/>
+                </a:solidFill>
+                <a:latin typeface="Consolas" pitchFamily="49" charset="0"/>
+                <a:ea typeface="ＭＳ Ｐゴシック" pitchFamily="1" charset="-128"/>
+                <a:cs typeface="Consolas" pitchFamily="49" charset="0"/>
+              </a:rPr>
+              <a:t>m.sc.</a:t>
+            </a:r>
+            <a:r>
+              <a:rPr lang="en-US" sz="2400" dirty="0">
+                <a:solidFill>
+                  <a:schemeClr val="bg1"/>
+                </a:solidFill>
+                <a:latin typeface="Consolas" pitchFamily="49" charset="0"/>
+                <a:ea typeface="ＭＳ Ｐゴシック" pitchFamily="1" charset="-128"/>
+                <a:cs typeface="Consolas" pitchFamily="49" charset="0"/>
+              </a:rPr>
+              <a:t> software engineering</a:t>
+            </a:r>
+          </a:p>
+          <a:p>
+            <a:r>
+              <a:rPr lang="en-US" sz="2400" dirty="0">
+                <a:solidFill>
+                  <a:schemeClr val="bg1"/>
+                </a:solidFill>
+                <a:latin typeface="Consolas" pitchFamily="49" charset="0"/>
+                <a:ea typeface="ＭＳ Ｐゴシック" pitchFamily="1" charset="-128"/>
+                <a:cs typeface="Consolas" pitchFamily="49" charset="0"/>
+              </a:rPr>
+              <a:t>...</a:t>
+            </a:r>
+          </a:p>
+          <a:p>
+            <a:endParaRPr lang="en-US" sz="2400" dirty="0">
+              <a:solidFill>
+                <a:schemeClr val="bg1"/>
+              </a:solidFill>
+              <a:latin typeface="Consolas" pitchFamily="49" charset="0"/>
+              <a:ea typeface="ＭＳ Ｐゴシック" pitchFamily="1" charset="-128"/>
+              <a:cs typeface="Consolas" pitchFamily="49" charset="0"/>
+            </a:endParaRPr>
+          </a:p>
+          <a:p>
             <a:endParaRPr lang="en-US" sz="2400" dirty="0" smtClean="0">
               <a:solidFill>
                 <a:schemeClr val="bg1"/>
@@ -5879,28 +7969,6 @@
               <a:buFont typeface="Symbol" pitchFamily="18" charset="2"/>
               <a:buNone/>
             </a:pPr>
-            <a:r>
-              <a:rPr lang="en-US" sz="2400" dirty="0" smtClean="0">
-                <a:solidFill>
-                  <a:srgbClr val="73AF3C"/>
-                </a:solidFill>
-                <a:latin typeface="Consolas" pitchFamily="49" charset="0"/>
-                <a:ea typeface="ＭＳ Ｐゴシック" pitchFamily="34" charset="-128"/>
-                <a:cs typeface="Consolas" pitchFamily="49" charset="0"/>
-              </a:rPr>
-              <a:t>@</a:t>
-            </a:r>
-            <a:r>
-              <a:rPr lang="en-US" sz="2400" dirty="0" err="1" smtClean="0">
-                <a:solidFill>
-                  <a:srgbClr val="73AF3C"/>
-                </a:solidFill>
-                <a:latin typeface="Consolas" pitchFamily="49" charset="0"/>
-                <a:ea typeface="ＭＳ Ｐゴシック" pitchFamily="34" charset="-128"/>
-                <a:cs typeface="Consolas" pitchFamily="49" charset="0"/>
-              </a:rPr>
-              <a:t>CodingSerbia</a:t>
-            </a:r>
             <a:endParaRPr lang="en-US" sz="2400" dirty="0" smtClean="0">
               <a:solidFill>
                 <a:srgbClr val="73AF3C"/>
@@ -5924,8 +7992,67 @@
                 <a:ea typeface="ＭＳ Ｐゴシック" pitchFamily="34" charset="-128"/>
                 <a:cs typeface="Consolas" pitchFamily="49" charset="0"/>
               </a:rPr>
+              <a:t>@</a:t>
+            </a:r>
+            <a:r>
+              <a:rPr lang="en-US" sz="2400" dirty="0" err="1" smtClean="0">
+                <a:solidFill>
+                  <a:srgbClr val="73AF3C"/>
+                </a:solidFill>
+                <a:latin typeface="Consolas" pitchFamily="49" charset="0"/>
+                <a:ea typeface="ＭＳ Ｐゴシック" pitchFamily="34" charset="-128"/>
+                <a:cs typeface="Consolas" pitchFamily="49" charset="0"/>
+              </a:rPr>
+              <a:t>CodingSerbia</a:t>
+            </a:r>
+            <a:endParaRPr lang="en-US" sz="2400" dirty="0" smtClean="0">
+              <a:solidFill>
+                <a:srgbClr val="73AF3C"/>
+              </a:solidFill>
+              <a:latin typeface="Consolas" pitchFamily="49" charset="0"/>
+              <a:ea typeface="ＭＳ Ｐゴシック" pitchFamily="34" charset="-128"/>
+              <a:cs typeface="Consolas" pitchFamily="49" charset="0"/>
+            </a:endParaRPr>
+          </a:p>
+          <a:p>
+            <a:pPr marL="0" indent="0">
+              <a:buFont typeface="Symbol" pitchFamily="18" charset="2"/>
+              <a:buNone/>
+            </a:pPr>
+            <a:r>
+              <a:rPr lang="en-US" sz="2400" dirty="0" smtClean="0">
+                <a:solidFill>
+                  <a:srgbClr val="73AF3C"/>
+                </a:solidFill>
+                <a:latin typeface="Consolas" pitchFamily="49" charset="0"/>
+                <a:ea typeface="ＭＳ Ｐゴシック" pitchFamily="34" charset="-128"/>
+                <a:cs typeface="Consolas" pitchFamily="49" charset="0"/>
+              </a:rPr>
               <a:t>www.meetup.com/Coding-Serbia</a:t>
             </a:r>
+          </a:p>
+          <a:p>
+            <a:pPr marL="0" indent="0">
+              <a:buFont typeface="Symbol" pitchFamily="18" charset="2"/>
+              <a:buNone/>
+            </a:pPr>
+            <a:r>
+              <a:rPr lang="en-US" sz="2400" dirty="0" smtClean="0">
+                <a:solidFill>
+                  <a:srgbClr val="73AF3C"/>
+                </a:solidFill>
+                <a:latin typeface="Consolas" pitchFamily="49" charset="0"/>
+                <a:ea typeface="ＭＳ Ｐゴシック" pitchFamily="1" charset="-128"/>
+                <a:cs typeface="Consolas" pitchFamily="49" charset="0"/>
+              </a:rPr>
+              <a:t>www.codingserbia.com</a:t>
+            </a:r>
+          </a:p>
+          <a:p>
+            <a:pPr marL="0" indent="0">
+              <a:buFont typeface="Symbol" pitchFamily="18" charset="2"/>
+              <a:buNone/>
+            </a:pPr>
             <a:endParaRPr lang="en-US" sz="2400" dirty="0" smtClean="0">
               <a:solidFill>
                 <a:srgbClr val="73AF3C"/>
@@ -5963,6 +8090,14 @@
 <file path=ppt/slides/slide3.xml><?xml version="1.0" encoding="utf-8"?>
 <p:sld xmlns:a="http://schemas.openxmlformats.org/drawingml/2006/main" xmlns:r="http://schemas.openxmlformats.org/officeDocument/2006/relationships" xmlns:p="http://schemas.openxmlformats.org/presentationml/2006/main" showMasterSp="0">
   <p:cSld>
+    <p:bg>
+      <p:bgPr>
+        <a:solidFill>
+          <a:schemeClr val="tx1"/>
+        </a:solidFill>
+        <a:effectLst/>
+      </p:bgPr>
+    </p:bg>
     <p:spTree>
       <p:nvGrpSpPr>
         <p:cNvPr id="1" name=""/>
@@ -5986,11 +8121,14 @@
         <p:spPr bwMode="auto">
           <a:xfrm>
             <a:off x="522164" y="828303"/>
-            <a:ext cx="9721080" cy="4613740"/>
+            <a:ext cx="9721080" cy="2397749"/>
           </a:xfrm>
           <a:prstGeom prst="rect">
             <a:avLst/>
           </a:prstGeom>
+          <a:solidFill>
+            <a:schemeClr val="tx1"/>
+          </a:solidFill>
           <a:ln>
             <a:headEnd/>
             <a:tailEnd/>
@@ -6027,121 +8165,43 @@
                 <a:ea typeface="ＭＳ Ｐゴシック" pitchFamily="1" charset="-128"/>
                 <a:cs typeface="Consolas" pitchFamily="49" charset="0"/>
               </a:rPr>
-              <a:t>$ echo </a:t>
-            </a:r>
+              <a:t>$ about</a:t>
+            </a:r>
+          </a:p>
+          <a:p>
             <a:r>
               <a:rPr lang="en-US" sz="2400" dirty="0" smtClean="0">
                 <a:solidFill>
-                  <a:srgbClr val="456FB0"/>
-                </a:solidFill>
-                <a:latin typeface="Consolas" pitchFamily="49" charset="0"/>
-                <a:ea typeface="ＭＳ Ｐゴシック" pitchFamily="1" charset="-128"/>
-                <a:cs typeface="Consolas" pitchFamily="49" charset="0"/>
-              </a:rPr>
-              <a:t>$</a:t>
+                  <a:schemeClr val="bg1"/>
+                </a:solidFill>
+                <a:latin typeface="Consolas" pitchFamily="49" charset="0"/>
+                <a:ea typeface="ＭＳ Ｐゴシック" pitchFamily="1" charset="-128"/>
+                <a:cs typeface="Consolas" pitchFamily="49" charset="0"/>
+              </a:rPr>
+              <a:t>-</a:t>
+            </a:r>
+            <a:r>
+              <a:rPr lang="en-US" sz="2400" dirty="0" err="1">
+                <a:solidFill>
+                  <a:schemeClr val="bg1"/>
+                </a:solidFill>
+                <a:latin typeface="Consolas" pitchFamily="49" charset="0"/>
+                <a:ea typeface="ＭＳ Ｐゴシック" pitchFamily="1" charset="-128"/>
+                <a:cs typeface="Consolas" pitchFamily="49" charset="0"/>
+              </a:rPr>
+              <a:t>B</a:t>
             </a:r>
             <a:r>
               <a:rPr lang="en-US" sz="2400" dirty="0" err="1" smtClean="0">
                 <a:solidFill>
-                  <a:srgbClr val="456FB0"/>
-                </a:solidFill>
-                <a:latin typeface="Consolas" pitchFamily="49" charset="0"/>
-                <a:ea typeface="ＭＳ Ｐゴシック" pitchFamily="1" charset="-128"/>
-                <a:cs typeface="Consolas" pitchFamily="49" charset="0"/>
-              </a:rPr>
-              <a:t>ozren</a:t>
-            </a:r>
-            <a:endParaRPr lang="en-US" sz="2400" dirty="0" smtClean="0">
-              <a:solidFill>
-                <a:srgbClr val="456FB0"/>
-              </a:solidFill>
-              <a:latin typeface="Consolas" pitchFamily="49" charset="0"/>
-              <a:ea typeface="ＭＳ Ｐゴシック" pitchFamily="1" charset="-128"/>
-              <a:cs typeface="Consolas" pitchFamily="49" charset="0"/>
-            </a:endParaRPr>
-          </a:p>
-          <a:p>
-            <a:r>
-              <a:rPr lang="en-US" sz="2400" dirty="0" err="1" smtClean="0">
-                <a:solidFill>
-                  <a:schemeClr val="bg1"/>
-                </a:solidFill>
-                <a:latin typeface="Consolas" pitchFamily="49" charset="0"/>
-                <a:ea typeface="ＭＳ Ｐゴシック" pitchFamily="1" charset="-128"/>
-                <a:cs typeface="Consolas" pitchFamily="49" charset="0"/>
-              </a:rPr>
-              <a:t>ozren</a:t>
-            </a:r>
-            <a:r>
-              <a:rPr lang="en-US" sz="2400" dirty="0" smtClean="0">
-                <a:solidFill>
-                  <a:schemeClr val="bg1"/>
-                </a:solidFill>
-                <a:latin typeface="Consolas" pitchFamily="49" charset="0"/>
-                <a:ea typeface="ＭＳ Ｐゴシック" pitchFamily="1" charset="-128"/>
-                <a:cs typeface="Consolas" pitchFamily="49" charset="0"/>
-              </a:rPr>
-              <a:t> </a:t>
-            </a:r>
-            <a:r>
-              <a:rPr lang="en-US" sz="2400" dirty="0" err="1" smtClean="0">
-                <a:solidFill>
-                  <a:schemeClr val="bg1"/>
-                </a:solidFill>
-                <a:latin typeface="Consolas" pitchFamily="49" charset="0"/>
-                <a:ea typeface="ＭＳ Ｐゴシック" pitchFamily="1" charset="-128"/>
-                <a:cs typeface="Consolas" pitchFamily="49" charset="0"/>
-              </a:rPr>
-              <a:t>gulan</a:t>
-            </a:r>
-            <a:r>
-              <a:rPr lang="en-US" sz="2400" dirty="0" smtClean="0">
-                <a:solidFill>
-                  <a:schemeClr val="bg1"/>
-                </a:solidFill>
-                <a:latin typeface="Consolas" pitchFamily="49" charset="0"/>
-                <a:ea typeface="ＭＳ Ｐゴシック" pitchFamily="1" charset="-128"/>
-                <a:cs typeface="Consolas" pitchFamily="49" charset="0"/>
-              </a:rPr>
-              <a:t>, </a:t>
-            </a:r>
-            <a:r>
-              <a:rPr lang="en-US" sz="2400" dirty="0" err="1" smtClean="0">
-                <a:solidFill>
-                  <a:schemeClr val="bg1"/>
-                </a:solidFill>
-                <a:latin typeface="Consolas" pitchFamily="49" charset="0"/>
-                <a:ea typeface="ＭＳ Ｐゴシック" pitchFamily="1" charset="-128"/>
-                <a:cs typeface="Consolas" pitchFamily="49" charset="0"/>
-              </a:rPr>
-              <a:t>m.sc.</a:t>
-            </a:r>
-            <a:r>
-              <a:rPr lang="en-US" sz="2400" dirty="0" smtClean="0">
-                <a:solidFill>
-                  <a:schemeClr val="bg1"/>
-                </a:solidFill>
-                <a:latin typeface="Consolas" pitchFamily="49" charset="0"/>
-                <a:ea typeface="ＭＳ Ｐゴシック" pitchFamily="1" charset="-128"/>
-                <a:cs typeface="Consolas" pitchFamily="49" charset="0"/>
-              </a:rPr>
-              <a:t> software engineering</a:t>
-            </a:r>
-          </a:p>
-          <a:p>
-            <a:r>
-              <a:rPr lang="en-US" sz="2400" dirty="0" smtClean="0">
-                <a:solidFill>
-                  <a:schemeClr val="bg1"/>
-                </a:solidFill>
-                <a:latin typeface="Consolas" pitchFamily="49" charset="0"/>
-                <a:ea typeface="ＭＳ Ｐゴシック" pitchFamily="1" charset="-128"/>
-                <a:cs typeface="Consolas" pitchFamily="49" charset="0"/>
-              </a:rPr>
-              <a:t>...</a:t>
-            </a:r>
-          </a:p>
-          <a:p>
+                  <a:schemeClr val="bg1"/>
+                </a:solidFill>
+                <a:latin typeface="Consolas" pitchFamily="49" charset="0"/>
+                <a:ea typeface="ＭＳ Ｐゴシック" pitchFamily="1" charset="-128"/>
+                <a:cs typeface="Consolas" pitchFamily="49" charset="0"/>
+              </a:rPr>
+              <a:t>igData</a:t>
+            </a:r>
             <a:endParaRPr lang="en-US" sz="2400" dirty="0">
               <a:solidFill>
                 <a:schemeClr val="bg1"/>
@@ -6153,117 +8213,6 @@
           </a:p>
           <a:p>
             <a:r>
-              <a:rPr lang="en-US" sz="2400" dirty="0">
-                <a:solidFill>
-                  <a:schemeClr val="bg1"/>
-                </a:solidFill>
-                <a:latin typeface="Consolas" pitchFamily="49" charset="0"/>
-                <a:ea typeface="ＭＳ Ｐゴシック" pitchFamily="1" charset="-128"/>
-                <a:cs typeface="Consolas" pitchFamily="49" charset="0"/>
-              </a:rPr>
-              <a:t>$ echo </a:t>
-            </a:r>
-            <a:r>
-              <a:rPr lang="en-US" sz="2400" dirty="0">
-                <a:solidFill>
-                  <a:srgbClr val="456FB0"/>
-                </a:solidFill>
-                <a:latin typeface="Consolas" pitchFamily="49" charset="0"/>
-                <a:ea typeface="ＭＳ Ｐゴシック" pitchFamily="1" charset="-128"/>
-                <a:cs typeface="Consolas" pitchFamily="49" charset="0"/>
-              </a:rPr>
-              <a:t>$</a:t>
-            </a:r>
-            <a:r>
-              <a:rPr lang="en-US" sz="2400" dirty="0" err="1">
-                <a:solidFill>
-                  <a:srgbClr val="456FB0"/>
-                </a:solidFill>
-                <a:latin typeface="Consolas" pitchFamily="49" charset="0"/>
-                <a:ea typeface="ＭＳ Ｐゴシック" pitchFamily="1" charset="-128"/>
-                <a:cs typeface="Consolas" pitchFamily="49" charset="0"/>
-              </a:rPr>
-              <a:t>dusan</a:t>
-            </a:r>
-            <a:endParaRPr lang="en-US" sz="2400" dirty="0">
-              <a:solidFill>
-                <a:srgbClr val="456FB0"/>
-              </a:solidFill>
-              <a:latin typeface="Consolas" pitchFamily="49" charset="0"/>
-              <a:ea typeface="ＭＳ Ｐゴシック" pitchFamily="1" charset="-128"/>
-              <a:cs typeface="Consolas" pitchFamily="49" charset="0"/>
-            </a:endParaRPr>
-          </a:p>
-          <a:p>
-            <a:r>
-              <a:rPr lang="en-US" sz="2400" dirty="0" err="1">
-                <a:solidFill>
-                  <a:schemeClr val="bg1"/>
-                </a:solidFill>
-                <a:latin typeface="Consolas" pitchFamily="49" charset="0"/>
-                <a:ea typeface="ＭＳ Ｐゴシック" pitchFamily="1" charset="-128"/>
-                <a:cs typeface="Consolas" pitchFamily="49" charset="0"/>
-              </a:rPr>
-              <a:t>dusan</a:t>
-            </a:r>
-            <a:r>
-              <a:rPr lang="en-US" sz="2400" dirty="0">
-                <a:solidFill>
-                  <a:schemeClr val="bg1"/>
-                </a:solidFill>
-                <a:latin typeface="Consolas" pitchFamily="49" charset="0"/>
-                <a:ea typeface="ＭＳ Ｐゴシック" pitchFamily="1" charset="-128"/>
-                <a:cs typeface="Consolas" pitchFamily="49" charset="0"/>
-              </a:rPr>
-              <a:t> </a:t>
-            </a:r>
-            <a:r>
-              <a:rPr lang="en-US" sz="2400" dirty="0" err="1">
-                <a:solidFill>
-                  <a:schemeClr val="bg1"/>
-                </a:solidFill>
-                <a:latin typeface="Consolas" pitchFamily="49" charset="0"/>
-                <a:ea typeface="ＭＳ Ｐゴシック" pitchFamily="1" charset="-128"/>
-                <a:cs typeface="Consolas" pitchFamily="49" charset="0"/>
-              </a:rPr>
-              <a:t>zamurovic</a:t>
-            </a:r>
-            <a:r>
-              <a:rPr lang="en-US" sz="2400" dirty="0">
-                <a:solidFill>
-                  <a:schemeClr val="bg1"/>
-                </a:solidFill>
-                <a:latin typeface="Consolas" pitchFamily="49" charset="0"/>
-                <a:ea typeface="ＭＳ Ｐゴシック" pitchFamily="1" charset="-128"/>
-                <a:cs typeface="Consolas" pitchFamily="49" charset="0"/>
-              </a:rPr>
-              <a:t>, </a:t>
-            </a:r>
-            <a:r>
-              <a:rPr lang="en-US" sz="2400" dirty="0" err="1">
-                <a:solidFill>
-                  <a:schemeClr val="bg1"/>
-                </a:solidFill>
-                <a:latin typeface="Consolas" pitchFamily="49" charset="0"/>
-                <a:ea typeface="ＭＳ Ｐゴシック" pitchFamily="1" charset="-128"/>
-                <a:cs typeface="Consolas" pitchFamily="49" charset="0"/>
-              </a:rPr>
-              <a:t>m.sc.</a:t>
-            </a:r>
-            <a:r>
-              <a:rPr lang="en-US" sz="2400" dirty="0">
-                <a:solidFill>
-                  <a:schemeClr val="bg1"/>
-                </a:solidFill>
-                <a:latin typeface="Consolas" pitchFamily="49" charset="0"/>
-                <a:ea typeface="ＭＳ Ｐゴシック" pitchFamily="1" charset="-128"/>
-                <a:cs typeface="Consolas" pitchFamily="49" charset="0"/>
-              </a:rPr>
-              <a:t> software engineering</a:t>
-            </a:r>
-          </a:p>
-          <a:p>
-            <a:r>
               <a:rPr lang="en-US" sz="2400" dirty="0" smtClean="0">
                 <a:solidFill>
                   <a:schemeClr val="bg1"/>
@@ -6272,7 +8221,7 @@
                 <a:ea typeface="ＭＳ Ｐゴシック" pitchFamily="1" charset="-128"/>
                 <a:cs typeface="Consolas" pitchFamily="49" charset="0"/>
               </a:rPr>
-              <a:t>@</a:t>
+              <a:t>-</a:t>
             </a:r>
             <a:r>
               <a:rPr lang="en-US" sz="2400" dirty="0" err="1" smtClean="0">
@@ -6283,7 +8232,29 @@
                 <a:ea typeface="ＭＳ Ｐゴシック" pitchFamily="1" charset="-128"/>
                 <a:cs typeface="Consolas" pitchFamily="49" charset="0"/>
               </a:rPr>
-              <a:t>ezamur</a:t>
+              <a:t>mr</a:t>
+            </a:r>
+            <a:r>
+              <a:rPr lang="en-US" sz="2400" dirty="0" smtClean="0">
+                <a:solidFill>
+                  <a:schemeClr val="bg1"/>
+                </a:solidFill>
+                <a:latin typeface="Consolas" pitchFamily="49" charset="0"/>
+                <a:ea typeface="ＭＳ Ｐゴシック" pitchFamily="1" charset="-128"/>
+                <a:cs typeface="Consolas" pitchFamily="49" charset="0"/>
+              </a:rPr>
+              <a:t>, M/R, </a:t>
+            </a:r>
+            <a:r>
+              <a:rPr lang="en-US" sz="2400" dirty="0" err="1" smtClean="0">
+                <a:solidFill>
+                  <a:schemeClr val="bg1"/>
+                </a:solidFill>
+                <a:latin typeface="Consolas" pitchFamily="49" charset="0"/>
+                <a:ea typeface="ＭＳ Ｐゴシック" pitchFamily="1" charset="-128"/>
+                <a:cs typeface="Consolas" pitchFamily="49" charset="0"/>
+              </a:rPr>
+              <a:t>MapReduce</a:t>
             </a:r>
             <a:endParaRPr lang="en-US" sz="2400" dirty="0" smtClean="0">
               <a:solidFill>
@@ -6295,48 +8266,27 @@
             </a:endParaRPr>
           </a:p>
           <a:p>
-            <a:endParaRPr lang="en-US" sz="2400" dirty="0">
-              <a:solidFill>
-                <a:schemeClr val="bg1"/>
-              </a:solidFill>
-              <a:latin typeface="Consolas" pitchFamily="49" charset="0"/>
-              <a:ea typeface="ＭＳ Ｐゴシック" pitchFamily="1" charset="-128"/>
-              <a:cs typeface="Consolas" pitchFamily="49" charset="0"/>
-            </a:endParaRPr>
-          </a:p>
-          <a:p>
-            <a:r>
-              <a:rPr lang="en-US" sz="2400" dirty="0">
-                <a:solidFill>
-                  <a:schemeClr val="bg1"/>
-                </a:solidFill>
-                <a:latin typeface="Consolas" pitchFamily="49" charset="0"/>
-                <a:ea typeface="ＭＳ Ｐゴシック" pitchFamily="1" charset="-128"/>
-                <a:cs typeface="Consolas" pitchFamily="49" charset="0"/>
-              </a:rPr>
-              <a:t>origin  </a:t>
-            </a:r>
-            <a:r>
-              <a:rPr lang="en-US" sz="2400" dirty="0" err="1">
-                <a:solidFill>
-                  <a:schemeClr val="bg1"/>
-                </a:solidFill>
-                <a:latin typeface="Consolas" pitchFamily="49" charset="0"/>
-                <a:ea typeface="ＭＳ Ｐゴシック" pitchFamily="1" charset="-128"/>
-                <a:cs typeface="Consolas" pitchFamily="49" charset="0"/>
-              </a:rPr>
-              <a:t>git@github.com:dzamurovic</a:t>
-            </a:r>
-            <a:r>
-              <a:rPr lang="en-US" sz="2400" dirty="0">
-                <a:solidFill>
-                  <a:schemeClr val="bg1"/>
-                </a:solidFill>
-                <a:latin typeface="Consolas" pitchFamily="49" charset="0"/>
-                <a:ea typeface="ＭＳ Ｐゴシック" pitchFamily="1" charset="-128"/>
-                <a:cs typeface="Consolas" pitchFamily="49" charset="0"/>
-              </a:rPr>
-              <a:t>/coding-serbia-2014.git</a:t>
+            <a:r>
+              <a:rPr lang="en-US" sz="2400" dirty="0" smtClean="0">
+                <a:solidFill>
+                  <a:schemeClr val="bg1"/>
+                </a:solidFill>
+                <a:latin typeface="Consolas" pitchFamily="49" charset="0"/>
+                <a:ea typeface="ＭＳ Ｐゴシック" pitchFamily="1" charset="-128"/>
+                <a:cs typeface="Consolas" pitchFamily="49" charset="0"/>
+              </a:rPr>
+              <a:t>-</a:t>
+            </a:r>
+            <a:r>
+              <a:rPr lang="en-US" sz="2400" dirty="0" err="1" smtClean="0">
+                <a:solidFill>
+                  <a:schemeClr val="bg1"/>
+                </a:solidFill>
+                <a:latin typeface="Consolas" pitchFamily="49" charset="0"/>
+                <a:ea typeface="ＭＳ Ｐゴシック" pitchFamily="1" charset="-128"/>
+                <a:cs typeface="Consolas" pitchFamily="49" charset="0"/>
+              </a:rPr>
+              <a:t>hadoop</a:t>
             </a:r>
             <a:endParaRPr lang="en-US" sz="2400" dirty="0" smtClean="0">
               <a:solidFill>
@@ -6348,82 +8298,37 @@
             </a:endParaRPr>
           </a:p>
           <a:p>
-            <a:endParaRPr lang="en-US" sz="2400" dirty="0" smtClean="0">
-              <a:solidFill>
-                <a:schemeClr val="bg1"/>
-              </a:solidFill>
-              <a:latin typeface="Consolas" pitchFamily="49" charset="0"/>
-              <a:ea typeface="ＭＳ Ｐゴシック" pitchFamily="1" charset="-128"/>
-              <a:cs typeface="Consolas" pitchFamily="49" charset="0"/>
-            </a:endParaRPr>
-          </a:p>
-          <a:p>
-            <a:pPr marL="0" indent="0">
-              <a:buFont typeface="Symbol" pitchFamily="18" charset="2"/>
-              <a:buNone/>
-            </a:pPr>
             <a:r>
               <a:rPr lang="en-US" sz="2400" dirty="0" smtClean="0">
                 <a:solidFill>
-                  <a:srgbClr val="73AF3C"/>
-                </a:solidFill>
-                <a:latin typeface="Consolas" pitchFamily="49" charset="0"/>
-                <a:ea typeface="ＭＳ Ｐゴシック" pitchFamily="34" charset="-128"/>
-                <a:cs typeface="Consolas" pitchFamily="49" charset="0"/>
-              </a:rPr>
-              <a:t>@</a:t>
-            </a:r>
-            <a:r>
-              <a:rPr lang="en-US" sz="2400" dirty="0" err="1" smtClean="0">
-                <a:solidFill>
-                  <a:srgbClr val="73AF3C"/>
-                </a:solidFill>
-                <a:latin typeface="Consolas" pitchFamily="49" charset="0"/>
-                <a:ea typeface="ＭＳ Ｐゴシック" pitchFamily="34" charset="-128"/>
-                <a:cs typeface="Consolas" pitchFamily="49" charset="0"/>
-              </a:rPr>
-              <a:t>CodingSerbia</a:t>
-            </a:r>
-            <a:endParaRPr lang="en-US" sz="2400" dirty="0" smtClean="0">
-              <a:solidFill>
-                <a:srgbClr val="73AF3C"/>
-              </a:solidFill>
-              <a:latin typeface="Consolas" pitchFamily="49" charset="0"/>
-              <a:ea typeface="ＭＳ Ｐゴシック" pitchFamily="34" charset="-128"/>
-              <a:cs typeface="Consolas" pitchFamily="49" charset="0"/>
-            </a:endParaRPr>
-          </a:p>
-          <a:p>
-            <a:pPr marL="0" indent="0">
-              <a:buFont typeface="Symbol" pitchFamily="18" charset="2"/>
-              <a:buNone/>
-            </a:pPr>
+                  <a:schemeClr val="bg1"/>
+                </a:solidFill>
+                <a:latin typeface="Consolas" pitchFamily="49" charset="0"/>
+                <a:ea typeface="ＭＳ Ｐゴシック" pitchFamily="1" charset="-128"/>
+                <a:cs typeface="Consolas" pitchFamily="49" charset="0"/>
+              </a:rPr>
+              <a:t>-pig</a:t>
+            </a:r>
+          </a:p>
+          <a:p>
             <a:r>
               <a:rPr lang="en-US" sz="2400" dirty="0" smtClean="0">
                 <a:solidFill>
-                  <a:srgbClr val="73AF3C"/>
-                </a:solidFill>
-                <a:latin typeface="Consolas" pitchFamily="49" charset="0"/>
-                <a:ea typeface="ＭＳ Ｐゴシック" pitchFamily="34" charset="-128"/>
-                <a:cs typeface="Consolas" pitchFamily="49" charset="0"/>
-              </a:rPr>
-              <a:t>www.meetup.com/Coding-Serbia</a:t>
-            </a:r>
-            <a:endParaRPr lang="en-US" sz="2400" dirty="0" smtClean="0">
-              <a:solidFill>
-                <a:srgbClr val="73AF3C"/>
-              </a:solidFill>
-              <a:latin typeface="Consolas" pitchFamily="49" charset="0"/>
-              <a:ea typeface="ＭＳ Ｐゴシック" pitchFamily="1" charset="-128"/>
-              <a:cs typeface="Consolas" pitchFamily="49" charset="0"/>
-            </a:endParaRPr>
+                  <a:schemeClr val="bg1"/>
+                </a:solidFill>
+                <a:latin typeface="Consolas" pitchFamily="49" charset="0"/>
+                <a:ea typeface="ＭＳ Ｐゴシック" pitchFamily="1" charset="-128"/>
+                <a:cs typeface="Consolas" pitchFamily="49" charset="0"/>
+              </a:rPr>
+              <a:t>-showcase, primer, example</a:t>
+            </a:r>
           </a:p>
         </p:txBody>
       </p:sp>
     </p:spTree>
     <p:extLst>
       <p:ext uri="{BB962C8B-B14F-4D97-AF65-F5344CB8AC3E}">
-        <p14:creationId xmlns:p14="http://schemas.microsoft.com/office/powerpoint/2010/main" val="3347418237"/>
+        <p14:creationId xmlns:p14="http://schemas.microsoft.com/office/powerpoint/2010/main" val="2652929090"/>
       </p:ext>
     </p:extLst>
   </p:cSld>
@@ -6469,13 +8374,15 @@
         <p:spPr bwMode="auto">
           <a:xfrm>
             <a:off x="522164" y="828303"/>
-            <a:ext cx="9721080" cy="4613740"/>
+            <a:ext cx="9721080" cy="3136413"/>
           </a:xfrm>
           <a:prstGeom prst="rect">
             <a:avLst/>
           </a:prstGeom>
+          <a:solidFill>
+            <a:schemeClr val="tx1"/>
+          </a:solidFill>
           <a:ln>
-            <a:noFill/>
             <a:headEnd/>
             <a:tailEnd/>
           </a:ln>
@@ -6511,33 +8418,44 @@
                 <a:ea typeface="ＭＳ Ｐゴシック" pitchFamily="1" charset="-128"/>
                 <a:cs typeface="Consolas" pitchFamily="49" charset="0"/>
               </a:rPr>
-              <a:t>$ echo </a:t>
+              <a:t>$ </a:t>
+            </a:r>
+            <a:r>
+              <a:rPr lang="en-US" sz="2400" dirty="0" err="1" smtClean="0">
+                <a:solidFill>
+                  <a:schemeClr val="bg1"/>
+                </a:solidFill>
+                <a:latin typeface="Consolas" pitchFamily="49" charset="0"/>
+                <a:ea typeface="ＭＳ Ｐゴシック" pitchFamily="1" charset="-128"/>
+                <a:cs typeface="Consolas" pitchFamily="49" charset="0"/>
+              </a:rPr>
+              <a:t>whois</a:t>
             </a:r>
             <a:r>
               <a:rPr lang="en-US" sz="2400" dirty="0" smtClean="0">
                 <a:solidFill>
-                  <a:srgbClr val="456FB0"/>
-                </a:solidFill>
-                <a:latin typeface="Consolas" pitchFamily="49" charset="0"/>
-                <a:ea typeface="ＭＳ Ｐゴシック" pitchFamily="1" charset="-128"/>
-                <a:cs typeface="Consolas" pitchFamily="49" charset="0"/>
-              </a:rPr>
-              <a:t>$</a:t>
+                  <a:schemeClr val="bg1"/>
+                </a:solidFill>
+                <a:latin typeface="Consolas" pitchFamily="49" charset="0"/>
+                <a:ea typeface="ＭＳ Ｐゴシック" pitchFamily="1" charset="-128"/>
+                <a:cs typeface="Consolas" pitchFamily="49" charset="0"/>
+              </a:rPr>
+              <a:t> </a:t>
             </a:r>
             <a:r>
               <a:rPr lang="en-US" sz="2400" dirty="0" err="1" smtClean="0">
                 <a:solidFill>
-                  <a:srgbClr val="456FB0"/>
-                </a:solidFill>
-                <a:latin typeface="Consolas" pitchFamily="49" charset="0"/>
-                <a:ea typeface="ＭＳ Ｐゴシック" pitchFamily="1" charset="-128"/>
-                <a:cs typeface="Consolas" pitchFamily="49" charset="0"/>
-              </a:rPr>
-              <a:t>ozren</a:t>
+                  <a:schemeClr val="bg1"/>
+                </a:solidFill>
+                <a:latin typeface="Consolas" pitchFamily="49" charset="0"/>
+                <a:ea typeface="ＭＳ Ｐゴシック" pitchFamily="1" charset="-128"/>
+                <a:cs typeface="Consolas" pitchFamily="49" charset="0"/>
+              </a:rPr>
+              <a:t>BigData</a:t>
             </a:r>
             <a:endParaRPr lang="en-US" sz="2400" dirty="0" smtClean="0">
               <a:solidFill>
-                <a:srgbClr val="456FB0"/>
+                <a:schemeClr val="bg1"/>
               </a:solidFill>
               <a:latin typeface="Consolas" pitchFamily="49" charset="0"/>
               <a:ea typeface="ＭＳ Ｐゴシック" pitchFamily="1" charset="-128"/>
@@ -6546,17 +8464,6 @@
           </a:p>
           <a:p>
             <a:r>
-              <a:rPr lang="en-US" sz="2400" dirty="0" err="1" smtClean="0">
-                <a:solidFill>
-                  <a:schemeClr val="bg1"/>
-                </a:solidFill>
-                <a:latin typeface="Consolas" pitchFamily="49" charset="0"/>
-                <a:ea typeface="ＭＳ Ｐゴシック" pitchFamily="1" charset="-128"/>
-                <a:cs typeface="Consolas" pitchFamily="49" charset="0"/>
-              </a:rPr>
-              <a:t>ozren</a:t>
-            </a:r>
-            <a:r>
               <a:rPr lang="en-US" sz="2400" dirty="0" smtClean="0">
                 <a:solidFill>
                   <a:schemeClr val="bg1"/>
@@ -6565,64 +8472,7 @@
                 <a:ea typeface="ＭＳ Ｐゴシック" pitchFamily="1" charset="-128"/>
                 <a:cs typeface="Consolas" pitchFamily="49" charset="0"/>
               </a:rPr>
-              <a:t> </a:t>
-            </a:r>
-            <a:r>
-              <a:rPr lang="en-US" sz="2400" dirty="0" err="1" smtClean="0">
-                <a:solidFill>
-                  <a:schemeClr val="bg1"/>
-                </a:solidFill>
-                <a:latin typeface="Consolas" pitchFamily="49" charset="0"/>
-                <a:ea typeface="ＭＳ Ｐゴシック" pitchFamily="1" charset="-128"/>
-                <a:cs typeface="Consolas" pitchFamily="49" charset="0"/>
-              </a:rPr>
-              <a:t>gulan</a:t>
-            </a:r>
-            <a:r>
-              <a:rPr lang="en-US" sz="2400" dirty="0" smtClean="0">
-                <a:solidFill>
-                  <a:schemeClr val="bg1"/>
-                </a:solidFill>
-                <a:latin typeface="Consolas" pitchFamily="49" charset="0"/>
-                <a:ea typeface="ＭＳ Ｐゴシック" pitchFamily="1" charset="-128"/>
-                <a:cs typeface="Consolas" pitchFamily="49" charset="0"/>
-              </a:rPr>
-              <a:t>, </a:t>
-            </a:r>
-            <a:r>
-              <a:rPr lang="en-US" sz="2400" dirty="0" err="1" smtClean="0">
-                <a:solidFill>
-                  <a:schemeClr val="bg1"/>
-                </a:solidFill>
-                <a:latin typeface="Consolas" pitchFamily="49" charset="0"/>
-                <a:ea typeface="ＭＳ Ｐゴシック" pitchFamily="1" charset="-128"/>
-                <a:cs typeface="Consolas" pitchFamily="49" charset="0"/>
-              </a:rPr>
-              <a:t>m.sc.</a:t>
-            </a:r>
-            <a:r>
-              <a:rPr lang="en-US" sz="2400" dirty="0" smtClean="0">
-                <a:solidFill>
-                  <a:schemeClr val="bg1"/>
-                </a:solidFill>
-                <a:latin typeface="Consolas" pitchFamily="49" charset="0"/>
-                <a:ea typeface="ＭＳ Ｐゴシック" pitchFamily="1" charset="-128"/>
-                <a:cs typeface="Consolas" pitchFamily="49" charset="0"/>
-              </a:rPr>
-              <a:t> software engineering</a:t>
-            </a:r>
-          </a:p>
-          <a:p>
-            <a:r>
-              <a:rPr lang="en-US" sz="2400" dirty="0" smtClean="0">
-                <a:solidFill>
-                  <a:schemeClr val="bg1"/>
-                </a:solidFill>
-                <a:latin typeface="Consolas" pitchFamily="49" charset="0"/>
-                <a:ea typeface="ＭＳ Ｐゴシック" pitchFamily="1" charset="-128"/>
-                <a:cs typeface="Consolas" pitchFamily="49" charset="0"/>
-              </a:rPr>
-              <a:t>...</a:t>
+              <a:t>_</a:t>
             </a:r>
           </a:p>
           <a:p>
@@ -6637,6 +8487,76 @@
           </a:p>
           <a:p>
             <a:r>
+              <a:rPr lang="en-US" sz="2400" dirty="0" smtClean="0">
+                <a:solidFill>
+                  <a:schemeClr val="bg1"/>
+                </a:solidFill>
+                <a:latin typeface="Consolas" pitchFamily="49" charset="0"/>
+                <a:ea typeface="ＭＳ Ｐゴシック" pitchFamily="1" charset="-128"/>
+                <a:cs typeface="Consolas" pitchFamily="49" charset="0"/>
+              </a:rPr>
+              <a:t>$ </a:t>
+            </a:r>
+            <a:r>
+              <a:rPr lang="en-US" sz="2400" dirty="0" err="1" smtClean="0">
+                <a:solidFill>
+                  <a:schemeClr val="bg1"/>
+                </a:solidFill>
+                <a:latin typeface="Consolas" pitchFamily="49" charset="0"/>
+                <a:ea typeface="ＭＳ Ｐゴシック" pitchFamily="1" charset="-128"/>
+                <a:cs typeface="Consolas" pitchFamily="49" charset="0"/>
+              </a:rPr>
+              <a:t>BigData</a:t>
+            </a:r>
+            <a:r>
+              <a:rPr lang="en-US" sz="2400" dirty="0" smtClean="0">
+                <a:solidFill>
+                  <a:schemeClr val="bg1"/>
+                </a:solidFill>
+                <a:latin typeface="Consolas" pitchFamily="49" charset="0"/>
+                <a:ea typeface="ＭＳ Ｐゴシック" pitchFamily="1" charset="-128"/>
+                <a:cs typeface="Consolas" pitchFamily="49" charset="0"/>
+              </a:rPr>
+              <a:t> -</a:t>
+            </a:r>
+            <a:r>
+              <a:rPr lang="en-US" sz="2400" dirty="0" err="1" smtClean="0">
+                <a:solidFill>
+                  <a:schemeClr val="bg1"/>
+                </a:solidFill>
+                <a:latin typeface="Consolas" pitchFamily="49" charset="0"/>
+                <a:ea typeface="ＭＳ Ｐゴシック" pitchFamily="1" charset="-128"/>
+                <a:cs typeface="Consolas" pitchFamily="49" charset="0"/>
+              </a:rPr>
+              <a:t>desc</a:t>
+            </a:r>
+            <a:r>
+              <a:rPr lang="en-US" sz="2400" dirty="0" smtClean="0">
+                <a:solidFill>
+                  <a:schemeClr val="bg1"/>
+                </a:solidFill>
+                <a:latin typeface="Consolas" pitchFamily="49" charset="0"/>
+                <a:ea typeface="ＭＳ Ｐゴシック" pitchFamily="1" charset="-128"/>
+                <a:cs typeface="Consolas" pitchFamily="49" charset="0"/>
+              </a:rPr>
+              <a:t> -verbose</a:t>
+            </a:r>
+          </a:p>
+          <a:p>
+            <a:r>
+              <a:rPr lang="en-US" sz="2400" dirty="0" smtClean="0">
+                <a:solidFill>
+                  <a:schemeClr val="bg1"/>
+                </a:solidFill>
+                <a:latin typeface="Consolas" pitchFamily="49" charset="0"/>
+                <a:ea typeface="ＭＳ Ｐゴシック" pitchFamily="1" charset="-128"/>
+                <a:cs typeface="Consolas" pitchFamily="49" charset="0"/>
+              </a:rPr>
+              <a:t>-volume</a:t>
+            </a:r>
+          </a:p>
+          <a:p>
+            <a:r>
               <a:rPr lang="en-US" sz="2400" dirty="0">
                 <a:solidFill>
                   <a:schemeClr val="bg1"/>
@@ -6645,108 +8565,8 @@
                 <a:ea typeface="ＭＳ Ｐゴシック" pitchFamily="1" charset="-128"/>
                 <a:cs typeface="Consolas" pitchFamily="49" charset="0"/>
               </a:rPr>
-              <a:t>$ echo </a:t>
-            </a:r>
-            <a:r>
-              <a:rPr lang="en-US" sz="2400" dirty="0">
-                <a:solidFill>
-                  <a:srgbClr val="456FB0"/>
-                </a:solidFill>
-                <a:latin typeface="Consolas" pitchFamily="49" charset="0"/>
-                <a:ea typeface="ＭＳ Ｐゴシック" pitchFamily="1" charset="-128"/>
-                <a:cs typeface="Consolas" pitchFamily="49" charset="0"/>
-              </a:rPr>
-              <a:t>$</a:t>
-            </a:r>
-            <a:r>
-              <a:rPr lang="en-US" sz="2400" dirty="0" err="1">
-                <a:solidFill>
-                  <a:srgbClr val="456FB0"/>
-                </a:solidFill>
-                <a:latin typeface="Consolas" pitchFamily="49" charset="0"/>
-                <a:ea typeface="ＭＳ Ｐゴシック" pitchFamily="1" charset="-128"/>
-                <a:cs typeface="Consolas" pitchFamily="49" charset="0"/>
-              </a:rPr>
-              <a:t>dusan</a:t>
-            </a:r>
-            <a:endParaRPr lang="en-US" sz="2400" dirty="0">
-              <a:solidFill>
-                <a:srgbClr val="456FB0"/>
-              </a:solidFill>
-              <a:latin typeface="Consolas" pitchFamily="49" charset="0"/>
-              <a:ea typeface="ＭＳ Ｐゴシック" pitchFamily="1" charset="-128"/>
-              <a:cs typeface="Consolas" pitchFamily="49" charset="0"/>
-            </a:endParaRPr>
-          </a:p>
-          <a:p>
-            <a:r>
-              <a:rPr lang="en-US" sz="2400" dirty="0" err="1">
-                <a:solidFill>
-                  <a:schemeClr val="bg1"/>
-                </a:solidFill>
-                <a:latin typeface="Consolas" pitchFamily="49" charset="0"/>
-                <a:ea typeface="ＭＳ Ｐゴシック" pitchFamily="1" charset="-128"/>
-                <a:cs typeface="Consolas" pitchFamily="49" charset="0"/>
-              </a:rPr>
-              <a:t>dusan</a:t>
-            </a:r>
-            <a:r>
-              <a:rPr lang="en-US" sz="2400" dirty="0">
-                <a:solidFill>
-                  <a:schemeClr val="bg1"/>
-                </a:solidFill>
-                <a:latin typeface="Consolas" pitchFamily="49" charset="0"/>
-                <a:ea typeface="ＭＳ Ｐゴシック" pitchFamily="1" charset="-128"/>
-                <a:cs typeface="Consolas" pitchFamily="49" charset="0"/>
-              </a:rPr>
-              <a:t> </a:t>
-            </a:r>
-            <a:r>
-              <a:rPr lang="en-US" sz="2400" dirty="0" err="1">
-                <a:solidFill>
-                  <a:schemeClr val="bg1"/>
-                </a:solidFill>
-                <a:latin typeface="Consolas" pitchFamily="49" charset="0"/>
-                <a:ea typeface="ＭＳ Ｐゴシック" pitchFamily="1" charset="-128"/>
-                <a:cs typeface="Consolas" pitchFamily="49" charset="0"/>
-              </a:rPr>
-              <a:t>zamurovic</a:t>
-            </a:r>
-            <a:r>
-              <a:rPr lang="en-US" sz="2400" dirty="0">
-                <a:solidFill>
-                  <a:schemeClr val="bg1"/>
-                </a:solidFill>
-                <a:latin typeface="Consolas" pitchFamily="49" charset="0"/>
-                <a:ea typeface="ＭＳ Ｐゴシック" pitchFamily="1" charset="-128"/>
-                <a:cs typeface="Consolas" pitchFamily="49" charset="0"/>
-              </a:rPr>
-              <a:t>, </a:t>
-            </a:r>
-            <a:r>
-              <a:rPr lang="en-US" sz="2400" dirty="0" err="1">
-                <a:solidFill>
-                  <a:schemeClr val="bg1"/>
-                </a:solidFill>
-                <a:latin typeface="Consolas" pitchFamily="49" charset="0"/>
-                <a:ea typeface="ＭＳ Ｐゴシック" pitchFamily="1" charset="-128"/>
-                <a:cs typeface="Consolas" pitchFamily="49" charset="0"/>
-              </a:rPr>
-              <a:t>m.sc.</a:t>
-            </a:r>
-            <a:r>
-              <a:rPr lang="en-US" sz="2400" dirty="0">
-                <a:solidFill>
-                  <a:schemeClr val="bg1"/>
-                </a:solidFill>
-                <a:latin typeface="Consolas" pitchFamily="49" charset="0"/>
-                <a:ea typeface="ＭＳ Ｐゴシック" pitchFamily="1" charset="-128"/>
-                <a:cs typeface="Consolas" pitchFamily="49" charset="0"/>
-              </a:rPr>
-              <a:t> software engineering</a:t>
-            </a:r>
-          </a:p>
-          <a:p>
+              <a:t>-</a:t>
+            </a:r>
             <a:r>
               <a:rPr lang="en-US" sz="2400" dirty="0" smtClean="0">
                 <a:solidFill>
@@ -6756,158 +8576,41 @@
                 <a:ea typeface="ＭＳ Ｐゴシック" pitchFamily="1" charset="-128"/>
                 <a:cs typeface="Consolas" pitchFamily="49" charset="0"/>
               </a:rPr>
-              <a:t>@</a:t>
-            </a:r>
-            <a:r>
-              <a:rPr lang="en-US" sz="2400" dirty="0" err="1" smtClean="0">
-                <a:solidFill>
-                  <a:schemeClr val="bg1"/>
-                </a:solidFill>
-                <a:latin typeface="Consolas" pitchFamily="49" charset="0"/>
-                <a:ea typeface="ＭＳ Ｐゴシック" pitchFamily="1" charset="-128"/>
-                <a:cs typeface="Consolas" pitchFamily="49" charset="0"/>
-              </a:rPr>
-              <a:t>ezamur</a:t>
-            </a:r>
-            <a:endParaRPr lang="en-US" sz="2400" dirty="0" smtClean="0">
-              <a:solidFill>
-                <a:schemeClr val="bg1"/>
-              </a:solidFill>
-              <a:latin typeface="Consolas" pitchFamily="49" charset="0"/>
-              <a:ea typeface="ＭＳ Ｐゴシック" pitchFamily="1" charset="-128"/>
-              <a:cs typeface="Consolas" pitchFamily="49" charset="0"/>
-            </a:endParaRPr>
-          </a:p>
-          <a:p>
-            <a:endParaRPr lang="en-US" sz="2400" dirty="0">
-              <a:solidFill>
-                <a:schemeClr val="bg1"/>
-              </a:solidFill>
-              <a:latin typeface="Consolas" pitchFamily="49" charset="0"/>
-              <a:ea typeface="ＭＳ Ｐゴシック" pitchFamily="1" charset="-128"/>
-              <a:cs typeface="Consolas" pitchFamily="49" charset="0"/>
-            </a:endParaRPr>
-          </a:p>
-          <a:p>
-            <a:r>
-              <a:rPr lang="en-US" sz="2400" dirty="0">
-                <a:solidFill>
-                  <a:schemeClr val="bg1"/>
-                </a:solidFill>
-                <a:latin typeface="Consolas" pitchFamily="49" charset="0"/>
-                <a:ea typeface="ＭＳ Ｐゴシック" pitchFamily="1" charset="-128"/>
-                <a:cs typeface="Consolas" pitchFamily="49" charset="0"/>
-              </a:rPr>
-              <a:t>origin  </a:t>
-            </a:r>
-            <a:r>
-              <a:rPr lang="en-US" sz="2400" dirty="0" err="1">
-                <a:solidFill>
-                  <a:schemeClr val="bg1"/>
-                </a:solidFill>
-                <a:latin typeface="Consolas" pitchFamily="49" charset="0"/>
-                <a:ea typeface="ＭＳ Ｐゴシック" pitchFamily="1" charset="-128"/>
-                <a:cs typeface="Consolas" pitchFamily="49" charset="0"/>
-              </a:rPr>
-              <a:t>git@github.com:dzamurovic</a:t>
-            </a:r>
-            <a:r>
-              <a:rPr lang="en-US" sz="2400" dirty="0">
-                <a:solidFill>
-                  <a:schemeClr val="bg1"/>
-                </a:solidFill>
-                <a:latin typeface="Consolas" pitchFamily="49" charset="0"/>
-                <a:ea typeface="ＭＳ Ｐゴシック" pitchFamily="1" charset="-128"/>
-                <a:cs typeface="Consolas" pitchFamily="49" charset="0"/>
-              </a:rPr>
-              <a:t>/coding-serbia-2014.git</a:t>
-            </a:r>
-            <a:endParaRPr lang="en-US" sz="2400" dirty="0" smtClean="0">
-              <a:solidFill>
-                <a:schemeClr val="bg1"/>
-              </a:solidFill>
-              <a:latin typeface="Consolas" pitchFamily="49" charset="0"/>
-              <a:ea typeface="ＭＳ Ｐゴシック" pitchFamily="1" charset="-128"/>
-              <a:cs typeface="Consolas" pitchFamily="49" charset="0"/>
-            </a:endParaRPr>
-          </a:p>
-          <a:p>
-            <a:endParaRPr lang="en-US" sz="2400" dirty="0" smtClean="0">
-              <a:solidFill>
-                <a:schemeClr val="bg1"/>
-              </a:solidFill>
-              <a:latin typeface="Consolas" pitchFamily="49" charset="0"/>
-              <a:ea typeface="ＭＳ Ｐゴシック" pitchFamily="1" charset="-128"/>
-              <a:cs typeface="Consolas" pitchFamily="49" charset="0"/>
-            </a:endParaRPr>
-          </a:p>
-          <a:p>
-            <a:pPr marL="0" indent="0">
-              <a:buFont typeface="Symbol" pitchFamily="18" charset="2"/>
-              <a:buNone/>
-            </a:pPr>
+              <a:t>variety </a:t>
+            </a:r>
+          </a:p>
+          <a:p>
             <a:r>
               <a:rPr lang="en-US" sz="2400" dirty="0" smtClean="0">
                 <a:solidFill>
-                  <a:srgbClr val="73AF3C"/>
-                </a:solidFill>
-                <a:latin typeface="Consolas" pitchFamily="49" charset="0"/>
-                <a:ea typeface="ＭＳ Ｐゴシック" pitchFamily="34" charset="-128"/>
-                <a:cs typeface="Consolas" pitchFamily="49" charset="0"/>
-              </a:rPr>
-              <a:t>@</a:t>
-            </a:r>
-            <a:r>
-              <a:rPr lang="en-US" sz="2400" dirty="0" err="1" smtClean="0">
-                <a:solidFill>
-                  <a:srgbClr val="73AF3C"/>
-                </a:solidFill>
-                <a:latin typeface="Consolas" pitchFamily="49" charset="0"/>
-                <a:ea typeface="ＭＳ Ｐゴシック" pitchFamily="34" charset="-128"/>
-                <a:cs typeface="Consolas" pitchFamily="49" charset="0"/>
-              </a:rPr>
-              <a:t>CodingSerbia</a:t>
-            </a:r>
-            <a:endParaRPr lang="en-US" sz="2400" dirty="0" smtClean="0">
-              <a:solidFill>
-                <a:srgbClr val="73AF3C"/>
-              </a:solidFill>
-              <a:latin typeface="Consolas" pitchFamily="49" charset="0"/>
-              <a:ea typeface="ＭＳ Ｐゴシック" pitchFamily="34" charset="-128"/>
-              <a:cs typeface="Consolas" pitchFamily="49" charset="0"/>
-            </a:endParaRPr>
-          </a:p>
-          <a:p>
-            <a:pPr marL="0" indent="0">
-              <a:buFont typeface="Symbol" pitchFamily="18" charset="2"/>
-              <a:buNone/>
-            </a:pPr>
+                  <a:schemeClr val="bg1"/>
+                </a:solidFill>
+                <a:latin typeface="Consolas" pitchFamily="49" charset="0"/>
+                <a:ea typeface="ＭＳ Ｐゴシック" pitchFamily="1" charset="-128"/>
+                <a:cs typeface="Consolas" pitchFamily="49" charset="0"/>
+              </a:rPr>
+              <a:t>-velocity</a:t>
+            </a:r>
+          </a:p>
+          <a:p>
             <a:r>
               <a:rPr lang="en-US" sz="2400" dirty="0" smtClean="0">
                 <a:solidFill>
-                  <a:srgbClr val="73AF3C"/>
-                </a:solidFill>
-                <a:latin typeface="Consolas" pitchFamily="49" charset="0"/>
-                <a:ea typeface="ＭＳ Ｐゴシック" pitchFamily="34" charset="-128"/>
-                <a:cs typeface="Consolas" pitchFamily="49" charset="0"/>
-              </a:rPr>
-              <a:t>www.meetup.com/Coding-Serbia</a:t>
-            </a:r>
-            <a:endParaRPr lang="en-US" sz="2400" dirty="0" smtClean="0">
-              <a:solidFill>
-                <a:srgbClr val="73AF3C"/>
-              </a:solidFill>
-              <a:latin typeface="Consolas" pitchFamily="49" charset="0"/>
-              <a:ea typeface="ＭＳ Ｐゴシック" pitchFamily="1" charset="-128"/>
-              <a:cs typeface="Consolas" pitchFamily="49" charset="0"/>
-            </a:endParaRPr>
+                  <a:schemeClr val="bg1"/>
+                </a:solidFill>
+                <a:latin typeface="Consolas" pitchFamily="49" charset="0"/>
+                <a:ea typeface="ＭＳ Ｐゴシック" pitchFamily="1" charset="-128"/>
+                <a:cs typeface="Consolas" pitchFamily="49" charset="0"/>
+              </a:rPr>
+              <a:t>-value</a:t>
+            </a:r>
           </a:p>
         </p:txBody>
       </p:sp>
     </p:spTree>
     <p:extLst>
       <p:ext uri="{BB962C8B-B14F-4D97-AF65-F5344CB8AC3E}">
-        <p14:creationId xmlns:p14="http://schemas.microsoft.com/office/powerpoint/2010/main" val="4125985135"/>
+        <p14:creationId xmlns:p14="http://schemas.microsoft.com/office/powerpoint/2010/main" val="1677431797"/>
       </p:ext>
     </p:extLst>
   </p:cSld>
@@ -6953,13 +8656,15 @@
         <p:spPr bwMode="auto">
           <a:xfrm>
             <a:off x="522164" y="828303"/>
-            <a:ext cx="9721080" cy="4613740"/>
+            <a:ext cx="9721080" cy="2397749"/>
           </a:xfrm>
           <a:prstGeom prst="rect">
             <a:avLst/>
           </a:prstGeom>
+          <a:solidFill>
+            <a:schemeClr val="tx1"/>
+          </a:solidFill>
           <a:ln>
-            <a:noFill/>
             <a:headEnd/>
             <a:tailEnd/>
           </a:ln>
@@ -6995,118 +8700,20 @@
                 <a:ea typeface="ＭＳ Ｐゴシック" pitchFamily="1" charset="-128"/>
                 <a:cs typeface="Consolas" pitchFamily="49" charset="0"/>
               </a:rPr>
-              <a:t>$ echo </a:t>
-            </a:r>
+              <a:t>$ idea behind analysis</a:t>
+            </a:r>
+          </a:p>
+          <a:p>
             <a:r>
               <a:rPr lang="en-US" sz="2400" dirty="0" smtClean="0">
                 <a:solidFill>
-                  <a:srgbClr val="456FB0"/>
-                </a:solidFill>
-                <a:latin typeface="Consolas" pitchFamily="49" charset="0"/>
-                <a:ea typeface="ＭＳ Ｐゴシック" pitchFamily="1" charset="-128"/>
-                <a:cs typeface="Consolas" pitchFamily="49" charset="0"/>
-              </a:rPr>
-              <a:t>$</a:t>
-            </a:r>
-            <a:r>
-              <a:rPr lang="en-US" sz="2400" dirty="0" err="1" smtClean="0">
-                <a:solidFill>
-                  <a:srgbClr val="456FB0"/>
-                </a:solidFill>
-                <a:latin typeface="Consolas" pitchFamily="49" charset="0"/>
-                <a:ea typeface="ＭＳ Ｐゴシック" pitchFamily="1" charset="-128"/>
-                <a:cs typeface="Consolas" pitchFamily="49" charset="0"/>
-              </a:rPr>
-              <a:t>ozren</a:t>
-            </a:r>
-            <a:endParaRPr lang="en-US" sz="2400" dirty="0" smtClean="0">
-              <a:solidFill>
-                <a:srgbClr val="456FB0"/>
-              </a:solidFill>
-              <a:latin typeface="Consolas" pitchFamily="49" charset="0"/>
-              <a:ea typeface="ＭＳ Ｐゴシック" pitchFamily="1" charset="-128"/>
-              <a:cs typeface="Consolas" pitchFamily="49" charset="0"/>
-            </a:endParaRPr>
-          </a:p>
-          <a:p>
-            <a:r>
-              <a:rPr lang="en-US" sz="2400" dirty="0" err="1" smtClean="0">
-                <a:solidFill>
-                  <a:schemeClr val="bg1"/>
-                </a:solidFill>
-                <a:latin typeface="Consolas" pitchFamily="49" charset="0"/>
-                <a:ea typeface="ＭＳ Ｐゴシック" pitchFamily="1" charset="-128"/>
-                <a:cs typeface="Consolas" pitchFamily="49" charset="0"/>
-              </a:rPr>
-              <a:t>ozren</a:t>
-            </a:r>
-            <a:r>
-              <a:rPr lang="en-US" sz="2400" dirty="0" smtClean="0">
-                <a:solidFill>
-                  <a:schemeClr val="bg1"/>
-                </a:solidFill>
-                <a:latin typeface="Consolas" pitchFamily="49" charset="0"/>
-                <a:ea typeface="ＭＳ Ｐゴシック" pitchFamily="1" charset="-128"/>
-                <a:cs typeface="Consolas" pitchFamily="49" charset="0"/>
-              </a:rPr>
-              <a:t> </a:t>
-            </a:r>
-            <a:r>
-              <a:rPr lang="en-US" sz="2400" dirty="0" err="1" smtClean="0">
-                <a:solidFill>
-                  <a:schemeClr val="bg1"/>
-                </a:solidFill>
-                <a:latin typeface="Consolas" pitchFamily="49" charset="0"/>
-                <a:ea typeface="ＭＳ Ｐゴシック" pitchFamily="1" charset="-128"/>
-                <a:cs typeface="Consolas" pitchFamily="49" charset="0"/>
-              </a:rPr>
-              <a:t>gulan</a:t>
-            </a:r>
-            <a:r>
-              <a:rPr lang="en-US" sz="2400" dirty="0" smtClean="0">
-                <a:solidFill>
-                  <a:schemeClr val="bg1"/>
-                </a:solidFill>
-                <a:latin typeface="Consolas" pitchFamily="49" charset="0"/>
-                <a:ea typeface="ＭＳ Ｐゴシック" pitchFamily="1" charset="-128"/>
-                <a:cs typeface="Consolas" pitchFamily="49" charset="0"/>
-              </a:rPr>
-              <a:t>, </a:t>
-            </a:r>
-            <a:r>
-              <a:rPr lang="en-US" sz="2400" dirty="0" err="1" smtClean="0">
-                <a:solidFill>
-                  <a:schemeClr val="bg1"/>
-                </a:solidFill>
-                <a:latin typeface="Consolas" pitchFamily="49" charset="0"/>
-                <a:ea typeface="ＭＳ Ｐゴシック" pitchFamily="1" charset="-128"/>
-                <a:cs typeface="Consolas" pitchFamily="49" charset="0"/>
-              </a:rPr>
-              <a:t>m.sc.</a:t>
-            </a:r>
-            <a:r>
-              <a:rPr lang="en-US" sz="2400" dirty="0" smtClean="0">
-                <a:solidFill>
-                  <a:schemeClr val="bg1"/>
-                </a:solidFill>
-                <a:latin typeface="Consolas" pitchFamily="49" charset="0"/>
-                <a:ea typeface="ＭＳ Ｐゴシック" pitchFamily="1" charset="-128"/>
-                <a:cs typeface="Consolas" pitchFamily="49" charset="0"/>
-              </a:rPr>
-              <a:t> software engineering</a:t>
-            </a:r>
-          </a:p>
-          <a:p>
-            <a:r>
-              <a:rPr lang="en-US" sz="2400" dirty="0" smtClean="0">
-                <a:solidFill>
-                  <a:schemeClr val="bg1"/>
-                </a:solidFill>
-                <a:latin typeface="Consolas" pitchFamily="49" charset="0"/>
-                <a:ea typeface="ＭＳ Ｐゴシック" pitchFamily="1" charset="-128"/>
-                <a:cs typeface="Consolas" pitchFamily="49" charset="0"/>
-              </a:rPr>
-              <a:t>...</a:t>
+                  <a:schemeClr val="bg1"/>
+                </a:solidFill>
+                <a:latin typeface="Consolas" pitchFamily="49" charset="0"/>
+                <a:ea typeface="ＭＳ Ｐゴシック" pitchFamily="1" charset="-128"/>
+                <a:cs typeface="Consolas" pitchFamily="49" charset="0"/>
+              </a:rPr>
+              <a:t>_</a:t>
             </a:r>
           </a:p>
           <a:p>
@@ -7121,6 +8728,19 @@
           </a:p>
           <a:p>
             <a:r>
+              <a:rPr lang="en-US" sz="2400" dirty="0" smtClean="0">
+                <a:solidFill>
+                  <a:schemeClr val="bg1"/>
+                </a:solidFill>
+                <a:latin typeface="Consolas" pitchFamily="49" charset="0"/>
+                <a:ea typeface="ＭＳ Ｐゴシック" pitchFamily="1" charset="-128"/>
+                <a:cs typeface="Consolas" pitchFamily="49" charset="0"/>
+              </a:rPr>
+              <a:t>$ goal of the analysis</a:t>
+            </a:r>
+          </a:p>
+          <a:p>
+            <a:r>
               <a:rPr lang="en-US" sz="2400" dirty="0">
                 <a:solidFill>
                   <a:schemeClr val="bg1"/>
@@ -7129,129 +8749,7 @@
                 <a:ea typeface="ＭＳ Ｐゴシック" pitchFamily="1" charset="-128"/>
                 <a:cs typeface="Consolas" pitchFamily="49" charset="0"/>
               </a:rPr>
-              <a:t>$ echo </a:t>
-            </a:r>
-            <a:r>
-              <a:rPr lang="en-US" sz="2400" dirty="0">
-                <a:solidFill>
-                  <a:srgbClr val="456FB0"/>
-                </a:solidFill>
-                <a:latin typeface="Consolas" pitchFamily="49" charset="0"/>
-                <a:ea typeface="ＭＳ Ｐゴシック" pitchFamily="1" charset="-128"/>
-                <a:cs typeface="Consolas" pitchFamily="49" charset="0"/>
-              </a:rPr>
-              <a:t>$</a:t>
-            </a:r>
-            <a:r>
-              <a:rPr lang="en-US" sz="2400" dirty="0" err="1">
-                <a:solidFill>
-                  <a:srgbClr val="456FB0"/>
-                </a:solidFill>
-                <a:latin typeface="Consolas" pitchFamily="49" charset="0"/>
-                <a:ea typeface="ＭＳ Ｐゴシック" pitchFamily="1" charset="-128"/>
-                <a:cs typeface="Consolas" pitchFamily="49" charset="0"/>
-              </a:rPr>
-              <a:t>dusan</a:t>
-            </a:r>
-            <a:endParaRPr lang="en-US" sz="2400" dirty="0">
-              <a:solidFill>
-                <a:srgbClr val="456FB0"/>
-              </a:solidFill>
-              <a:latin typeface="Consolas" pitchFamily="49" charset="0"/>
-              <a:ea typeface="ＭＳ Ｐゴシック" pitchFamily="1" charset="-128"/>
-              <a:cs typeface="Consolas" pitchFamily="49" charset="0"/>
-            </a:endParaRPr>
-          </a:p>
-          <a:p>
-            <a:r>
-              <a:rPr lang="en-US" sz="2400" dirty="0" err="1">
-                <a:solidFill>
-                  <a:schemeClr val="bg1"/>
-                </a:solidFill>
-                <a:latin typeface="Consolas" pitchFamily="49" charset="0"/>
-                <a:ea typeface="ＭＳ Ｐゴシック" pitchFamily="1" charset="-128"/>
-                <a:cs typeface="Consolas" pitchFamily="49" charset="0"/>
-              </a:rPr>
-              <a:t>dusan</a:t>
-            </a:r>
-            <a:r>
-              <a:rPr lang="en-US" sz="2400" dirty="0">
-                <a:solidFill>
-                  <a:schemeClr val="bg1"/>
-                </a:solidFill>
-                <a:latin typeface="Consolas" pitchFamily="49" charset="0"/>
-                <a:ea typeface="ＭＳ Ｐゴシック" pitchFamily="1" charset="-128"/>
-                <a:cs typeface="Consolas" pitchFamily="49" charset="0"/>
-              </a:rPr>
-              <a:t> </a:t>
-            </a:r>
-            <a:r>
-              <a:rPr lang="en-US" sz="2400" dirty="0" err="1">
-                <a:solidFill>
-                  <a:schemeClr val="bg1"/>
-                </a:solidFill>
-                <a:latin typeface="Consolas" pitchFamily="49" charset="0"/>
-                <a:ea typeface="ＭＳ Ｐゴシック" pitchFamily="1" charset="-128"/>
-                <a:cs typeface="Consolas" pitchFamily="49" charset="0"/>
-              </a:rPr>
-              <a:t>zamurovic</a:t>
-            </a:r>
-            <a:r>
-              <a:rPr lang="en-US" sz="2400" dirty="0">
-                <a:solidFill>
-                  <a:schemeClr val="bg1"/>
-                </a:solidFill>
-                <a:latin typeface="Consolas" pitchFamily="49" charset="0"/>
-                <a:ea typeface="ＭＳ Ｐゴシック" pitchFamily="1" charset="-128"/>
-                <a:cs typeface="Consolas" pitchFamily="49" charset="0"/>
-              </a:rPr>
-              <a:t>, </a:t>
-            </a:r>
-            <a:r>
-              <a:rPr lang="en-US" sz="2400" dirty="0" err="1">
-                <a:solidFill>
-                  <a:schemeClr val="bg1"/>
-                </a:solidFill>
-                <a:latin typeface="Consolas" pitchFamily="49" charset="0"/>
-                <a:ea typeface="ＭＳ Ｐゴシック" pitchFamily="1" charset="-128"/>
-                <a:cs typeface="Consolas" pitchFamily="49" charset="0"/>
-              </a:rPr>
-              <a:t>m.sc.</a:t>
-            </a:r>
-            <a:r>
-              <a:rPr lang="en-US" sz="2400" dirty="0">
-                <a:solidFill>
-                  <a:schemeClr val="bg1"/>
-                </a:solidFill>
-                <a:latin typeface="Consolas" pitchFamily="49" charset="0"/>
-                <a:ea typeface="ＭＳ Ｐゴシック" pitchFamily="1" charset="-128"/>
-                <a:cs typeface="Consolas" pitchFamily="49" charset="0"/>
-              </a:rPr>
-              <a:t> software engineering</a:t>
-            </a:r>
-          </a:p>
-          <a:p>
-            <a:r>
-              <a:rPr lang="en-US" sz="2400" dirty="0" smtClean="0">
-                <a:solidFill>
-                  <a:schemeClr val="bg1"/>
-                </a:solidFill>
-                <a:latin typeface="Consolas" pitchFamily="49" charset="0"/>
-                <a:ea typeface="ＭＳ Ｐゴシック" pitchFamily="1" charset="-128"/>
-                <a:cs typeface="Consolas" pitchFamily="49" charset="0"/>
-              </a:rPr>
-              <a:t>@</a:t>
-            </a:r>
-            <a:r>
-              <a:rPr lang="en-US" sz="2400" dirty="0" err="1" smtClean="0">
-                <a:solidFill>
-                  <a:schemeClr val="bg1"/>
-                </a:solidFill>
-                <a:latin typeface="Consolas" pitchFamily="49" charset="0"/>
-                <a:ea typeface="ＭＳ Ｐゴシック" pitchFamily="1" charset="-128"/>
-                <a:cs typeface="Consolas" pitchFamily="49" charset="0"/>
-              </a:rPr>
-              <a:t>ezamur</a:t>
+              <a:t>_</a:t>
             </a:r>
             <a:endParaRPr lang="en-US" sz="2400" dirty="0" smtClean="0">
               <a:solidFill>
@@ -7272,126 +8770,12 @@
               <a:cs typeface="Consolas" pitchFamily="49" charset="0"/>
             </a:endParaRPr>
           </a:p>
-          <a:p>
-            <a:r>
-              <a:rPr lang="en-US" sz="2400" dirty="0">
-                <a:solidFill>
-                  <a:schemeClr val="bg1"/>
-                </a:solidFill>
-                <a:latin typeface="Consolas" pitchFamily="49" charset="0"/>
-                <a:ea typeface="ＭＳ Ｐゴシック" pitchFamily="1" charset="-128"/>
-                <a:cs typeface="Consolas" pitchFamily="49" charset="0"/>
-              </a:rPr>
-              <a:t>origin  </a:t>
-            </a:r>
-            <a:r>
-              <a:rPr lang="en-US" sz="2400" dirty="0" err="1">
-                <a:solidFill>
-                  <a:schemeClr val="bg1"/>
-                </a:solidFill>
-                <a:latin typeface="Consolas" pitchFamily="49" charset="0"/>
-                <a:ea typeface="ＭＳ Ｐゴシック" pitchFamily="1" charset="-128"/>
-                <a:cs typeface="Consolas" pitchFamily="49" charset="0"/>
-              </a:rPr>
-              <a:t>git@github.com:dzamurovic</a:t>
-            </a:r>
-            <a:r>
-              <a:rPr lang="en-US" sz="2400" dirty="0">
-                <a:solidFill>
-                  <a:schemeClr val="bg1"/>
-                </a:solidFill>
-                <a:latin typeface="Consolas" pitchFamily="49" charset="0"/>
-                <a:ea typeface="ＭＳ Ｐゴシック" pitchFamily="1" charset="-128"/>
-                <a:cs typeface="Consolas" pitchFamily="49" charset="0"/>
-              </a:rPr>
-              <a:t>/coding-serbia-2014.git</a:t>
-            </a:r>
-            <a:endParaRPr lang="en-US" sz="2400" dirty="0" smtClean="0">
-              <a:solidFill>
-                <a:schemeClr val="bg1"/>
-              </a:solidFill>
-              <a:latin typeface="Consolas" pitchFamily="49" charset="0"/>
-              <a:ea typeface="ＭＳ Ｐゴシック" pitchFamily="1" charset="-128"/>
-              <a:cs typeface="Consolas" pitchFamily="49" charset="0"/>
-            </a:endParaRPr>
-          </a:p>
-          <a:p>
-            <a:endParaRPr lang="en-US" sz="2400" dirty="0" smtClean="0">
-              <a:solidFill>
-                <a:schemeClr val="bg1"/>
-              </a:solidFill>
-              <a:latin typeface="Consolas" pitchFamily="49" charset="0"/>
-              <a:ea typeface="ＭＳ Ｐゴシック" pitchFamily="1" charset="-128"/>
-              <a:cs typeface="Consolas" pitchFamily="49" charset="0"/>
-            </a:endParaRPr>
-          </a:p>
-          <a:p>
-            <a:pPr marL="0" indent="0">
-              <a:buFont typeface="Symbol" pitchFamily="18" charset="2"/>
-              <a:buNone/>
-            </a:pPr>
-            <a:r>
-              <a:rPr lang="en-US" sz="2400" dirty="0" smtClean="0">
-                <a:solidFill>
-                  <a:srgbClr val="73AF3C"/>
-                </a:solidFill>
-                <a:latin typeface="Consolas" pitchFamily="49" charset="0"/>
-                <a:ea typeface="ＭＳ Ｐゴシック" pitchFamily="34" charset="-128"/>
-                <a:cs typeface="Consolas" pitchFamily="49" charset="0"/>
-              </a:rPr>
-              <a:t>@</a:t>
-            </a:r>
-            <a:r>
-              <a:rPr lang="en-US" sz="2400" dirty="0" err="1" smtClean="0">
-                <a:solidFill>
-                  <a:srgbClr val="73AF3C"/>
-                </a:solidFill>
-                <a:latin typeface="Consolas" pitchFamily="49" charset="0"/>
-                <a:ea typeface="ＭＳ Ｐゴシック" pitchFamily="34" charset="-128"/>
-                <a:cs typeface="Consolas" pitchFamily="49" charset="0"/>
-              </a:rPr>
-              <a:t>CodingSerbia</a:t>
-            </a:r>
-            <a:endParaRPr lang="en-US" sz="2400" dirty="0" smtClean="0">
-              <a:solidFill>
-                <a:srgbClr val="73AF3C"/>
-              </a:solidFill>
-              <a:latin typeface="Consolas" pitchFamily="49" charset="0"/>
-              <a:ea typeface="ＭＳ Ｐゴシック" pitchFamily="34" charset="-128"/>
-              <a:cs typeface="Consolas" pitchFamily="49" charset="0"/>
-            </a:endParaRPr>
-          </a:p>
-          <a:p>
-            <a:pPr marL="0" indent="0">
-              <a:buFont typeface="Symbol" pitchFamily="18" charset="2"/>
-              <a:buNone/>
-            </a:pPr>
-            <a:r>
-              <a:rPr lang="en-US" sz="2400" dirty="0" smtClean="0">
-                <a:solidFill>
-                  <a:srgbClr val="73AF3C"/>
-                </a:solidFill>
-                <a:latin typeface="Consolas" pitchFamily="49" charset="0"/>
-                <a:ea typeface="ＭＳ Ｐゴシック" pitchFamily="34" charset="-128"/>
-                <a:cs typeface="Consolas" pitchFamily="49" charset="0"/>
-              </a:rPr>
-              <a:t>www.meetup.com/Coding-Serbia</a:t>
-            </a:r>
-            <a:endParaRPr lang="en-US" sz="2400" dirty="0" smtClean="0">
-              <a:solidFill>
-                <a:srgbClr val="73AF3C"/>
-              </a:solidFill>
-              <a:latin typeface="Consolas" pitchFamily="49" charset="0"/>
-              <a:ea typeface="ＭＳ Ｐゴシック" pitchFamily="1" charset="-128"/>
-              <a:cs typeface="Consolas" pitchFamily="49" charset="0"/>
-            </a:endParaRPr>
-          </a:p>
         </p:txBody>
       </p:sp>
     </p:spTree>
     <p:extLst>
       <p:ext uri="{BB962C8B-B14F-4D97-AF65-F5344CB8AC3E}">
-        <p14:creationId xmlns:p14="http://schemas.microsoft.com/office/powerpoint/2010/main" val="1749016554"/>
+        <p14:creationId xmlns:p14="http://schemas.microsoft.com/office/powerpoint/2010/main" val="301541232"/>
       </p:ext>
     </p:extLst>
   </p:cSld>
@@ -7437,13 +8821,15 @@
         <p:spPr bwMode="auto">
           <a:xfrm>
             <a:off x="522164" y="828303"/>
-            <a:ext cx="9721080" cy="4613740"/>
+            <a:ext cx="9721080" cy="3875077"/>
           </a:xfrm>
           <a:prstGeom prst="rect">
             <a:avLst/>
           </a:prstGeom>
+          <a:solidFill>
+            <a:schemeClr val="tx1"/>
+          </a:solidFill>
           <a:ln>
-            <a:noFill/>
             <a:headEnd/>
             <a:tailEnd/>
           </a:ln>
@@ -7479,33 +8865,75 @@
                 <a:ea typeface="ＭＳ Ｐゴシック" pitchFamily="1" charset="-128"/>
                 <a:cs typeface="Consolas" pitchFamily="49" charset="0"/>
               </a:rPr>
-              <a:t>$ echo </a:t>
+              <a:t>$ rpm –</a:t>
+            </a:r>
+            <a:r>
+              <a:rPr lang="en-US" sz="2400" dirty="0" err="1" smtClean="0">
+                <a:solidFill>
+                  <a:schemeClr val="bg1"/>
+                </a:solidFill>
+                <a:latin typeface="Consolas" pitchFamily="49" charset="0"/>
+                <a:ea typeface="ＭＳ Ｐゴシック" pitchFamily="1" charset="-128"/>
+                <a:cs typeface="Consolas" pitchFamily="49" charset="0"/>
+              </a:rPr>
+              <a:t>qpR</a:t>
             </a:r>
             <a:r>
               <a:rPr lang="en-US" sz="2400" dirty="0" smtClean="0">
                 <a:solidFill>
-                  <a:srgbClr val="456FB0"/>
-                </a:solidFill>
-                <a:latin typeface="Consolas" pitchFamily="49" charset="0"/>
-                <a:ea typeface="ＭＳ Ｐゴシック" pitchFamily="1" charset="-128"/>
-                <a:cs typeface="Consolas" pitchFamily="49" charset="0"/>
-              </a:rPr>
-              <a:t>$</a:t>
-            </a:r>
-            <a:r>
-              <a:rPr lang="en-US" sz="2400" dirty="0" err="1" smtClean="0">
-                <a:solidFill>
-                  <a:srgbClr val="456FB0"/>
-                </a:solidFill>
-                <a:latin typeface="Consolas" pitchFamily="49" charset="0"/>
-                <a:ea typeface="ＭＳ Ｐゴシック" pitchFamily="1" charset="-128"/>
-                <a:cs typeface="Consolas" pitchFamily="49" charset="0"/>
-              </a:rPr>
-              <a:t>ozren</a:t>
-            </a:r>
+                  <a:schemeClr val="bg1"/>
+                </a:solidFill>
+                <a:latin typeface="Consolas" pitchFamily="49" charset="0"/>
+                <a:ea typeface="ＭＳ Ｐゴシック" pitchFamily="1" charset="-128"/>
+                <a:cs typeface="Consolas" pitchFamily="49" charset="0"/>
+              </a:rPr>
+              <a:t> pig-vs-java-0.0.1-snapshot.x86.rpm</a:t>
+            </a:r>
+          </a:p>
+          <a:p>
+            <a:r>
+              <a:rPr lang="en-US" sz="2400" dirty="0" smtClean="0">
+                <a:solidFill>
+                  <a:schemeClr val="bg1"/>
+                </a:solidFill>
+                <a:latin typeface="Consolas" pitchFamily="49" charset="0"/>
+                <a:ea typeface="ＭＳ Ｐゴシック" pitchFamily="1" charset="-128"/>
+                <a:cs typeface="Consolas" pitchFamily="49" charset="0"/>
+              </a:rPr>
+              <a:t>...</a:t>
+            </a:r>
+            <a:endParaRPr lang="en-US" sz="2400" dirty="0" smtClean="0"/>
+          </a:p>
+          <a:p>
+            <a:r>
+              <a:rPr lang="en-US" sz="2400" dirty="0" smtClean="0">
+                <a:solidFill>
+                  <a:schemeClr val="bg1"/>
+                </a:solidFill>
+                <a:latin typeface="Consolas" pitchFamily="49" charset="0"/>
+                <a:ea typeface="ＭＳ Ｐゴシック" pitchFamily="1" charset="-128"/>
+                <a:cs typeface="Consolas" pitchFamily="49" charset="0"/>
+              </a:rPr>
+              <a:t>cloudera-quickstart-vm-5.1.0</a:t>
+            </a:r>
+          </a:p>
+          <a:p>
+            <a:r>
+              <a:rPr lang="en-US" sz="2400" dirty="0" smtClean="0">
+                <a:solidFill>
+                  <a:schemeClr val="bg1"/>
+                </a:solidFill>
+                <a:latin typeface="Consolas" pitchFamily="49" charset="0"/>
+                <a:ea typeface="ＭＳ Ｐゴシック" pitchFamily="1" charset="-128"/>
+                <a:cs typeface="Consolas" pitchFamily="49" charset="0"/>
+              </a:rPr>
+              <a:t>...</a:t>
+            </a:r>
+          </a:p>
+          <a:p>
             <a:endParaRPr lang="en-US" sz="2400" dirty="0" smtClean="0">
               <a:solidFill>
-                <a:srgbClr val="456FB0"/>
+                <a:schemeClr val="bg1"/>
               </a:solidFill>
               <a:latin typeface="Consolas" pitchFamily="49" charset="0"/>
               <a:ea typeface="ＭＳ Ｐゴシック" pitchFamily="1" charset="-128"/>
@@ -7514,6 +8942,17 @@
           </a:p>
           <a:p>
             <a:r>
+              <a:rPr lang="en-US" sz="2400" dirty="0" smtClean="0">
+                <a:solidFill>
+                  <a:schemeClr val="bg1"/>
+                </a:solidFill>
+                <a:latin typeface="Consolas" pitchFamily="49" charset="0"/>
+                <a:ea typeface="ＭＳ Ｐゴシック" pitchFamily="1" charset="-128"/>
+                <a:cs typeface="Consolas" pitchFamily="49" charset="0"/>
+              </a:rPr>
+              <a:t>$ </a:t>
+            </a:r>
+            <a:r>
               <a:rPr lang="en-US" sz="2400" dirty="0" err="1" smtClean="0">
                 <a:solidFill>
                   <a:schemeClr val="bg1"/>
@@ -7522,7 +8961,7 @@
                 <a:ea typeface="ＭＳ Ｐゴシック" pitchFamily="1" charset="-128"/>
                 <a:cs typeface="Consolas" pitchFamily="49" charset="0"/>
               </a:rPr>
-              <a:t>ozren</a:t>
+              <a:t>hadoop</a:t>
             </a:r>
             <a:r>
               <a:rPr lang="en-US" sz="2400" dirty="0" smtClean="0">
@@ -7533,65 +8972,40 @@
                 <a:ea typeface="ＭＳ Ｐゴシック" pitchFamily="1" charset="-128"/>
                 <a:cs typeface="Consolas" pitchFamily="49" charset="0"/>
               </a:rPr>
-              <a:t> </a:t>
-            </a:r>
-            <a:r>
-              <a:rPr lang="en-US" sz="2400" dirty="0" err="1" smtClean="0">
-                <a:solidFill>
-                  <a:schemeClr val="bg1"/>
-                </a:solidFill>
-                <a:latin typeface="Consolas" pitchFamily="49" charset="0"/>
-                <a:ea typeface="ＭＳ Ｐゴシック" pitchFamily="1" charset="-128"/>
-                <a:cs typeface="Consolas" pitchFamily="49" charset="0"/>
-              </a:rPr>
-              <a:t>gulan</a:t>
-            </a:r>
-            <a:r>
-              <a:rPr lang="en-US" sz="2400" dirty="0" smtClean="0">
-                <a:solidFill>
-                  <a:schemeClr val="bg1"/>
-                </a:solidFill>
-                <a:latin typeface="Consolas" pitchFamily="49" charset="0"/>
-                <a:ea typeface="ＭＳ Ｐゴシック" pitchFamily="1" charset="-128"/>
-                <a:cs typeface="Consolas" pitchFamily="49" charset="0"/>
-              </a:rPr>
-              <a:t>, </a:t>
-            </a:r>
-            <a:r>
-              <a:rPr lang="en-US" sz="2400" dirty="0" err="1" smtClean="0">
-                <a:solidFill>
-                  <a:schemeClr val="bg1"/>
-                </a:solidFill>
-                <a:latin typeface="Consolas" pitchFamily="49" charset="0"/>
-                <a:ea typeface="ＭＳ Ｐゴシック" pitchFamily="1" charset="-128"/>
-                <a:cs typeface="Consolas" pitchFamily="49" charset="0"/>
-              </a:rPr>
-              <a:t>m.sc.</a:t>
-            </a:r>
-            <a:r>
-              <a:rPr lang="en-US" sz="2400" dirty="0" smtClean="0">
-                <a:solidFill>
-                  <a:schemeClr val="bg1"/>
-                </a:solidFill>
-                <a:latin typeface="Consolas" pitchFamily="49" charset="0"/>
-                <a:ea typeface="ＭＳ Ｐゴシック" pitchFamily="1" charset="-128"/>
-                <a:cs typeface="Consolas" pitchFamily="49" charset="0"/>
-              </a:rPr>
-              <a:t> software engineering</a:t>
-            </a:r>
-          </a:p>
-          <a:p>
-            <a:r>
-              <a:rPr lang="en-US" sz="2400" dirty="0" smtClean="0">
-                <a:solidFill>
-                  <a:schemeClr val="bg1"/>
-                </a:solidFill>
-                <a:latin typeface="Consolas" pitchFamily="49" charset="0"/>
-                <a:ea typeface="ＭＳ Ｐゴシック" pitchFamily="1" charset="-128"/>
-                <a:cs typeface="Consolas" pitchFamily="49" charset="0"/>
-              </a:rPr>
-              <a:t>...</a:t>
-            </a:r>
+              <a:t> version</a:t>
+            </a:r>
+          </a:p>
+          <a:p>
+            <a:r>
+              <a:rPr lang="en-US" sz="2400" dirty="0" err="1">
+                <a:solidFill>
+                  <a:schemeClr val="bg1"/>
+                </a:solidFill>
+                <a:latin typeface="Consolas" pitchFamily="49" charset="0"/>
+                <a:ea typeface="ＭＳ Ｐゴシック" pitchFamily="1" charset="-128"/>
+                <a:cs typeface="Consolas" pitchFamily="49" charset="0"/>
+              </a:rPr>
+              <a:t>Hadoop</a:t>
+            </a:r>
+            <a:r>
+              <a:rPr lang="en-US" sz="2400" dirty="0">
+                <a:solidFill>
+                  <a:schemeClr val="bg1"/>
+                </a:solidFill>
+                <a:latin typeface="Consolas" pitchFamily="49" charset="0"/>
+                <a:ea typeface="ＭＳ Ｐゴシック" pitchFamily="1" charset="-128"/>
+                <a:cs typeface="Consolas" pitchFamily="49" charset="0"/>
+              </a:rPr>
+              <a:t> 2.3.0-cdh5.1.0</a:t>
+            </a:r>
+            <a:endParaRPr lang="en-US" sz="2400" dirty="0" smtClean="0">
+              <a:solidFill>
+                <a:schemeClr val="bg1"/>
+              </a:solidFill>
+              <a:latin typeface="Consolas" pitchFamily="49" charset="0"/>
+              <a:ea typeface="ＭＳ Ｐゴシック" pitchFamily="1" charset="-128"/>
+              <a:cs typeface="Consolas" pitchFamily="49" charset="0"/>
+            </a:endParaRPr>
           </a:p>
           <a:p>
             <a:endParaRPr lang="en-US" sz="2400" dirty="0">
@@ -7605,6 +9019,19 @@
           </a:p>
           <a:p>
             <a:r>
+              <a:rPr lang="en-US" sz="2400" dirty="0" smtClean="0">
+                <a:solidFill>
+                  <a:schemeClr val="bg1"/>
+                </a:solidFill>
+                <a:latin typeface="Consolas" pitchFamily="49" charset="0"/>
+                <a:ea typeface="ＭＳ Ｐゴシック" pitchFamily="1" charset="-128"/>
+                <a:cs typeface="Consolas" pitchFamily="49" charset="0"/>
+              </a:rPr>
+              <a:t>$ pig --version</a:t>
+            </a:r>
+          </a:p>
+          <a:p>
+            <a:r>
               <a:rPr lang="en-US" sz="2400" dirty="0">
                 <a:solidFill>
                   <a:schemeClr val="bg1"/>
@@ -7613,269 +9040,15 @@
                 <a:ea typeface="ＭＳ Ｐゴシック" pitchFamily="1" charset="-128"/>
                 <a:cs typeface="Consolas" pitchFamily="49" charset="0"/>
               </a:rPr>
-              <a:t>$ echo </a:t>
-            </a:r>
-            <a:r>
-              <a:rPr lang="en-US" sz="2400" dirty="0">
-                <a:solidFill>
-                  <a:srgbClr val="456FB0"/>
-                </a:solidFill>
-                <a:latin typeface="Consolas" pitchFamily="49" charset="0"/>
-                <a:ea typeface="ＭＳ Ｐゴシック" pitchFamily="1" charset="-128"/>
-                <a:cs typeface="Consolas" pitchFamily="49" charset="0"/>
-              </a:rPr>
-              <a:t>$</a:t>
-            </a:r>
-            <a:r>
-              <a:rPr lang="en-US" sz="2400" dirty="0" err="1">
-                <a:solidFill>
-                  <a:srgbClr val="456FB0"/>
-                </a:solidFill>
-                <a:latin typeface="Consolas" pitchFamily="49" charset="0"/>
-                <a:ea typeface="ＭＳ Ｐゴシック" pitchFamily="1" charset="-128"/>
-                <a:cs typeface="Consolas" pitchFamily="49" charset="0"/>
-              </a:rPr>
-              <a:t>dusan</a:t>
-            </a:r>
-            <a:endParaRPr lang="en-US" sz="2400" dirty="0">
-              <a:solidFill>
-                <a:srgbClr val="456FB0"/>
-              </a:solidFill>
-              <a:latin typeface="Consolas" pitchFamily="49" charset="0"/>
-              <a:ea typeface="ＭＳ Ｐゴシック" pitchFamily="1" charset="-128"/>
-              <a:cs typeface="Consolas" pitchFamily="49" charset="0"/>
-            </a:endParaRPr>
-          </a:p>
-          <a:p>
-            <a:r>
-              <a:rPr lang="en-US" sz="2400" dirty="0" err="1">
-                <a:solidFill>
-                  <a:schemeClr val="bg1"/>
-                </a:solidFill>
-                <a:latin typeface="Consolas" pitchFamily="49" charset="0"/>
-                <a:ea typeface="ＭＳ Ｐゴシック" pitchFamily="1" charset="-128"/>
-                <a:cs typeface="Consolas" pitchFamily="49" charset="0"/>
-              </a:rPr>
-              <a:t>dusan</a:t>
-            </a:r>
-            <a:r>
-              <a:rPr lang="en-US" sz="2400" dirty="0">
-                <a:solidFill>
-                  <a:schemeClr val="bg1"/>
-                </a:solidFill>
-                <a:latin typeface="Consolas" pitchFamily="49" charset="0"/>
-                <a:ea typeface="ＭＳ Ｐゴシック" pitchFamily="1" charset="-128"/>
-                <a:cs typeface="Consolas" pitchFamily="49" charset="0"/>
-              </a:rPr>
-              <a:t> </a:t>
-            </a:r>
-            <a:r>
-              <a:rPr lang="en-US" sz="2400" dirty="0" err="1">
-                <a:solidFill>
-                  <a:schemeClr val="bg1"/>
-                </a:solidFill>
-                <a:latin typeface="Consolas" pitchFamily="49" charset="0"/>
-                <a:ea typeface="ＭＳ Ｐゴシック" pitchFamily="1" charset="-128"/>
-                <a:cs typeface="Consolas" pitchFamily="49" charset="0"/>
-              </a:rPr>
-              <a:t>zamurovic</a:t>
-            </a:r>
-            <a:r>
-              <a:rPr lang="en-US" sz="2400" dirty="0">
-                <a:solidFill>
-                  <a:schemeClr val="bg1"/>
-                </a:solidFill>
-                <a:latin typeface="Consolas" pitchFamily="49" charset="0"/>
-                <a:ea typeface="ＭＳ Ｐゴシック" pitchFamily="1" charset="-128"/>
-                <a:cs typeface="Consolas" pitchFamily="49" charset="0"/>
-              </a:rPr>
-              <a:t>, </a:t>
-            </a:r>
-            <a:r>
-              <a:rPr lang="en-US" sz="2400" dirty="0" err="1">
-                <a:solidFill>
-                  <a:schemeClr val="bg1"/>
-                </a:solidFill>
-                <a:latin typeface="Consolas" pitchFamily="49" charset="0"/>
-                <a:ea typeface="ＭＳ Ｐゴシック" pitchFamily="1" charset="-128"/>
-                <a:cs typeface="Consolas" pitchFamily="49" charset="0"/>
-              </a:rPr>
-              <a:t>m.sc.</a:t>
-            </a:r>
-            <a:r>
-              <a:rPr lang="en-US" sz="2400" dirty="0">
-                <a:solidFill>
-                  <a:schemeClr val="bg1"/>
-                </a:solidFill>
-                <a:latin typeface="Consolas" pitchFamily="49" charset="0"/>
-                <a:ea typeface="ＭＳ Ｐゴシック" pitchFamily="1" charset="-128"/>
-                <a:cs typeface="Consolas" pitchFamily="49" charset="0"/>
-              </a:rPr>
-              <a:t> software engineering</a:t>
-            </a:r>
-          </a:p>
-          <a:p>
-            <a:r>
-              <a:rPr lang="en-US" sz="2400" dirty="0" smtClean="0">
-                <a:solidFill>
-                  <a:schemeClr val="bg1"/>
-                </a:solidFill>
-                <a:latin typeface="Consolas" pitchFamily="49" charset="0"/>
-                <a:ea typeface="ＭＳ Ｐゴシック" pitchFamily="1" charset="-128"/>
-                <a:cs typeface="Consolas" pitchFamily="49" charset="0"/>
-              </a:rPr>
-              <a:t>@</a:t>
-            </a:r>
-            <a:r>
-              <a:rPr lang="en-US" sz="2400" dirty="0" err="1" smtClean="0">
-                <a:solidFill>
-                  <a:schemeClr val="bg1"/>
-                </a:solidFill>
-                <a:latin typeface="Consolas" pitchFamily="49" charset="0"/>
-                <a:ea typeface="ＭＳ Ｐゴシック" pitchFamily="1" charset="-128"/>
-                <a:cs typeface="Consolas" pitchFamily="49" charset="0"/>
-              </a:rPr>
-              <a:t>ezamur</a:t>
-            </a:r>
-            <a:endParaRPr lang="en-US" sz="2400" dirty="0" smtClean="0">
-              <a:solidFill>
-                <a:schemeClr val="bg1"/>
-              </a:solidFill>
-              <a:latin typeface="Consolas" pitchFamily="49" charset="0"/>
-              <a:ea typeface="ＭＳ Ｐゴシック" pitchFamily="1" charset="-128"/>
-              <a:cs typeface="Consolas" pitchFamily="49" charset="0"/>
-            </a:endParaRPr>
-          </a:p>
-          <a:p>
-            <a:endParaRPr lang="en-US" sz="2400" dirty="0">
-              <a:solidFill>
-                <a:schemeClr val="bg1"/>
-              </a:solidFill>
-              <a:latin typeface="Consolas" pitchFamily="49" charset="0"/>
-              <a:ea typeface="ＭＳ Ｐゴシック" pitchFamily="1" charset="-128"/>
-              <a:cs typeface="Consolas" pitchFamily="49" charset="0"/>
-            </a:endParaRPr>
-          </a:p>
-          <a:p>
-            <a:r>
-              <a:rPr lang="en-US" sz="2400" dirty="0">
-                <a:solidFill>
-                  <a:schemeClr val="bg1"/>
-                </a:solidFill>
-                <a:latin typeface="Consolas" pitchFamily="49" charset="0"/>
-                <a:ea typeface="ＭＳ Ｐゴシック" pitchFamily="1" charset="-128"/>
-                <a:cs typeface="Consolas" pitchFamily="49" charset="0"/>
-              </a:rPr>
-              <a:t>origin  </a:t>
-            </a:r>
-            <a:r>
-              <a:rPr lang="en-US" sz="2400" dirty="0" err="1">
-                <a:solidFill>
-                  <a:schemeClr val="bg1"/>
-                </a:solidFill>
-                <a:latin typeface="Consolas" pitchFamily="49" charset="0"/>
-                <a:ea typeface="ＭＳ Ｐゴシック" pitchFamily="1" charset="-128"/>
-                <a:cs typeface="Consolas" pitchFamily="49" charset="0"/>
-              </a:rPr>
-              <a:t>git@github.com:dzamurovic</a:t>
-            </a:r>
-            <a:r>
-              <a:rPr lang="en-US" sz="2400" dirty="0">
-                <a:solidFill>
-                  <a:schemeClr val="bg1"/>
-                </a:solidFill>
-                <a:latin typeface="Consolas" pitchFamily="49" charset="0"/>
-                <a:ea typeface="ＭＳ Ｐゴシック" pitchFamily="1" charset="-128"/>
-                <a:cs typeface="Consolas" pitchFamily="49" charset="0"/>
-              </a:rPr>
-              <a:t>/coding-serbia-2014.git</a:t>
-            </a:r>
-            <a:endParaRPr lang="en-US" sz="2400" dirty="0" smtClean="0">
-              <a:solidFill>
-                <a:schemeClr val="bg1"/>
-              </a:solidFill>
-              <a:latin typeface="Consolas" pitchFamily="49" charset="0"/>
-              <a:ea typeface="ＭＳ Ｐゴシック" pitchFamily="1" charset="-128"/>
-              <a:cs typeface="Consolas" pitchFamily="49" charset="0"/>
-            </a:endParaRPr>
-          </a:p>
-          <a:p>
-            <a:endParaRPr lang="en-US" sz="2400" dirty="0" smtClean="0">
-              <a:solidFill>
-                <a:schemeClr val="bg1"/>
-              </a:solidFill>
-              <a:latin typeface="Consolas" pitchFamily="49" charset="0"/>
-              <a:ea typeface="ＭＳ Ｐゴシック" pitchFamily="1" charset="-128"/>
-              <a:cs typeface="Consolas" pitchFamily="49" charset="0"/>
-            </a:endParaRPr>
-          </a:p>
-          <a:p>
-            <a:pPr marL="0" indent="0">
-              <a:buFont typeface="Symbol" pitchFamily="18" charset="2"/>
-              <a:buNone/>
-            </a:pPr>
-            <a:r>
-              <a:rPr lang="en-US" sz="2400" dirty="0" smtClean="0">
-                <a:solidFill>
-                  <a:srgbClr val="73AF3C"/>
-                </a:solidFill>
-                <a:latin typeface="Consolas" pitchFamily="49" charset="0"/>
-                <a:ea typeface="ＭＳ Ｐゴシック" pitchFamily="34" charset="-128"/>
-                <a:cs typeface="Consolas" pitchFamily="49" charset="0"/>
-              </a:rPr>
-              <a:t>@</a:t>
-            </a:r>
-            <a:r>
-              <a:rPr lang="en-US" sz="2400" dirty="0" err="1" smtClean="0">
-                <a:solidFill>
-                  <a:srgbClr val="73AF3C"/>
-                </a:solidFill>
-                <a:latin typeface="Consolas" pitchFamily="49" charset="0"/>
-                <a:ea typeface="ＭＳ Ｐゴシック" pitchFamily="34" charset="-128"/>
-                <a:cs typeface="Consolas" pitchFamily="49" charset="0"/>
-              </a:rPr>
-              <a:t>CodingSerbia</a:t>
-            </a:r>
-            <a:endParaRPr lang="en-US" sz="2400" dirty="0" smtClean="0">
-              <a:solidFill>
-                <a:srgbClr val="73AF3C"/>
-              </a:solidFill>
-              <a:latin typeface="Consolas" pitchFamily="49" charset="0"/>
-              <a:ea typeface="ＭＳ Ｐゴシック" pitchFamily="34" charset="-128"/>
-              <a:cs typeface="Consolas" pitchFamily="49" charset="0"/>
-            </a:endParaRPr>
-          </a:p>
-          <a:p>
-            <a:pPr marL="0" indent="0">
-              <a:buFont typeface="Symbol" pitchFamily="18" charset="2"/>
-              <a:buNone/>
-            </a:pPr>
-            <a:r>
-              <a:rPr lang="en-US" sz="2400" dirty="0" smtClean="0">
-                <a:solidFill>
-                  <a:srgbClr val="73AF3C"/>
-                </a:solidFill>
-                <a:latin typeface="Consolas" pitchFamily="49" charset="0"/>
-                <a:ea typeface="ＭＳ Ｐゴシック" pitchFamily="34" charset="-128"/>
-                <a:cs typeface="Consolas" pitchFamily="49" charset="0"/>
-              </a:rPr>
-              <a:t>www.meetup.com/Coding-Serbia</a:t>
-            </a:r>
-            <a:endParaRPr lang="en-US" sz="2400" dirty="0" smtClean="0">
-              <a:solidFill>
-                <a:srgbClr val="73AF3C"/>
-              </a:solidFill>
-              <a:latin typeface="Consolas" pitchFamily="49" charset="0"/>
-              <a:ea typeface="ＭＳ Ｐゴシック" pitchFamily="1" charset="-128"/>
-              <a:cs typeface="Consolas" pitchFamily="49" charset="0"/>
-            </a:endParaRPr>
+              <a:t>Apache Pig version 0.12.0-cdh5.1.0</a:t>
+            </a:r>
           </a:p>
         </p:txBody>
       </p:sp>
     </p:spTree>
     <p:extLst>
       <p:ext uri="{BB962C8B-B14F-4D97-AF65-F5344CB8AC3E}">
-        <p14:creationId xmlns:p14="http://schemas.microsoft.com/office/powerpoint/2010/main" val="1749016554"/>
+        <p14:creationId xmlns:p14="http://schemas.microsoft.com/office/powerpoint/2010/main" val="1476971472"/>
       </p:ext>
     </p:extLst>
   </p:cSld>
@@ -7921,13 +9094,15 @@
         <p:spPr bwMode="auto">
           <a:xfrm>
             <a:off x="522164" y="828303"/>
-            <a:ext cx="9721080" cy="4613740"/>
+            <a:ext cx="9721080" cy="5967957"/>
           </a:xfrm>
           <a:prstGeom prst="rect">
             <a:avLst/>
           </a:prstGeom>
+          <a:solidFill>
+            <a:schemeClr val="tx1"/>
+          </a:solidFill>
           <a:ln>
-            <a:noFill/>
             <a:headEnd/>
             <a:tailEnd/>
           </a:ln>
@@ -7963,119 +9138,29 @@
                 <a:ea typeface="ＭＳ Ｐゴシック" pitchFamily="1" charset="-128"/>
                 <a:cs typeface="Consolas" pitchFamily="49" charset="0"/>
               </a:rPr>
-              <a:t>$ echo </a:t>
-            </a:r>
-            <a:r>
-              <a:rPr lang="en-US" sz="2400" dirty="0" smtClean="0">
-                <a:solidFill>
-                  <a:srgbClr val="456FB0"/>
-                </a:solidFill>
-                <a:latin typeface="Consolas" pitchFamily="49" charset="0"/>
-                <a:ea typeface="ＭＳ Ｐゴシック" pitchFamily="1" charset="-128"/>
-                <a:cs typeface="Consolas" pitchFamily="49" charset="0"/>
-              </a:rPr>
-              <a:t>$</a:t>
-            </a:r>
-            <a:r>
-              <a:rPr lang="en-US" sz="2400" dirty="0" err="1" smtClean="0">
-                <a:solidFill>
-                  <a:srgbClr val="456FB0"/>
-                </a:solidFill>
-                <a:latin typeface="Consolas" pitchFamily="49" charset="0"/>
-                <a:ea typeface="ＭＳ Ｐゴシック" pitchFamily="1" charset="-128"/>
-                <a:cs typeface="Consolas" pitchFamily="49" charset="0"/>
-              </a:rPr>
-              <a:t>ozren</a:t>
+              <a:t>$ showcase</a:t>
+            </a:r>
+          </a:p>
+          <a:p>
+            <a:r>
+              <a:rPr lang="en-US" sz="2400" dirty="0">
+                <a:solidFill>
+                  <a:schemeClr val="bg1"/>
+                </a:solidFill>
+                <a:latin typeface="Consolas" pitchFamily="49" charset="0"/>
+                <a:ea typeface="ＭＳ Ｐゴシック" pitchFamily="1" charset="-128"/>
+                <a:cs typeface="Consolas" pitchFamily="49" charset="0"/>
+              </a:rPr>
+              <a:t>_</a:t>
             </a:r>
             <a:endParaRPr lang="en-US" sz="2400" dirty="0" smtClean="0">
               <a:solidFill>
-                <a:srgbClr val="456FB0"/>
+                <a:schemeClr val="bg1"/>
               </a:solidFill>
               <a:latin typeface="Consolas" pitchFamily="49" charset="0"/>
               <a:ea typeface="ＭＳ Ｐゴシック" pitchFamily="1" charset="-128"/>
               <a:cs typeface="Consolas" pitchFamily="49" charset="0"/>
             </a:endParaRPr>
-          </a:p>
-          <a:p>
-            <a:r>
-              <a:rPr lang="en-US" sz="2400" dirty="0" err="1" smtClean="0">
-                <a:solidFill>
-                  <a:schemeClr val="bg1"/>
-                </a:solidFill>
-                <a:latin typeface="Consolas" pitchFamily="49" charset="0"/>
-                <a:ea typeface="ＭＳ Ｐゴシック" pitchFamily="1" charset="-128"/>
-                <a:cs typeface="Consolas" pitchFamily="49" charset="0"/>
-              </a:rPr>
-              <a:t>ozren</a:t>
-            </a:r>
-            <a:r>
-              <a:rPr lang="en-US" sz="2400" dirty="0" smtClean="0">
-                <a:solidFill>
-                  <a:schemeClr val="bg1"/>
-                </a:solidFill>
-                <a:latin typeface="Consolas" pitchFamily="49" charset="0"/>
-                <a:ea typeface="ＭＳ Ｐゴシック" pitchFamily="1" charset="-128"/>
-                <a:cs typeface="Consolas" pitchFamily="49" charset="0"/>
-              </a:rPr>
-              <a:t> </a:t>
-            </a:r>
-            <a:r>
-              <a:rPr lang="en-US" sz="2400" dirty="0" err="1" smtClean="0">
-                <a:solidFill>
-                  <a:schemeClr val="bg1"/>
-                </a:solidFill>
-                <a:latin typeface="Consolas" pitchFamily="49" charset="0"/>
-                <a:ea typeface="ＭＳ Ｐゴシック" pitchFamily="1" charset="-128"/>
-                <a:cs typeface="Consolas" pitchFamily="49" charset="0"/>
-              </a:rPr>
-              <a:t>gulan</a:t>
-            </a:r>
-            <a:r>
-              <a:rPr lang="en-US" sz="2400" dirty="0" smtClean="0">
-                <a:solidFill>
-                  <a:schemeClr val="bg1"/>
-                </a:solidFill>
-                <a:latin typeface="Consolas" pitchFamily="49" charset="0"/>
-                <a:ea typeface="ＭＳ Ｐゴシック" pitchFamily="1" charset="-128"/>
-                <a:cs typeface="Consolas" pitchFamily="49" charset="0"/>
-              </a:rPr>
-              <a:t>, </a:t>
-            </a:r>
-            <a:r>
-              <a:rPr lang="en-US" sz="2400" dirty="0" err="1" smtClean="0">
-                <a:solidFill>
-                  <a:schemeClr val="bg1"/>
-                </a:solidFill>
-                <a:latin typeface="Consolas" pitchFamily="49" charset="0"/>
-                <a:ea typeface="ＭＳ Ｐゴシック" pitchFamily="1" charset="-128"/>
-                <a:cs typeface="Consolas" pitchFamily="49" charset="0"/>
-              </a:rPr>
-              <a:t>m.sc.</a:t>
-            </a:r>
-            <a:r>
-              <a:rPr lang="en-US" sz="2400" dirty="0" smtClean="0">
-                <a:solidFill>
-                  <a:schemeClr val="bg1"/>
-                </a:solidFill>
-                <a:latin typeface="Consolas" pitchFamily="49" charset="0"/>
-                <a:ea typeface="ＭＳ Ｐゴシック" pitchFamily="1" charset="-128"/>
-                <a:cs typeface="Consolas" pitchFamily="49" charset="0"/>
-              </a:rPr>
-              <a:t> software engineering</a:t>
-            </a:r>
-          </a:p>
-          <a:p>
-            <a:r>
-              <a:rPr lang="en-US" sz="2400" dirty="0" smtClean="0">
-                <a:solidFill>
-                  <a:schemeClr val="bg1"/>
-                </a:solidFill>
-                <a:latin typeface="Consolas" pitchFamily="49" charset="0"/>
-                <a:ea typeface="ＭＳ Ｐゴシック" pitchFamily="1" charset="-128"/>
-                <a:cs typeface="Consolas" pitchFamily="49" charset="0"/>
-              </a:rPr>
-              <a:t>...</a:t>
-            </a:r>
           </a:p>
           <a:p>
             <a:endParaRPr lang="en-US" sz="2400" dirty="0">
@@ -8089,117 +9174,6 @@
           </a:p>
           <a:p>
             <a:r>
-              <a:rPr lang="en-US" sz="2400" dirty="0">
-                <a:solidFill>
-                  <a:schemeClr val="bg1"/>
-                </a:solidFill>
-                <a:latin typeface="Consolas" pitchFamily="49" charset="0"/>
-                <a:ea typeface="ＭＳ Ｐゴシック" pitchFamily="1" charset="-128"/>
-                <a:cs typeface="Consolas" pitchFamily="49" charset="0"/>
-              </a:rPr>
-              <a:t>$ echo </a:t>
-            </a:r>
-            <a:r>
-              <a:rPr lang="en-US" sz="2400" dirty="0">
-                <a:solidFill>
-                  <a:srgbClr val="456FB0"/>
-                </a:solidFill>
-                <a:latin typeface="Consolas" pitchFamily="49" charset="0"/>
-                <a:ea typeface="ＭＳ Ｐゴシック" pitchFamily="1" charset="-128"/>
-                <a:cs typeface="Consolas" pitchFamily="49" charset="0"/>
-              </a:rPr>
-              <a:t>$</a:t>
-            </a:r>
-            <a:r>
-              <a:rPr lang="en-US" sz="2400" dirty="0" err="1">
-                <a:solidFill>
-                  <a:srgbClr val="456FB0"/>
-                </a:solidFill>
-                <a:latin typeface="Consolas" pitchFamily="49" charset="0"/>
-                <a:ea typeface="ＭＳ Ｐゴシック" pitchFamily="1" charset="-128"/>
-                <a:cs typeface="Consolas" pitchFamily="49" charset="0"/>
-              </a:rPr>
-              <a:t>dusan</a:t>
-            </a:r>
-            <a:endParaRPr lang="en-US" sz="2400" dirty="0">
-              <a:solidFill>
-                <a:srgbClr val="456FB0"/>
-              </a:solidFill>
-              <a:latin typeface="Consolas" pitchFamily="49" charset="0"/>
-              <a:ea typeface="ＭＳ Ｐゴシック" pitchFamily="1" charset="-128"/>
-              <a:cs typeface="Consolas" pitchFamily="49" charset="0"/>
-            </a:endParaRPr>
-          </a:p>
-          <a:p>
-            <a:r>
-              <a:rPr lang="en-US" sz="2400" dirty="0" err="1">
-                <a:solidFill>
-                  <a:schemeClr val="bg1"/>
-                </a:solidFill>
-                <a:latin typeface="Consolas" pitchFamily="49" charset="0"/>
-                <a:ea typeface="ＭＳ Ｐゴシック" pitchFamily="1" charset="-128"/>
-                <a:cs typeface="Consolas" pitchFamily="49" charset="0"/>
-              </a:rPr>
-              <a:t>dusan</a:t>
-            </a:r>
-            <a:r>
-              <a:rPr lang="en-US" sz="2400" dirty="0">
-                <a:solidFill>
-                  <a:schemeClr val="bg1"/>
-                </a:solidFill>
-                <a:latin typeface="Consolas" pitchFamily="49" charset="0"/>
-                <a:ea typeface="ＭＳ Ｐゴシック" pitchFamily="1" charset="-128"/>
-                <a:cs typeface="Consolas" pitchFamily="49" charset="0"/>
-              </a:rPr>
-              <a:t> </a:t>
-            </a:r>
-            <a:r>
-              <a:rPr lang="en-US" sz="2400" dirty="0" err="1">
-                <a:solidFill>
-                  <a:schemeClr val="bg1"/>
-                </a:solidFill>
-                <a:latin typeface="Consolas" pitchFamily="49" charset="0"/>
-                <a:ea typeface="ＭＳ Ｐゴシック" pitchFamily="1" charset="-128"/>
-                <a:cs typeface="Consolas" pitchFamily="49" charset="0"/>
-              </a:rPr>
-              <a:t>zamurovic</a:t>
-            </a:r>
-            <a:r>
-              <a:rPr lang="en-US" sz="2400" dirty="0">
-                <a:solidFill>
-                  <a:schemeClr val="bg1"/>
-                </a:solidFill>
-                <a:latin typeface="Consolas" pitchFamily="49" charset="0"/>
-                <a:ea typeface="ＭＳ Ｐゴシック" pitchFamily="1" charset="-128"/>
-                <a:cs typeface="Consolas" pitchFamily="49" charset="0"/>
-              </a:rPr>
-              <a:t>, </a:t>
-            </a:r>
-            <a:r>
-              <a:rPr lang="en-US" sz="2400" dirty="0" err="1">
-                <a:solidFill>
-                  <a:schemeClr val="bg1"/>
-                </a:solidFill>
-                <a:latin typeface="Consolas" pitchFamily="49" charset="0"/>
-                <a:ea typeface="ＭＳ Ｐゴシック" pitchFamily="1" charset="-128"/>
-                <a:cs typeface="Consolas" pitchFamily="49" charset="0"/>
-              </a:rPr>
-              <a:t>m.sc.</a:t>
-            </a:r>
-            <a:r>
-              <a:rPr lang="en-US" sz="2400" dirty="0">
-                <a:solidFill>
-                  <a:schemeClr val="bg1"/>
-                </a:solidFill>
-                <a:latin typeface="Consolas" pitchFamily="49" charset="0"/>
-                <a:ea typeface="ＭＳ Ｐゴシック" pitchFamily="1" charset="-128"/>
-                <a:cs typeface="Consolas" pitchFamily="49" charset="0"/>
-              </a:rPr>
-              <a:t> software engineering</a:t>
-            </a:r>
-          </a:p>
-          <a:p>
-            <a:r>
               <a:rPr lang="en-US" sz="2400" dirty="0" smtClean="0">
                 <a:solidFill>
                   <a:schemeClr val="bg1"/>
@@ -8208,7 +9182,7 @@
                 <a:ea typeface="ＭＳ Ｐゴシック" pitchFamily="1" charset="-128"/>
                 <a:cs typeface="Consolas" pitchFamily="49" charset="0"/>
               </a:rPr>
-              <a:t>@</a:t>
+              <a:t>$ cat </a:t>
             </a:r>
             <a:r>
               <a:rPr lang="en-US" sz="2400" dirty="0" err="1" smtClean="0">
@@ -8219,7 +9193,7 @@
                 <a:ea typeface="ＭＳ Ｐゴシック" pitchFamily="1" charset="-128"/>
                 <a:cs typeface="Consolas" pitchFamily="49" charset="0"/>
               </a:rPr>
-              <a:t>ezamur</a:t>
+              <a:t>input_record.json</a:t>
             </a:r>
             <a:endParaRPr lang="en-US" sz="2400" dirty="0" smtClean="0">
               <a:solidFill>
@@ -8231,15 +9205,636 @@
             </a:endParaRPr>
           </a:p>
           <a:p>
-            <a:endParaRPr lang="en-US" sz="2400" dirty="0">
-              <a:solidFill>
-                <a:schemeClr val="bg1"/>
-              </a:solidFill>
-              <a:latin typeface="Consolas" pitchFamily="49" charset="0"/>
-              <a:ea typeface="ＭＳ Ｐゴシック" pitchFamily="1" charset="-128"/>
-              <a:cs typeface="Consolas" pitchFamily="49" charset="0"/>
-            </a:endParaRPr>
-          </a:p>
+            <a:r>
+              <a:rPr lang="en-US" sz="2000" dirty="0">
+                <a:solidFill>
+                  <a:schemeClr val="bg1"/>
+                </a:solidFill>
+                <a:latin typeface="Consolas" pitchFamily="49" charset="0"/>
+                <a:ea typeface="ＭＳ Ｐゴシック" pitchFamily="1" charset="-128"/>
+                <a:cs typeface="Consolas" pitchFamily="49" charset="0"/>
+              </a:rPr>
+              <a:t>{</a:t>
+            </a:r>
+          </a:p>
+          <a:p>
+            <a:r>
+              <a:rPr lang="en-US" sz="2000" dirty="0">
+                <a:solidFill>
+                  <a:schemeClr val="bg1"/>
+                </a:solidFill>
+                <a:latin typeface="Consolas" pitchFamily="49" charset="0"/>
+                <a:ea typeface="ＭＳ Ｐゴシック" pitchFamily="1" charset="-128"/>
+                <a:cs typeface="Consolas" pitchFamily="49" charset="0"/>
+              </a:rPr>
+              <a:t>  "</a:t>
+            </a:r>
+            <a:r>
+              <a:rPr lang="en-US" sz="2000" dirty="0" err="1">
+                <a:solidFill>
+                  <a:schemeClr val="bg1"/>
+                </a:solidFill>
+                <a:latin typeface="Consolas" pitchFamily="49" charset="0"/>
+                <a:ea typeface="ＭＳ Ｐゴシック" pitchFamily="1" charset="-128"/>
+                <a:cs typeface="Consolas" pitchFamily="49" charset="0"/>
+              </a:rPr>
+              <a:t>sessionId</a:t>
+            </a:r>
+            <a:r>
+              <a:rPr lang="en-US" sz="2000" dirty="0">
+                <a:solidFill>
+                  <a:schemeClr val="bg1"/>
+                </a:solidFill>
+                <a:latin typeface="Consolas" pitchFamily="49" charset="0"/>
+                <a:ea typeface="ＭＳ Ｐゴシック" pitchFamily="1" charset="-128"/>
+                <a:cs typeface="Consolas" pitchFamily="49" charset="0"/>
+              </a:rPr>
+              <a:t>": </a:t>
+            </a:r>
+            <a:r>
+              <a:rPr lang="en-US" sz="2000" dirty="0">
+                <a:solidFill>
+                  <a:srgbClr val="00B0F0"/>
+                </a:solidFill>
+                <a:latin typeface="Consolas" pitchFamily="49" charset="0"/>
+                <a:ea typeface="ＭＳ Ｐゴシック" pitchFamily="1" charset="-128"/>
+                <a:cs typeface="Consolas" pitchFamily="49" charset="0"/>
+              </a:rPr>
+              <a:t>1</a:t>
+            </a:r>
+            <a:r>
+              <a:rPr lang="en-US" sz="2000" dirty="0">
+                <a:solidFill>
+                  <a:schemeClr val="bg1"/>
+                </a:solidFill>
+                <a:latin typeface="Consolas" pitchFamily="49" charset="0"/>
+                <a:ea typeface="ＭＳ Ｐゴシック" pitchFamily="1" charset="-128"/>
+                <a:cs typeface="Consolas" pitchFamily="49" charset="0"/>
+              </a:rPr>
+              <a:t>,</a:t>
+            </a:r>
+          </a:p>
+          <a:p>
+            <a:r>
+              <a:rPr lang="en-US" sz="2000" dirty="0">
+                <a:solidFill>
+                  <a:schemeClr val="bg1"/>
+                </a:solidFill>
+                <a:latin typeface="Consolas" pitchFamily="49" charset="0"/>
+                <a:ea typeface="ＭＳ Ｐゴシック" pitchFamily="1" charset="-128"/>
+                <a:cs typeface="Consolas" pitchFamily="49" charset="0"/>
+              </a:rPr>
+              <a:t>  "</a:t>
+            </a:r>
+            <a:r>
+              <a:rPr lang="en-US" sz="2000" dirty="0" err="1">
+                <a:solidFill>
+                  <a:schemeClr val="bg1"/>
+                </a:solidFill>
+                <a:latin typeface="Consolas" pitchFamily="49" charset="0"/>
+                <a:ea typeface="ＭＳ Ｐゴシック" pitchFamily="1" charset="-128"/>
+                <a:cs typeface="Consolas" pitchFamily="49" charset="0"/>
+              </a:rPr>
+              <a:t>customerCategoryId</a:t>
+            </a:r>
+            <a:r>
+              <a:rPr lang="en-US" sz="2000" dirty="0">
+                <a:solidFill>
+                  <a:schemeClr val="bg1"/>
+                </a:solidFill>
+                <a:latin typeface="Consolas" pitchFamily="49" charset="0"/>
+                <a:ea typeface="ＭＳ Ｐゴシック" pitchFamily="1" charset="-128"/>
+                <a:cs typeface="Consolas" pitchFamily="49" charset="0"/>
+              </a:rPr>
+              <a:t>": </a:t>
+            </a:r>
+            <a:r>
+              <a:rPr lang="en-US" sz="2000" dirty="0">
+                <a:solidFill>
+                  <a:srgbClr val="00B0F0"/>
+                </a:solidFill>
+                <a:latin typeface="Consolas" pitchFamily="49" charset="0"/>
+                <a:ea typeface="ＭＳ Ｐゴシック" pitchFamily="1" charset="-128"/>
+                <a:cs typeface="Consolas" pitchFamily="49" charset="0"/>
+              </a:rPr>
+              <a:t>5</a:t>
+            </a:r>
+            <a:r>
+              <a:rPr lang="en-US" sz="2000" dirty="0">
+                <a:solidFill>
+                  <a:schemeClr val="bg1"/>
+                </a:solidFill>
+                <a:latin typeface="Consolas" pitchFamily="49" charset="0"/>
+                <a:ea typeface="ＭＳ Ｐゴシック" pitchFamily="1" charset="-128"/>
+                <a:cs typeface="Consolas" pitchFamily="49" charset="0"/>
+              </a:rPr>
+              <a:t>,</a:t>
+            </a:r>
+          </a:p>
+          <a:p>
+            <a:r>
+              <a:rPr lang="en-US" sz="2000" dirty="0">
+                <a:solidFill>
+                  <a:schemeClr val="bg1"/>
+                </a:solidFill>
+                <a:latin typeface="Consolas" pitchFamily="49" charset="0"/>
+                <a:ea typeface="ＭＳ Ｐゴシック" pitchFamily="1" charset="-128"/>
+                <a:cs typeface="Consolas" pitchFamily="49" charset="0"/>
+              </a:rPr>
+              <a:t>  "</a:t>
+            </a:r>
+            <a:r>
+              <a:rPr lang="en-US" sz="2000" dirty="0" err="1">
+                <a:solidFill>
+                  <a:schemeClr val="bg1"/>
+                </a:solidFill>
+                <a:latin typeface="Consolas" pitchFamily="49" charset="0"/>
+                <a:ea typeface="ＭＳ Ｐゴシック" pitchFamily="1" charset="-128"/>
+                <a:cs typeface="Consolas" pitchFamily="49" charset="0"/>
+              </a:rPr>
+              <a:t>customerCategoryDescription</a:t>
+            </a:r>
+            <a:r>
+              <a:rPr lang="en-US" sz="2000" dirty="0">
+                <a:solidFill>
+                  <a:schemeClr val="bg1"/>
+                </a:solidFill>
+                <a:latin typeface="Consolas" pitchFamily="49" charset="0"/>
+                <a:ea typeface="ＭＳ Ｐゴシック" pitchFamily="1" charset="-128"/>
+                <a:cs typeface="Consolas" pitchFamily="49" charset="0"/>
+              </a:rPr>
+              <a:t>": </a:t>
+            </a:r>
+            <a:r>
+              <a:rPr lang="en-US" sz="2000" dirty="0">
+                <a:solidFill>
+                  <a:srgbClr val="00B0F0"/>
+                </a:solidFill>
+                <a:latin typeface="Consolas" pitchFamily="49" charset="0"/>
+                <a:ea typeface="ＭＳ Ｐゴシック" pitchFamily="1" charset="-128"/>
+                <a:cs typeface="Consolas" pitchFamily="49" charset="0"/>
+              </a:rPr>
+              <a:t>"</a:t>
+            </a:r>
+            <a:r>
+              <a:rPr lang="en-US" sz="2000" dirty="0" err="1">
+                <a:solidFill>
+                  <a:srgbClr val="00B0F0"/>
+                </a:solidFill>
+                <a:latin typeface="Consolas" pitchFamily="49" charset="0"/>
+                <a:ea typeface="ＭＳ Ｐゴシック" pitchFamily="1" charset="-128"/>
+                <a:cs typeface="Consolas" pitchFamily="49" charset="0"/>
+              </a:rPr>
+              <a:t>desc</a:t>
+            </a:r>
+            <a:r>
+              <a:rPr lang="en-US" sz="2000" dirty="0">
+                <a:solidFill>
+                  <a:srgbClr val="00B0F0"/>
+                </a:solidFill>
+                <a:latin typeface="Consolas" pitchFamily="49" charset="0"/>
+                <a:ea typeface="ＭＳ Ｐゴシック" pitchFamily="1" charset="-128"/>
+                <a:cs typeface="Consolas" pitchFamily="49" charset="0"/>
+              </a:rPr>
+              <a:t>"</a:t>
+            </a:r>
+            <a:r>
+              <a:rPr lang="en-US" sz="2000" dirty="0">
+                <a:solidFill>
+                  <a:schemeClr val="bg1"/>
+                </a:solidFill>
+                <a:latin typeface="Consolas" pitchFamily="49" charset="0"/>
+                <a:ea typeface="ＭＳ Ｐゴシック" pitchFamily="1" charset="-128"/>
+                <a:cs typeface="Consolas" pitchFamily="49" charset="0"/>
+              </a:rPr>
+              <a:t>,</a:t>
+            </a:r>
+          </a:p>
+          <a:p>
+            <a:r>
+              <a:rPr lang="en-US" sz="2000" dirty="0">
+                <a:solidFill>
+                  <a:schemeClr val="bg1"/>
+                </a:solidFill>
+                <a:latin typeface="Consolas" pitchFamily="49" charset="0"/>
+                <a:ea typeface="ＭＳ Ｐゴシック" pitchFamily="1" charset="-128"/>
+                <a:cs typeface="Consolas" pitchFamily="49" charset="0"/>
+              </a:rPr>
+              <a:t>  "products": [</a:t>
+            </a:r>
+          </a:p>
+          <a:p>
+            <a:r>
+              <a:rPr lang="en-US" sz="2000" dirty="0">
+                <a:solidFill>
+                  <a:schemeClr val="bg1"/>
+                </a:solidFill>
+                <a:latin typeface="Consolas" pitchFamily="49" charset="0"/>
+                <a:ea typeface="ＭＳ Ｐゴシック" pitchFamily="1" charset="-128"/>
+                <a:cs typeface="Consolas" pitchFamily="49" charset="0"/>
+              </a:rPr>
+              <a:t>    {</a:t>
+            </a:r>
+          </a:p>
+          <a:p>
+            <a:r>
+              <a:rPr lang="en-US" sz="2000" dirty="0">
+                <a:solidFill>
+                  <a:schemeClr val="bg1"/>
+                </a:solidFill>
+                <a:latin typeface="Consolas" pitchFamily="49" charset="0"/>
+                <a:ea typeface="ＭＳ Ｐゴシック" pitchFamily="1" charset="-128"/>
+                <a:cs typeface="Consolas" pitchFamily="49" charset="0"/>
+              </a:rPr>
+              <a:t>      "id": </a:t>
+            </a:r>
+            <a:r>
+              <a:rPr lang="en-US" sz="2000" dirty="0">
+                <a:solidFill>
+                  <a:srgbClr val="00B0F0"/>
+                </a:solidFill>
+                <a:latin typeface="Consolas" pitchFamily="49" charset="0"/>
+                <a:ea typeface="ＭＳ Ｐゴシック" pitchFamily="1" charset="-128"/>
+                <a:cs typeface="Consolas" pitchFamily="49" charset="0"/>
+              </a:rPr>
+              <a:t>1222</a:t>
+            </a:r>
+            <a:r>
+              <a:rPr lang="en-US" sz="2000" dirty="0">
+                <a:solidFill>
+                  <a:schemeClr val="bg1"/>
+                </a:solidFill>
+                <a:latin typeface="Consolas" pitchFamily="49" charset="0"/>
+                <a:ea typeface="ＭＳ Ｐゴシック" pitchFamily="1" charset="-128"/>
+                <a:cs typeface="Consolas" pitchFamily="49" charset="0"/>
+              </a:rPr>
+              <a:t>,</a:t>
+            </a:r>
+          </a:p>
+          <a:p>
+            <a:r>
+              <a:rPr lang="en-US" sz="2000" dirty="0">
+                <a:solidFill>
+                  <a:schemeClr val="bg1"/>
+                </a:solidFill>
+                <a:latin typeface="Consolas" pitchFamily="49" charset="0"/>
+                <a:ea typeface="ＭＳ Ｐゴシック" pitchFamily="1" charset="-128"/>
+                <a:cs typeface="Consolas" pitchFamily="49" charset="0"/>
+              </a:rPr>
+              <a:t>      "name": </a:t>
+            </a:r>
+            <a:r>
+              <a:rPr lang="en-US" sz="2000" dirty="0">
+                <a:solidFill>
+                  <a:srgbClr val="00B0F0"/>
+                </a:solidFill>
+                <a:latin typeface="Consolas" pitchFamily="49" charset="0"/>
+                <a:ea typeface="ＭＳ Ｐゴシック" pitchFamily="1" charset="-128"/>
+                <a:cs typeface="Consolas" pitchFamily="49" charset="0"/>
+              </a:rPr>
+              <a:t>"product"</a:t>
+            </a:r>
+            <a:r>
+              <a:rPr lang="en-US" sz="2000" dirty="0">
+                <a:solidFill>
+                  <a:schemeClr val="bg1"/>
+                </a:solidFill>
+                <a:latin typeface="Consolas" pitchFamily="49" charset="0"/>
+                <a:ea typeface="ＭＳ Ｐゴシック" pitchFamily="1" charset="-128"/>
+                <a:cs typeface="Consolas" pitchFamily="49" charset="0"/>
+              </a:rPr>
+              <a:t>,</a:t>
+            </a:r>
+          </a:p>
+          <a:p>
+            <a:r>
+              <a:rPr lang="en-US" sz="2000" dirty="0">
+                <a:solidFill>
+                  <a:schemeClr val="bg1"/>
+                </a:solidFill>
+                <a:latin typeface="Consolas" pitchFamily="49" charset="0"/>
+                <a:ea typeface="ＭＳ Ｐゴシック" pitchFamily="1" charset="-128"/>
+                <a:cs typeface="Consolas" pitchFamily="49" charset="0"/>
+              </a:rPr>
+              <a:t>      "category": </a:t>
+            </a:r>
+            <a:r>
+              <a:rPr lang="en-US" sz="2000" dirty="0">
+                <a:solidFill>
+                  <a:srgbClr val="00B0F0"/>
+                </a:solidFill>
+                <a:latin typeface="Consolas" pitchFamily="49" charset="0"/>
+                <a:ea typeface="ＭＳ Ｐゴシック" pitchFamily="1" charset="-128"/>
+                <a:cs typeface="Consolas" pitchFamily="49" charset="0"/>
+              </a:rPr>
+              <a:t>"product category"</a:t>
+            </a:r>
+            <a:r>
+              <a:rPr lang="en-US" sz="2000" dirty="0">
+                <a:solidFill>
+                  <a:schemeClr val="bg1"/>
+                </a:solidFill>
+                <a:latin typeface="Consolas" pitchFamily="49" charset="0"/>
+                <a:ea typeface="ＭＳ Ｐゴシック" pitchFamily="1" charset="-128"/>
+                <a:cs typeface="Consolas" pitchFamily="49" charset="0"/>
+              </a:rPr>
+              <a:t>,</a:t>
+            </a:r>
+          </a:p>
+          <a:p>
+            <a:r>
+              <a:rPr lang="en-US" sz="2000" dirty="0">
+                <a:solidFill>
+                  <a:schemeClr val="bg1"/>
+                </a:solidFill>
+                <a:latin typeface="Consolas" pitchFamily="49" charset="0"/>
+                <a:ea typeface="ＭＳ Ｐゴシック" pitchFamily="1" charset="-128"/>
+                <a:cs typeface="Consolas" pitchFamily="49" charset="0"/>
+              </a:rPr>
+              <a:t>      "bought": </a:t>
+            </a:r>
+            <a:r>
+              <a:rPr lang="en-US" sz="2000" dirty="0">
+                <a:solidFill>
+                  <a:srgbClr val="00B0F0"/>
+                </a:solidFill>
+                <a:latin typeface="Consolas" pitchFamily="49" charset="0"/>
+                <a:ea typeface="ＭＳ Ｐゴシック" pitchFamily="1" charset="-128"/>
+                <a:cs typeface="Consolas" pitchFamily="49" charset="0"/>
+              </a:rPr>
+              <a:t>true</a:t>
+            </a:r>
+            <a:r>
+              <a:rPr lang="en-US" sz="2000" dirty="0">
+                <a:solidFill>
+                  <a:schemeClr val="bg1"/>
+                </a:solidFill>
+                <a:latin typeface="Consolas" pitchFamily="49" charset="0"/>
+                <a:ea typeface="ＭＳ Ｐゴシック" pitchFamily="1" charset="-128"/>
+                <a:cs typeface="Consolas" pitchFamily="49" charset="0"/>
+              </a:rPr>
+              <a:t>,</a:t>
+            </a:r>
+          </a:p>
+          <a:p>
+            <a:r>
+              <a:rPr lang="en-US" sz="2000" dirty="0">
+                <a:solidFill>
+                  <a:schemeClr val="bg1"/>
+                </a:solidFill>
+                <a:latin typeface="Consolas" pitchFamily="49" charset="0"/>
+                <a:ea typeface="ＭＳ Ｐゴシック" pitchFamily="1" charset="-128"/>
+                <a:cs typeface="Consolas" pitchFamily="49" charset="0"/>
+              </a:rPr>
+              <a:t>      "price": </a:t>
+            </a:r>
+            <a:r>
+              <a:rPr lang="en-US" sz="2000" dirty="0">
+                <a:solidFill>
+                  <a:srgbClr val="00B0F0"/>
+                </a:solidFill>
+                <a:latin typeface="Consolas" pitchFamily="49" charset="0"/>
+                <a:ea typeface="ＭＳ Ｐゴシック" pitchFamily="1" charset="-128"/>
+                <a:cs typeface="Consolas" pitchFamily="49" charset="0"/>
+              </a:rPr>
+              <a:t>57990.0</a:t>
+            </a:r>
+          </a:p>
+          <a:p>
+            <a:r>
+              <a:rPr lang="en-US" sz="2000" dirty="0">
+                <a:solidFill>
+                  <a:schemeClr val="bg1"/>
+                </a:solidFill>
+                <a:latin typeface="Consolas" pitchFamily="49" charset="0"/>
+                <a:ea typeface="ＭＳ Ｐゴシック" pitchFamily="1" charset="-128"/>
+                <a:cs typeface="Consolas" pitchFamily="49" charset="0"/>
+              </a:rPr>
+              <a:t>    }</a:t>
+            </a:r>
+          </a:p>
+          <a:p>
+            <a:r>
+              <a:rPr lang="en-US" sz="2000" dirty="0">
+                <a:solidFill>
+                  <a:schemeClr val="bg1"/>
+                </a:solidFill>
+                <a:latin typeface="Consolas" pitchFamily="49" charset="0"/>
+                <a:ea typeface="ＭＳ Ｐゴシック" pitchFamily="1" charset="-128"/>
+                <a:cs typeface="Consolas" pitchFamily="49" charset="0"/>
+              </a:rPr>
+              <a:t>  ]</a:t>
+            </a:r>
+          </a:p>
+          <a:p>
+            <a:r>
+              <a:rPr lang="en-US" sz="2000" dirty="0">
+                <a:solidFill>
+                  <a:schemeClr val="bg1"/>
+                </a:solidFill>
+                <a:latin typeface="Consolas" pitchFamily="49" charset="0"/>
+                <a:ea typeface="ＭＳ Ｐゴシック" pitchFamily="1" charset="-128"/>
+                <a:cs typeface="Consolas" pitchFamily="49" charset="0"/>
+              </a:rPr>
+              <a:t>}</a:t>
+            </a:r>
+          </a:p>
+        </p:txBody>
+      </p:sp>
+    </p:spTree>
+    <p:extLst>
+      <p:ext uri="{BB962C8B-B14F-4D97-AF65-F5344CB8AC3E}">
+        <p14:creationId xmlns:p14="http://schemas.microsoft.com/office/powerpoint/2010/main" val="318752334"/>
+      </p:ext>
+    </p:extLst>
+  </p:cSld>
+  <p:clrMapOvr>
+    <a:masterClrMapping/>
+  </p:clrMapOvr>
+  <p:transition>
+    <p:fade/>
+  </p:transition>
+  <p:timing>
+    <p:tnLst>
+      <p:par>
+        <p:cTn id="1" dur="indefinite" restart="never" nodeType="tmRoot"/>
+      </p:par>
+    </p:tnLst>
+  </p:timing>
+</p:sld>
+</file>
+
+<file path=ppt/slides/slide8.xml><?xml version="1.0" encoding="utf-8"?>
+<p:sld xmlns:a="http://schemas.openxmlformats.org/drawingml/2006/main" xmlns:r="http://schemas.openxmlformats.org/officeDocument/2006/relationships" xmlns:p="http://schemas.openxmlformats.org/presentationml/2006/main" showMasterSp="0">
+  <p:cSld>
+    <p:spTree>
+      <p:nvGrpSpPr>
+        <p:cNvPr id="1" name=""/>
+        <p:cNvGrpSpPr/>
+        <p:nvPr/>
+      </p:nvGrpSpPr>
+      <p:grpSpPr>
+        <a:xfrm>
+          <a:off x="0" y="0"/>
+          <a:ext cx="0" cy="0"/>
+          <a:chOff x="0" y="0"/>
+          <a:chExt cx="0" cy="0"/>
+        </a:xfrm>
+      </p:grpSpPr>
+      <p:sp>
+        <p:nvSpPr>
+          <p:cNvPr id="2" name="TextBox 1"/>
+          <p:cNvSpPr txBox="1"/>
+          <p:nvPr/>
+        </p:nvSpPr>
+        <p:spPr bwMode="auto">
+          <a:xfrm>
+            <a:off x="522164" y="828303"/>
+            <a:ext cx="9721080" cy="920422"/>
+          </a:xfrm>
+          <a:prstGeom prst="rect">
+            <a:avLst/>
+          </a:prstGeom>
+          <a:solidFill>
+            <a:schemeClr val="tx1"/>
+          </a:solidFill>
+          <a:ln>
+            <a:headEnd/>
+            <a:tailEnd/>
+          </a:ln>
+        </p:spPr>
+        <p:style>
+          <a:lnRef idx="2">
+            <a:schemeClr val="dk1">
+              <a:shade val="50000"/>
+            </a:schemeClr>
+          </a:lnRef>
+          <a:fillRef idx="1">
+            <a:schemeClr val="dk1"/>
+          </a:fillRef>
+          <a:effectRef idx="0">
+            <a:schemeClr val="dk1"/>
+          </a:effectRef>
+          <a:fontRef idx="minor">
+            <a:schemeClr val="lt1"/>
+          </a:fontRef>
+        </p:style>
+        <p:txBody>
+          <a:bodyPr wrap="square" lIns="180000" tIns="90000" bIns="90000" rtlCol="0">
+            <a:spAutoFit/>
+          </a:bodyPr>
+          <a:lstStyle/>
+          <a:p>
+            <a:r>
+              <a:rPr lang="en-US" sz="2400" dirty="0" smtClean="0">
+                <a:solidFill>
+                  <a:schemeClr val="bg1"/>
+                </a:solidFill>
+                <a:latin typeface="Consolas" pitchFamily="49" charset="0"/>
+                <a:ea typeface="ＭＳ Ｐゴシック" pitchFamily="1" charset="-128"/>
+                <a:cs typeface="Consolas" pitchFamily="49" charset="0"/>
+              </a:rPr>
+              <a:t>$ analysis criteria</a:t>
+            </a:r>
+          </a:p>
+          <a:p>
+            <a:r>
+              <a:rPr lang="en-US" sz="2400" dirty="0" smtClean="0">
+                <a:solidFill>
+                  <a:schemeClr val="bg1"/>
+                </a:solidFill>
+                <a:latin typeface="Consolas" pitchFamily="49" charset="0"/>
+                <a:ea typeface="ＭＳ Ｐゴシック" pitchFamily="1" charset="-128"/>
+                <a:cs typeface="Consolas" pitchFamily="49" charset="0"/>
+              </a:rPr>
+              <a:t>_</a:t>
+            </a:r>
+          </a:p>
+        </p:txBody>
+      </p:sp>
+    </p:spTree>
+    <p:extLst>
+      <p:ext uri="{BB962C8B-B14F-4D97-AF65-F5344CB8AC3E}">
+        <p14:creationId xmlns:p14="http://schemas.microsoft.com/office/powerpoint/2010/main" val="2018799268"/>
+      </p:ext>
+    </p:extLst>
+  </p:cSld>
+  <p:clrMapOvr>
+    <a:masterClrMapping/>
+  </p:clrMapOvr>
+  <p:transition>
+    <p:fade/>
+  </p:transition>
+  <p:timing>
+    <p:tnLst>
+      <p:par>
+        <p:cTn id="1" dur="indefinite" restart="never" nodeType="tmRoot"/>
+      </p:par>
+    </p:tnLst>
+  </p:timing>
+</p:sld>
+</file>
+
+<file path=ppt/slides/slide9.xml><?xml version="1.0" encoding="utf-8"?>
+<p:sld xmlns:a="http://schemas.openxmlformats.org/drawingml/2006/main" xmlns:r="http://schemas.openxmlformats.org/officeDocument/2006/relationships" xmlns:p="http://schemas.openxmlformats.org/presentationml/2006/main" showMasterSp="0">
+  <p:cSld>
+    <p:spTree>
+      <p:nvGrpSpPr>
+        <p:cNvPr id="1" name=""/>
+        <p:cNvGrpSpPr/>
+        <p:nvPr/>
+      </p:nvGrpSpPr>
+      <p:grpSpPr>
+        <a:xfrm>
+          <a:off x="0" y="0"/>
+          <a:ext cx="0" cy="0"/>
+          <a:chOff x="0" y="0"/>
+          <a:chExt cx="0" cy="0"/>
+        </a:xfrm>
+      </p:grpSpPr>
+      <p:sp>
+        <p:nvSpPr>
+          <p:cNvPr id="2" name="TextBox 1"/>
+          <p:cNvSpPr txBox="1"/>
+          <p:nvPr/>
+        </p:nvSpPr>
+        <p:spPr bwMode="auto">
+          <a:xfrm>
+            <a:off x="522164" y="828303"/>
+            <a:ext cx="9721080" cy="1289753"/>
+          </a:xfrm>
+          <a:prstGeom prst="rect">
+            <a:avLst/>
+          </a:prstGeom>
+          <a:solidFill>
+            <a:schemeClr val="tx1"/>
+          </a:solidFill>
+          <a:ln>
+            <a:headEnd/>
+            <a:tailEnd/>
+          </a:ln>
+        </p:spPr>
+        <p:style>
+          <a:lnRef idx="2">
+            <a:schemeClr val="dk1">
+              <a:shade val="50000"/>
+            </a:schemeClr>
+          </a:lnRef>
+          <a:fillRef idx="1">
+            <a:schemeClr val="dk1"/>
+          </a:fillRef>
+          <a:effectRef idx="0">
+            <a:schemeClr val="dk1"/>
+          </a:effectRef>
+          <a:fontRef idx="minor">
+            <a:schemeClr val="lt1"/>
+          </a:fontRef>
+        </p:style>
+        <p:txBody>
+          <a:bodyPr wrap="square" lIns="180000" tIns="90000" bIns="90000" rtlCol="0">
+            <a:spAutoFit/>
+          </a:bodyPr>
+          <a:lstStyle/>
           <a:p>
             <a:r>
               <a:rPr lang="en-US" sz="2400" dirty="0">
@@ -8250,29 +9845,18 @@
                 <a:ea typeface="ＭＳ Ｐゴシック" pitchFamily="1" charset="-128"/>
                 <a:cs typeface="Consolas" pitchFamily="49" charset="0"/>
               </a:rPr>
-              <a:t>origin  </a:t>
-            </a:r>
-            <a:r>
-              <a:rPr lang="en-US" sz="2400" dirty="0" err="1">
-                <a:solidFill>
-                  <a:schemeClr val="bg1"/>
-                </a:solidFill>
-                <a:latin typeface="Consolas" pitchFamily="49" charset="0"/>
-                <a:ea typeface="ＭＳ Ｐゴシック" pitchFamily="1" charset="-128"/>
-                <a:cs typeface="Consolas" pitchFamily="49" charset="0"/>
-              </a:rPr>
-              <a:t>git@github.com:dzamurovic</a:t>
-            </a:r>
-            <a:r>
-              <a:rPr lang="en-US" sz="2400" dirty="0">
-                <a:solidFill>
-                  <a:schemeClr val="bg1"/>
-                </a:solidFill>
-                <a:latin typeface="Consolas" pitchFamily="49" charset="0"/>
-                <a:ea typeface="ＭＳ Ｐゴシック" pitchFamily="1" charset="-128"/>
-                <a:cs typeface="Consolas" pitchFamily="49" charset="0"/>
-              </a:rPr>
-              <a:t>/coding-serbia-2014.git</a:t>
+              <a:t>$ </a:t>
+            </a:r>
+            <a:r>
+              <a:rPr lang="en-US" sz="2400" dirty="0" err="1" smtClean="0">
+                <a:solidFill>
+                  <a:schemeClr val="bg1"/>
+                </a:solidFill>
+                <a:latin typeface="Consolas" pitchFamily="49" charset="0"/>
+                <a:ea typeface="ＭＳ Ｐゴシック" pitchFamily="1" charset="-128"/>
+                <a:cs typeface="Consolas" pitchFamily="49" charset="0"/>
+              </a:rPr>
+              <a:t>analysis:readability_maintainability</a:t>
             </a:r>
             <a:endParaRPr lang="en-US" sz="2400" dirty="0" smtClean="0">
               <a:solidFill>
@@ -8284,6 +9868,39 @@
             </a:endParaRPr>
           </a:p>
           <a:p>
+            <a:r>
+              <a:rPr lang="en-US" sz="2400" dirty="0" err="1" smtClean="0">
+                <a:solidFill>
+                  <a:schemeClr val="bg1"/>
+                </a:solidFill>
+                <a:latin typeface="Consolas" pitchFamily="49" charset="0"/>
+                <a:ea typeface="ＭＳ Ｐゴシック" pitchFamily="1" charset="-128"/>
+                <a:cs typeface="Consolas" pitchFamily="49" charset="0"/>
+              </a:rPr>
+              <a:t>broj</a:t>
+            </a:r>
+            <a:r>
+              <a:rPr lang="en-US" sz="2400" dirty="0" smtClean="0">
+                <a:solidFill>
+                  <a:schemeClr val="bg1"/>
+                </a:solidFill>
+                <a:latin typeface="Consolas" pitchFamily="49" charset="0"/>
+                <a:ea typeface="ＭＳ Ｐゴシック" pitchFamily="1" charset="-128"/>
+                <a:cs typeface="Consolas" pitchFamily="49" charset="0"/>
+              </a:rPr>
+              <a:t> </a:t>
+            </a:r>
+            <a:r>
+              <a:rPr lang="en-US" sz="2400" dirty="0" err="1" smtClean="0">
+                <a:solidFill>
+                  <a:schemeClr val="bg1"/>
+                </a:solidFill>
+                <a:latin typeface="Consolas" pitchFamily="49" charset="0"/>
+                <a:ea typeface="ＭＳ Ｐゴシック" pitchFamily="1" charset="-128"/>
+                <a:cs typeface="Consolas" pitchFamily="49" charset="0"/>
+              </a:rPr>
+              <a:t>linija</a:t>
+            </a:r>
             <a:endParaRPr lang="en-US" sz="2400" dirty="0" smtClean="0">
               <a:solidFill>
                 <a:schemeClr val="bg1"/>
@@ -8294,60 +9911,64 @@
             </a:endParaRPr>
           </a:p>
           <a:p>
-            <a:pPr marL="0" indent="0">
-              <a:buFont typeface="Symbol" pitchFamily="18" charset="2"/>
-              <a:buNone/>
-            </a:pPr>
+            <a:r>
+              <a:rPr lang="en-US" sz="2400" dirty="0" err="1" smtClean="0">
+                <a:solidFill>
+                  <a:schemeClr val="bg1"/>
+                </a:solidFill>
+                <a:latin typeface="Consolas" pitchFamily="49" charset="0"/>
+                <a:ea typeface="ＭＳ Ｐゴシック" pitchFamily="1" charset="-128"/>
+                <a:cs typeface="Consolas" pitchFamily="49" charset="0"/>
+              </a:rPr>
+              <a:t>ceo</a:t>
+            </a:r>
             <a:r>
               <a:rPr lang="en-US" sz="2400" dirty="0" smtClean="0">
                 <a:solidFill>
-                  <a:srgbClr val="73AF3C"/>
-                </a:solidFill>
-                <a:latin typeface="Consolas" pitchFamily="49" charset="0"/>
-                <a:ea typeface="ＭＳ Ｐゴシック" pitchFamily="34" charset="-128"/>
-                <a:cs typeface="Consolas" pitchFamily="49" charset="0"/>
-              </a:rPr>
-              <a:t>@</a:t>
+                  <a:schemeClr val="bg1"/>
+                </a:solidFill>
+                <a:latin typeface="Consolas" pitchFamily="49" charset="0"/>
+                <a:ea typeface="ＭＳ Ｐゴシック" pitchFamily="1" charset="-128"/>
+                <a:cs typeface="Consolas" pitchFamily="49" charset="0"/>
+              </a:rPr>
+              <a:t> </a:t>
             </a:r>
             <a:r>
               <a:rPr lang="en-US" sz="2400" dirty="0" err="1" smtClean="0">
                 <a:solidFill>
-                  <a:srgbClr val="73AF3C"/>
-                </a:solidFill>
-                <a:latin typeface="Consolas" pitchFamily="49" charset="0"/>
-                <a:ea typeface="ＭＳ Ｐゴシック" pitchFamily="34" charset="-128"/>
-                <a:cs typeface="Consolas" pitchFamily="49" charset="0"/>
-              </a:rPr>
-              <a:t>CodingSerbia</a:t>
+                  <a:schemeClr val="bg1"/>
+                </a:solidFill>
+                <a:latin typeface="Consolas" pitchFamily="49" charset="0"/>
+                <a:ea typeface="ＭＳ Ｐゴシック" pitchFamily="1" charset="-128"/>
+                <a:cs typeface="Consolas" pitchFamily="49" charset="0"/>
+              </a:rPr>
+              <a:t>kod</a:t>
+            </a:r>
+            <a:r>
+              <a:rPr lang="en-US" sz="2400" dirty="0" smtClean="0">
+                <a:solidFill>
+                  <a:schemeClr val="bg1"/>
+                </a:solidFill>
+                <a:latin typeface="Consolas" pitchFamily="49" charset="0"/>
+                <a:ea typeface="ＭＳ Ｐゴシック" pitchFamily="1" charset="-128"/>
+                <a:cs typeface="Consolas" pitchFamily="49" charset="0"/>
+              </a:rPr>
+              <a:t>, </a:t>
+            </a:r>
+            <a:r>
+              <a:rPr lang="en-US" sz="2400" dirty="0" err="1" smtClean="0">
+                <a:solidFill>
+                  <a:schemeClr val="bg1"/>
+                </a:solidFill>
+                <a:latin typeface="Consolas" pitchFamily="49" charset="0"/>
+                <a:ea typeface="ＭＳ Ｐゴシック" pitchFamily="1" charset="-128"/>
+                <a:cs typeface="Consolas" pitchFamily="49" charset="0"/>
+              </a:rPr>
+              <a:t>ilustrativno</a:t>
             </a:r>
             <a:endParaRPr lang="en-US" sz="2400" dirty="0" smtClean="0">
               <a:solidFill>
-                <a:srgbClr val="73AF3C"/>
-              </a:solidFill>
-              <a:latin typeface="Consolas" pitchFamily="49" charset="0"/>
-              <a:ea typeface="ＭＳ Ｐゴシック" pitchFamily="34" charset="-128"/>
-              <a:cs typeface="Consolas" pitchFamily="49" charset="0"/>
-            </a:endParaRPr>
-          </a:p>
-          <a:p>
-            <a:pPr marL="0" indent="0">
-              <a:buFont typeface="Symbol" pitchFamily="18" charset="2"/>
-              <a:buNone/>
-            </a:pPr>
-            <a:r>
-              <a:rPr lang="en-US" sz="2400" dirty="0" smtClean="0">
-                <a:solidFill>
-                  <a:srgbClr val="73AF3C"/>
-                </a:solidFill>
-                <a:latin typeface="Consolas" pitchFamily="49" charset="0"/>
-                <a:ea typeface="ＭＳ Ｐゴシック" pitchFamily="34" charset="-128"/>
-                <a:cs typeface="Consolas" pitchFamily="49" charset="0"/>
-              </a:rPr>
-              <a:t>www.meetup.com/Coding-Serbia</a:t>
-            </a:r>
-            <a:endParaRPr lang="en-US" sz="2400" dirty="0" smtClean="0">
-              <a:solidFill>
-                <a:srgbClr val="73AF3C"/>
+                <a:schemeClr val="bg1"/>
               </a:solidFill>
               <a:latin typeface="Consolas" pitchFamily="49" charset="0"/>
               <a:ea typeface="ＭＳ Ｐゴシック" pitchFamily="1" charset="-128"/>
@@ -8359,7 +9980,7 @@
     </p:spTree>
     <p:extLst>
       <p:ext uri="{BB962C8B-B14F-4D97-AF65-F5344CB8AC3E}">
-        <p14:creationId xmlns:p14="http://schemas.microsoft.com/office/powerpoint/2010/main" val="1749016554"/>
+        <p14:creationId xmlns:p14="http://schemas.microsoft.com/office/powerpoint/2010/main" val="3603679014"/>
       </p:ext>
     </p:extLst>
   </p:cSld>

--- a/coding-serbia.pptx
+++ b/coding-serbia.pptx
@@ -5,10 +5,10 @@
     <p:sldMasterId id="2147483648" r:id="rId1"/>
   </p:sldMasterIdLst>
   <p:notesMasterIdLst>
-    <p:notesMasterId r:id="rId16"/>
+    <p:notesMasterId r:id="rId17"/>
   </p:notesMasterIdLst>
   <p:handoutMasterIdLst>
-    <p:handoutMasterId r:id="rId17"/>
+    <p:handoutMasterId r:id="rId18"/>
   </p:handoutMasterIdLst>
   <p:sldIdLst>
     <p:sldId id="379" r:id="rId2"/>
@@ -20,11 +20,12 @@
     <p:sldId id="387" r:id="rId8"/>
     <p:sldId id="388" r:id="rId9"/>
     <p:sldId id="390" r:id="rId10"/>
-    <p:sldId id="391" r:id="rId11"/>
-    <p:sldId id="394" r:id="rId12"/>
-    <p:sldId id="392" r:id="rId13"/>
-    <p:sldId id="393" r:id="rId14"/>
-    <p:sldId id="382" r:id="rId15"/>
+    <p:sldId id="395" r:id="rId11"/>
+    <p:sldId id="391" r:id="rId12"/>
+    <p:sldId id="394" r:id="rId13"/>
+    <p:sldId id="392" r:id="rId14"/>
+    <p:sldId id="393" r:id="rId15"/>
+    <p:sldId id="382" r:id="rId16"/>
   </p:sldIdLst>
   <p:sldSz cx="10693400" cy="7561263"/>
   <p:notesSz cx="6797675" cy="9926638"/>
@@ -501,11 +502,11 @@
         </c:dLbls>
         <c:marker val="1"/>
         <c:smooth val="0"/>
-        <c:axId val="116039040"/>
-        <c:axId val="116053120"/>
+        <c:axId val="92052096"/>
+        <c:axId val="92070272"/>
       </c:lineChart>
       <c:catAx>
-        <c:axId val="116039040"/>
+        <c:axId val="92052096"/>
         <c:scaling>
           <c:orientation val="minMax"/>
         </c:scaling>
@@ -528,7 +529,7 @@
             <a:endParaRPr lang="en-US"/>
           </a:p>
         </c:txPr>
-        <c:crossAx val="116053120"/>
+        <c:crossAx val="92070272"/>
         <c:crosses val="autoZero"/>
         <c:auto val="1"/>
         <c:lblAlgn val="ctr"/>
@@ -536,7 +537,7 @@
         <c:noMultiLvlLbl val="0"/>
       </c:catAx>
       <c:valAx>
-        <c:axId val="116053120"/>
+        <c:axId val="92070272"/>
         <c:scaling>
           <c:orientation val="minMax"/>
         </c:scaling>
@@ -561,7 +562,7 @@
             <a:endParaRPr lang="en-US"/>
           </a:p>
         </c:txPr>
-        <c:crossAx val="116039040"/>
+        <c:crossAx val="92052096"/>
         <c:crosses val="autoZero"/>
         <c:crossBetween val="between"/>
       </c:valAx>
@@ -1077,11 +1078,11 @@
         </c:dLbls>
         <c:marker val="1"/>
         <c:smooth val="0"/>
-        <c:axId val="117811072"/>
-        <c:axId val="117812608"/>
+        <c:axId val="94544640"/>
+        <c:axId val="94546176"/>
       </c:lineChart>
       <c:catAx>
-        <c:axId val="117811072"/>
+        <c:axId val="94544640"/>
         <c:scaling>
           <c:orientation val="minMax"/>
         </c:scaling>
@@ -1104,7 +1105,7 @@
             <a:endParaRPr lang="en-US"/>
           </a:p>
         </c:txPr>
-        <c:crossAx val="117812608"/>
+        <c:crossAx val="94546176"/>
         <c:crosses val="autoZero"/>
         <c:auto val="1"/>
         <c:lblAlgn val="ctr"/>
@@ -1112,7 +1113,7 @@
         <c:noMultiLvlLbl val="0"/>
       </c:catAx>
       <c:valAx>
-        <c:axId val="117812608"/>
+        <c:axId val="94546176"/>
         <c:scaling>
           <c:orientation val="minMax"/>
         </c:scaling>
@@ -1137,7 +1138,7 @@
             <a:endParaRPr lang="en-US"/>
           </a:p>
         </c:txPr>
-        <c:crossAx val="117811072"/>
+        <c:crossAx val="94544640"/>
         <c:crosses val="autoZero"/>
         <c:crossBetween val="between"/>
       </c:valAx>
@@ -6574,7 +6575,7 @@
         <p:spPr bwMode="auto">
           <a:xfrm>
             <a:off x="522164" y="828303"/>
-            <a:ext cx="9721080" cy="920422"/>
+            <a:ext cx="9721080" cy="3505745"/>
           </a:xfrm>
           <a:prstGeom prst="rect">
             <a:avLst/>
@@ -6641,6 +6642,201 @@
             </a:endParaRPr>
           </a:p>
           <a:p>
+            <a:r>
+              <a:rPr lang="en-US" sz="2400" dirty="0" smtClean="0">
+                <a:solidFill>
+                  <a:schemeClr val="bg1"/>
+                </a:solidFill>
+                <a:latin typeface="Consolas" pitchFamily="49" charset="0"/>
+                <a:ea typeface="ＭＳ Ｐゴシック" pitchFamily="1" charset="-128"/>
+                <a:cs typeface="Consolas" pitchFamily="49" charset="0"/>
+              </a:rPr>
+              <a:t>cloudera-quickstart-vm-5.1.0 64-bit</a:t>
+            </a:r>
+            <a:endParaRPr lang="en-US" sz="2400" dirty="0">
+              <a:solidFill>
+                <a:schemeClr val="bg1"/>
+              </a:solidFill>
+              <a:latin typeface="Consolas" pitchFamily="49" charset="0"/>
+              <a:ea typeface="ＭＳ Ｐゴシック" pitchFamily="1" charset="-128"/>
+              <a:cs typeface="Consolas" pitchFamily="49" charset="0"/>
+            </a:endParaRPr>
+          </a:p>
+          <a:p>
+            <a:r>
+              <a:rPr lang="en-US" sz="2400" dirty="0" smtClean="0">
+                <a:solidFill>
+                  <a:schemeClr val="bg1"/>
+                </a:solidFill>
+                <a:latin typeface="Consolas" pitchFamily="49" charset="0"/>
+                <a:ea typeface="ＭＳ Ｐゴシック" pitchFamily="1" charset="-128"/>
+                <a:cs typeface="Consolas" pitchFamily="49" charset="0"/>
+              </a:rPr>
+              <a:t>Intel i5 CPU @ 2.60GHz</a:t>
+            </a:r>
+          </a:p>
+          <a:p>
+            <a:r>
+              <a:rPr lang="en-US" sz="2400" dirty="0" smtClean="0">
+                <a:solidFill>
+                  <a:schemeClr val="bg1"/>
+                </a:solidFill>
+                <a:latin typeface="Consolas" pitchFamily="49" charset="0"/>
+                <a:ea typeface="ＭＳ Ｐゴシック" pitchFamily="1" charset="-128"/>
+                <a:cs typeface="Consolas" pitchFamily="49" charset="0"/>
+              </a:rPr>
+              <a:t>16 GB RAM (12 GM RAM for VM)</a:t>
+            </a:r>
+          </a:p>
+          <a:p>
+            <a:endParaRPr lang="en-US" sz="2400" dirty="0">
+              <a:solidFill>
+                <a:schemeClr val="bg1"/>
+              </a:solidFill>
+              <a:latin typeface="Consolas" pitchFamily="49" charset="0"/>
+              <a:ea typeface="ＭＳ Ｐゴシック" pitchFamily="1" charset="-128"/>
+              <a:cs typeface="Consolas" pitchFamily="49" charset="0"/>
+            </a:endParaRPr>
+          </a:p>
+          <a:p>
+            <a:r>
+              <a:rPr lang="en-US" sz="2400" dirty="0" smtClean="0">
+                <a:solidFill>
+                  <a:schemeClr val="bg1"/>
+                </a:solidFill>
+                <a:latin typeface="Consolas" pitchFamily="49" charset="0"/>
+                <a:ea typeface="ＭＳ Ｐゴシック" pitchFamily="1" charset="-128"/>
+                <a:cs typeface="Consolas" pitchFamily="49" charset="0"/>
+              </a:rPr>
+              <a:t>Small: 150000 </a:t>
+            </a:r>
+            <a:r>
+              <a:rPr lang="en-US" sz="2400" dirty="0" err="1" smtClean="0">
+                <a:solidFill>
+                  <a:schemeClr val="bg1"/>
+                </a:solidFill>
+                <a:latin typeface="Consolas" pitchFamily="49" charset="0"/>
+                <a:ea typeface="ＭＳ Ｐゴシック" pitchFamily="1" charset="-128"/>
+                <a:cs typeface="Consolas" pitchFamily="49" charset="0"/>
+              </a:rPr>
+              <a:t>json</a:t>
+            </a:r>
+            <a:r>
+              <a:rPr lang="en-US" sz="2400" dirty="0" smtClean="0">
+                <a:solidFill>
+                  <a:schemeClr val="bg1"/>
+                </a:solidFill>
+                <a:latin typeface="Consolas" pitchFamily="49" charset="0"/>
+                <a:ea typeface="ＭＳ Ｐゴシック" pitchFamily="1" charset="-128"/>
+                <a:cs typeface="Consolas" pitchFamily="49" charset="0"/>
+              </a:rPr>
+              <a:t> records ~ 103MB</a:t>
+            </a:r>
+          </a:p>
+          <a:p>
+            <a:r>
+              <a:rPr lang="en-US" sz="2400" dirty="0" smtClean="0">
+                <a:solidFill>
+                  <a:schemeClr val="bg1"/>
+                </a:solidFill>
+                <a:latin typeface="Consolas" pitchFamily="49" charset="0"/>
+                <a:ea typeface="ＭＳ Ｐゴシック" pitchFamily="1" charset="-128"/>
+                <a:cs typeface="Consolas" pitchFamily="49" charset="0"/>
+              </a:rPr>
+              <a:t>Medium: 750000 </a:t>
+            </a:r>
+            <a:r>
+              <a:rPr lang="en-US" sz="2400" dirty="0" err="1" smtClean="0">
+                <a:solidFill>
+                  <a:schemeClr val="bg1"/>
+                </a:solidFill>
+                <a:latin typeface="Consolas" pitchFamily="49" charset="0"/>
+                <a:ea typeface="ＭＳ Ｐゴシック" pitchFamily="1" charset="-128"/>
+                <a:cs typeface="Consolas" pitchFamily="49" charset="0"/>
+              </a:rPr>
+              <a:t>json</a:t>
+            </a:r>
+            <a:r>
+              <a:rPr lang="en-US" sz="2400" dirty="0" smtClean="0">
+                <a:solidFill>
+                  <a:schemeClr val="bg1"/>
+                </a:solidFill>
+                <a:latin typeface="Consolas" pitchFamily="49" charset="0"/>
+                <a:ea typeface="ＭＳ Ｐゴシック" pitchFamily="1" charset="-128"/>
+                <a:cs typeface="Consolas" pitchFamily="49" charset="0"/>
+              </a:rPr>
+              <a:t> records ~ 517MB</a:t>
+            </a:r>
+          </a:p>
+          <a:p>
+            <a:r>
+              <a:rPr lang="en-US" sz="2400" dirty="0" smtClean="0">
+                <a:solidFill>
+                  <a:schemeClr val="bg1"/>
+                </a:solidFill>
+                <a:latin typeface="Consolas" pitchFamily="49" charset="0"/>
+                <a:ea typeface="ＭＳ Ｐゴシック" pitchFamily="1" charset="-128"/>
+                <a:cs typeface="Consolas" pitchFamily="49" charset="0"/>
+              </a:rPr>
+              <a:t>Large: 1500000 </a:t>
+            </a:r>
+            <a:r>
+              <a:rPr lang="en-US" sz="2400" dirty="0" err="1" smtClean="0">
+                <a:solidFill>
+                  <a:schemeClr val="bg1"/>
+                </a:solidFill>
+                <a:latin typeface="Consolas" pitchFamily="49" charset="0"/>
+                <a:ea typeface="ＭＳ Ｐゴシック" pitchFamily="1" charset="-128"/>
+                <a:cs typeface="Consolas" pitchFamily="49" charset="0"/>
+              </a:rPr>
+              <a:t>json</a:t>
+            </a:r>
+            <a:r>
+              <a:rPr lang="en-US" sz="2400" dirty="0" smtClean="0">
+                <a:solidFill>
+                  <a:schemeClr val="bg1"/>
+                </a:solidFill>
+                <a:latin typeface="Consolas" pitchFamily="49" charset="0"/>
+                <a:ea typeface="ＭＳ Ｐゴシック" pitchFamily="1" charset="-128"/>
+                <a:cs typeface="Consolas" pitchFamily="49" charset="0"/>
+              </a:rPr>
+              <a:t> records ~ 1GB</a:t>
+            </a:r>
+          </a:p>
+          <a:p>
+            <a:r>
+              <a:rPr lang="en-US" sz="2400" dirty="0" smtClean="0">
+                <a:solidFill>
+                  <a:schemeClr val="bg1"/>
+                </a:solidFill>
+                <a:latin typeface="Consolas" pitchFamily="49" charset="0"/>
+                <a:ea typeface="ＭＳ Ｐゴシック" pitchFamily="1" charset="-128"/>
+                <a:cs typeface="Consolas" pitchFamily="49" charset="0"/>
+              </a:rPr>
+              <a:t>X-large: 2250000 </a:t>
+            </a:r>
+            <a:r>
+              <a:rPr lang="en-US" sz="2400" dirty="0" err="1" smtClean="0">
+                <a:solidFill>
+                  <a:schemeClr val="bg1"/>
+                </a:solidFill>
+                <a:latin typeface="Consolas" pitchFamily="49" charset="0"/>
+                <a:ea typeface="ＭＳ Ｐゴシック" pitchFamily="1" charset="-128"/>
+                <a:cs typeface="Consolas" pitchFamily="49" charset="0"/>
+              </a:rPr>
+              <a:t>json</a:t>
+            </a:r>
+            <a:r>
+              <a:rPr lang="en-US" sz="2400" dirty="0" smtClean="0">
+                <a:solidFill>
+                  <a:schemeClr val="bg1"/>
+                </a:solidFill>
+                <a:latin typeface="Consolas" pitchFamily="49" charset="0"/>
+                <a:ea typeface="ＭＳ Ｐゴシック" pitchFamily="1" charset="-128"/>
+                <a:cs typeface="Consolas" pitchFamily="49" charset="0"/>
+              </a:rPr>
+              <a:t> records ~ 1.5GB</a:t>
+            </a:r>
             <a:endParaRPr lang="en-US" sz="2400" dirty="0" smtClean="0">
               <a:solidFill>
                 <a:schemeClr val="bg1"/>
@@ -6652,34 +6848,10 @@
           </a:p>
         </p:txBody>
       </p:sp>
-      <p:graphicFrame>
-        <p:nvGraphicFramePr>
-          <p:cNvPr id="4" name="Chart 3"/>
-          <p:cNvGraphicFramePr>
-            <a:graphicFrameLocks/>
-          </p:cNvGraphicFramePr>
-          <p:nvPr>
-            <p:extLst>
-              <p:ext uri="{D42A27DB-BD31-4B8C-83A1-F6EECF244321}">
-                <p14:modId xmlns:p14="http://schemas.microsoft.com/office/powerpoint/2010/main" val="2777780596"/>
-              </p:ext>
-            </p:extLst>
-          </p:nvPr>
-        </p:nvGraphicFramePr>
-        <p:xfrm>
-          <a:off x="378148" y="1735137"/>
-          <a:ext cx="10009111" cy="5213846"/>
-        </p:xfrm>
-        <a:graphic>
-          <a:graphicData uri="http://schemas.openxmlformats.org/drawingml/2006/chart">
-            <c:chart xmlns:c="http://schemas.openxmlformats.org/drawingml/2006/chart" xmlns:r="http://schemas.openxmlformats.org/officeDocument/2006/relationships" r:id="rId2"/>
-          </a:graphicData>
-        </a:graphic>
-      </p:graphicFrame>
     </p:spTree>
     <p:extLst>
       <p:ext uri="{BB962C8B-B14F-4D97-AF65-F5344CB8AC3E}">
-        <p14:creationId xmlns:p14="http://schemas.microsoft.com/office/powerpoint/2010/main" val="2200436902"/>
+        <p14:creationId xmlns:p14="http://schemas.microsoft.com/office/powerpoint/2010/main" val="1211020721"/>
       </p:ext>
     </p:extLst>
   </p:cSld>
@@ -6805,21 +6977,21 @@
       </p:sp>
       <p:graphicFrame>
         <p:nvGraphicFramePr>
-          <p:cNvPr id="5" name="Chart 4" title="Maps / Reduces"/>
+          <p:cNvPr id="4" name="Chart 3"/>
           <p:cNvGraphicFramePr>
             <a:graphicFrameLocks/>
           </p:cNvGraphicFramePr>
           <p:nvPr>
             <p:extLst>
               <p:ext uri="{D42A27DB-BD31-4B8C-83A1-F6EECF244321}">
-                <p14:modId xmlns:p14="http://schemas.microsoft.com/office/powerpoint/2010/main" val="988493805"/>
+                <p14:modId xmlns:p14="http://schemas.microsoft.com/office/powerpoint/2010/main" val="2777780596"/>
               </p:ext>
             </p:extLst>
           </p:nvPr>
         </p:nvGraphicFramePr>
         <p:xfrm>
-          <a:off x="378148" y="1692399"/>
-          <a:ext cx="10009112" cy="5472608"/>
+          <a:off x="378148" y="1735137"/>
+          <a:ext cx="10009111" cy="5213846"/>
         </p:xfrm>
         <a:graphic>
           <a:graphicData uri="http://schemas.openxmlformats.org/drawingml/2006/chart">
@@ -6830,7 +7002,7 @@
     </p:spTree>
     <p:extLst>
       <p:ext uri="{BB962C8B-B14F-4D97-AF65-F5344CB8AC3E}">
-        <p14:creationId xmlns:p14="http://schemas.microsoft.com/office/powerpoint/2010/main" val="4047666544"/>
+        <p14:creationId xmlns:p14="http://schemas.microsoft.com/office/powerpoint/2010/main" val="2200436902"/>
       </p:ext>
     </p:extLst>
   </p:cSld>
@@ -6876,7 +7048,7 @@
         <p:spPr bwMode="auto">
           <a:xfrm>
             <a:off x="522164" y="828303"/>
-            <a:ext cx="9721080" cy="551090"/>
+            <a:ext cx="9721080" cy="920422"/>
           </a:xfrm>
           <a:prstGeom prst="rect">
             <a:avLst/>
@@ -6931,7 +7103,7 @@
                 <a:ea typeface="ＭＳ Ｐゴシック" pitchFamily="1" charset="-128"/>
                 <a:cs typeface="Consolas" pitchFamily="49" charset="0"/>
               </a:rPr>
-              <a:t>analysis:language_support</a:t>
+              <a:t>analysis:performance</a:t>
             </a:r>
             <a:endParaRPr lang="en-US" sz="2400" dirty="0" smtClean="0">
               <a:solidFill>
@@ -6942,12 +7114,46 @@
               <a:cs typeface="Consolas" pitchFamily="49" charset="0"/>
             </a:endParaRPr>
           </a:p>
+          <a:p>
+            <a:endParaRPr lang="en-US" sz="2400" dirty="0" smtClean="0">
+              <a:solidFill>
+                <a:schemeClr val="bg1"/>
+              </a:solidFill>
+              <a:latin typeface="Consolas" pitchFamily="49" charset="0"/>
+              <a:ea typeface="ＭＳ Ｐゴシック" pitchFamily="1" charset="-128"/>
+              <a:cs typeface="Consolas" pitchFamily="49" charset="0"/>
+            </a:endParaRPr>
+          </a:p>
         </p:txBody>
       </p:sp>
+      <p:graphicFrame>
+        <p:nvGraphicFramePr>
+          <p:cNvPr id="5" name="Chart 4" title="Maps / Reduces"/>
+          <p:cNvGraphicFramePr>
+            <a:graphicFrameLocks/>
+          </p:cNvGraphicFramePr>
+          <p:nvPr>
+            <p:extLst>
+              <p:ext uri="{D42A27DB-BD31-4B8C-83A1-F6EECF244321}">
+                <p14:modId xmlns:p14="http://schemas.microsoft.com/office/powerpoint/2010/main" val="988493805"/>
+              </p:ext>
+            </p:extLst>
+          </p:nvPr>
+        </p:nvGraphicFramePr>
+        <p:xfrm>
+          <a:off x="378148" y="1692399"/>
+          <a:ext cx="10009112" cy="5472608"/>
+        </p:xfrm>
+        <a:graphic>
+          <a:graphicData uri="http://schemas.openxmlformats.org/drawingml/2006/chart">
+            <c:chart xmlns:c="http://schemas.openxmlformats.org/drawingml/2006/chart" xmlns:r="http://schemas.openxmlformats.org/officeDocument/2006/relationships" r:id="rId2"/>
+          </a:graphicData>
+        </a:graphic>
+      </p:graphicFrame>
     </p:spTree>
     <p:extLst>
       <p:ext uri="{BB962C8B-B14F-4D97-AF65-F5344CB8AC3E}">
-        <p14:creationId xmlns:p14="http://schemas.microsoft.com/office/powerpoint/2010/main" val="2888912887"/>
+        <p14:creationId xmlns:p14="http://schemas.microsoft.com/office/powerpoint/2010/main" val="4047666544"/>
       </p:ext>
     </p:extLst>
   </p:cSld>
@@ -7048,6 +7254,123 @@
                 <a:ea typeface="ＭＳ Ｐゴシック" pitchFamily="1" charset="-128"/>
                 <a:cs typeface="Consolas" pitchFamily="49" charset="0"/>
               </a:rPr>
+              <a:t>analysis:language_support</a:t>
+            </a:r>
+            <a:endParaRPr lang="en-US" sz="2400" dirty="0" smtClean="0">
+              <a:solidFill>
+                <a:schemeClr val="bg1"/>
+              </a:solidFill>
+              <a:latin typeface="Consolas" pitchFamily="49" charset="0"/>
+              <a:ea typeface="ＭＳ Ｐゴシック" pitchFamily="1" charset="-128"/>
+              <a:cs typeface="Consolas" pitchFamily="49" charset="0"/>
+            </a:endParaRPr>
+          </a:p>
+        </p:txBody>
+      </p:sp>
+    </p:spTree>
+    <p:extLst>
+      <p:ext uri="{BB962C8B-B14F-4D97-AF65-F5344CB8AC3E}">
+        <p14:creationId xmlns:p14="http://schemas.microsoft.com/office/powerpoint/2010/main" val="2888912887"/>
+      </p:ext>
+    </p:extLst>
+  </p:cSld>
+  <p:clrMapOvr>
+    <a:masterClrMapping/>
+  </p:clrMapOvr>
+  <p:transition>
+    <p:fade/>
+  </p:transition>
+  <p:timing>
+    <p:tnLst>
+      <p:par>
+        <p:cTn id="1" dur="indefinite" restart="never" nodeType="tmRoot"/>
+      </p:par>
+    </p:tnLst>
+  </p:timing>
+</p:sld>
+</file>
+
+<file path=ppt/slides/slide14.xml><?xml version="1.0" encoding="utf-8"?>
+<p:sld xmlns:a="http://schemas.openxmlformats.org/drawingml/2006/main" xmlns:r="http://schemas.openxmlformats.org/officeDocument/2006/relationships" xmlns:p="http://schemas.openxmlformats.org/presentationml/2006/main" showMasterSp="0">
+  <p:cSld>
+    <p:spTree>
+      <p:nvGrpSpPr>
+        <p:cNvPr id="1" name=""/>
+        <p:cNvGrpSpPr/>
+        <p:nvPr/>
+      </p:nvGrpSpPr>
+      <p:grpSpPr>
+        <a:xfrm>
+          <a:off x="0" y="0"/>
+          <a:ext cx="0" cy="0"/>
+          <a:chOff x="0" y="0"/>
+          <a:chExt cx="0" cy="0"/>
+        </a:xfrm>
+      </p:grpSpPr>
+      <p:sp>
+        <p:nvSpPr>
+          <p:cNvPr id="2" name="TextBox 1"/>
+          <p:cNvSpPr txBox="1"/>
+          <p:nvPr/>
+        </p:nvSpPr>
+        <p:spPr bwMode="auto">
+          <a:xfrm>
+            <a:off x="522164" y="828303"/>
+            <a:ext cx="9721080" cy="551090"/>
+          </a:xfrm>
+          <a:prstGeom prst="rect">
+            <a:avLst/>
+          </a:prstGeom>
+          <a:solidFill>
+            <a:schemeClr val="tx1"/>
+          </a:solidFill>
+          <a:ln>
+            <a:headEnd/>
+            <a:tailEnd/>
+          </a:ln>
+        </p:spPr>
+        <p:style>
+          <a:lnRef idx="2">
+            <a:schemeClr val="dk1">
+              <a:shade val="50000"/>
+            </a:schemeClr>
+          </a:lnRef>
+          <a:fillRef idx="1">
+            <a:schemeClr val="dk1"/>
+          </a:fillRef>
+          <a:effectRef idx="0">
+            <a:schemeClr val="dk1"/>
+          </a:effectRef>
+          <a:fontRef idx="minor">
+            <a:schemeClr val="lt1"/>
+          </a:fontRef>
+        </p:style>
+        <p:txBody>
+          <a:bodyPr wrap="square" lIns="180000" tIns="90000" bIns="90000" rtlCol="0">
+            <a:spAutoFit/>
+          </a:bodyPr>
+          <a:lstStyle/>
+          <a:p>
+            <a:r>
+              <a:rPr lang="en-US" sz="2400" dirty="0">
+                <a:solidFill>
+                  <a:schemeClr val="bg1"/>
+                </a:solidFill>
+                <a:latin typeface="Consolas" pitchFamily="49" charset="0"/>
+                <a:ea typeface="ＭＳ Ｐゴシック" pitchFamily="1" charset="-128"/>
+                <a:cs typeface="Consolas" pitchFamily="49" charset="0"/>
+              </a:rPr>
+              <a:t>$ </a:t>
+            </a:r>
+            <a:r>
+              <a:rPr lang="en-US" sz="2400" dirty="0" err="1" smtClean="0">
+                <a:solidFill>
+                  <a:schemeClr val="bg1"/>
+                </a:solidFill>
+                <a:latin typeface="Consolas" pitchFamily="49" charset="0"/>
+                <a:ea typeface="ＭＳ Ｐゴシック" pitchFamily="1" charset="-128"/>
+                <a:cs typeface="Consolas" pitchFamily="49" charset="0"/>
+              </a:rPr>
               <a:t>analysis:dev_tools</a:t>
             </a:r>
             <a:endParaRPr lang="en-US" sz="2400" dirty="0" smtClean="0">
@@ -7084,7 +7407,7 @@
 </p:sld>
 </file>
 
-<file path=ppt/slides/slide14.xml><?xml version="1.0" encoding="utf-8"?>
+<file path=ppt/slides/slide15.xml><?xml version="1.0" encoding="utf-8"?>
 <p:sld xmlns:a="http://schemas.openxmlformats.org/drawingml/2006/main" xmlns:r="http://schemas.openxmlformats.org/officeDocument/2006/relationships" xmlns:p="http://schemas.openxmlformats.org/presentationml/2006/main" showMasterSp="0">
   <p:cSld>
     <p:spTree>
@@ -8821,7 +9144,7 @@
         <p:spPr bwMode="auto">
           <a:xfrm>
             <a:off x="522164" y="828303"/>
-            <a:ext cx="9721080" cy="3875077"/>
+            <a:ext cx="9721080" cy="2767081"/>
           </a:xfrm>
           <a:prstGeom prst="rect">
             <a:avLst/>
@@ -8887,10 +9210,8 @@
                 <a:ea typeface="ＭＳ Ｐゴシック" pitchFamily="1" charset="-128"/>
                 <a:cs typeface="Consolas" pitchFamily="49" charset="0"/>
               </a:rPr>
-              <a:t> pig-vs-java-0.0.1-snapshot.x86.rpm</a:t>
-            </a:r>
-          </a:p>
-          <a:p>
+              <a:t> </a:t>
+            </a:r>
             <a:r>
               <a:rPr lang="en-US" sz="2400" dirty="0" smtClean="0">
                 <a:solidFill>
@@ -8900,35 +9221,16 @@
                 <a:ea typeface="ＭＳ Ｐゴシック" pitchFamily="1" charset="-128"/>
                 <a:cs typeface="Consolas" pitchFamily="49" charset="0"/>
               </a:rPr>
-              <a:t>...</a:t>
-            </a:r>
-            <a:endParaRPr lang="en-US" sz="2400" dirty="0" smtClean="0"/>
-          </a:p>
-          <a:p>
-            <a:r>
-              <a:rPr lang="en-US" sz="2400" dirty="0" smtClean="0">
-                <a:solidFill>
-                  <a:schemeClr val="bg1"/>
-                </a:solidFill>
-                <a:latin typeface="Consolas" pitchFamily="49" charset="0"/>
-                <a:ea typeface="ＭＳ Ｐゴシック" pitchFamily="1" charset="-128"/>
-                <a:cs typeface="Consolas" pitchFamily="49" charset="0"/>
-              </a:rPr>
-              <a:t>cloudera-quickstart-vm-5.1.0</a:t>
-            </a:r>
-          </a:p>
-          <a:p>
-            <a:r>
-              <a:rPr lang="en-US" sz="2400" dirty="0" smtClean="0">
-                <a:solidFill>
-                  <a:schemeClr val="bg1"/>
-                </a:solidFill>
-                <a:latin typeface="Consolas" pitchFamily="49" charset="0"/>
-                <a:ea typeface="ＭＳ Ｐゴシック" pitchFamily="1" charset="-128"/>
-                <a:cs typeface="Consolas" pitchFamily="49" charset="0"/>
-              </a:rPr>
-              <a:t>...</a:t>
-            </a:r>
+              <a:t>pig-vs-java-0.0.1-snapshot.x86.rpm</a:t>
+            </a:r>
+            <a:endParaRPr lang="en-US" sz="2400" dirty="0" smtClean="0">
+              <a:solidFill>
+                <a:schemeClr val="bg1"/>
+              </a:solidFill>
+              <a:latin typeface="Consolas" pitchFamily="49" charset="0"/>
+              <a:ea typeface="ＭＳ Ｐゴシック" pitchFamily="1" charset="-128"/>
+              <a:cs typeface="Consolas" pitchFamily="49" charset="0"/>
+            </a:endParaRPr>
           </a:p>
           <a:p>
             <a:endParaRPr lang="en-US" sz="2400" dirty="0" smtClean="0">
